--- a/Phase 3 Presentation.pptx
+++ b/Phase 3 Presentation.pptx
@@ -5,44 +5,45 @@
     <p:sldMasterId id="2147483700" r:id="rId1"/>
   </p:sldMasterIdLst>
   <p:notesMasterIdLst>
-    <p:notesMasterId r:id="rId12"/>
+    <p:notesMasterId r:id="rId13"/>
   </p:notesMasterIdLst>
   <p:sldIdLst>
     <p:sldId id="256" r:id="rId2"/>
     <p:sldId id="257" r:id="rId3"/>
     <p:sldId id="259" r:id="rId4"/>
-    <p:sldId id="260" r:id="rId5"/>
-    <p:sldId id="272" r:id="rId6"/>
-    <p:sldId id="262" r:id="rId7"/>
-    <p:sldId id="263" r:id="rId8"/>
-    <p:sldId id="269" r:id="rId9"/>
-    <p:sldId id="270" r:id="rId10"/>
-    <p:sldId id="271" r:id="rId11"/>
+    <p:sldId id="273" r:id="rId5"/>
+    <p:sldId id="274" r:id="rId6"/>
+    <p:sldId id="260" r:id="rId7"/>
+    <p:sldId id="272" r:id="rId8"/>
+    <p:sldId id="262" r:id="rId9"/>
+    <p:sldId id="269" r:id="rId10"/>
+    <p:sldId id="270" r:id="rId11"/>
+    <p:sldId id="271" r:id="rId12"/>
   </p:sldIdLst>
   <p:sldSz cx="9144000" cy="5143500" type="screen16x9"/>
   <p:notesSz cx="6858000" cy="9144000"/>
   <p:embeddedFontLst>
     <p:embeddedFont>
       <p:font typeface="Bebas Neue" panose="020B0606020202050201" pitchFamily="34" charset="0"/>
-      <p:regular r:id="rId13"/>
+      <p:regular r:id="rId14"/>
     </p:embeddedFont>
     <p:embeddedFont>
       <p:font typeface="Century Gothic" panose="020B0502020202020204" pitchFamily="34" charset="0"/>
-      <p:regular r:id="rId14"/>
-      <p:bold r:id="rId15"/>
-      <p:italic r:id="rId16"/>
-      <p:boldItalic r:id="rId17"/>
+      <p:regular r:id="rId15"/>
+      <p:bold r:id="rId16"/>
+      <p:italic r:id="rId17"/>
+      <p:boldItalic r:id="rId18"/>
     </p:embeddedFont>
     <p:embeddedFont>
       <p:font typeface="Raleway" pitchFamily="2" charset="0"/>
-      <p:regular r:id="rId18"/>
-      <p:bold r:id="rId19"/>
-      <p:italic r:id="rId20"/>
-      <p:boldItalic r:id="rId21"/>
+      <p:regular r:id="rId19"/>
+      <p:bold r:id="rId20"/>
+      <p:italic r:id="rId21"/>
+      <p:boldItalic r:id="rId22"/>
     </p:embeddedFont>
     <p:embeddedFont>
       <p:font typeface="Wingdings 3" panose="05040102010807070707" pitchFamily="18" charset="2"/>
-      <p:regular r:id="rId22"/>
+      <p:regular r:id="rId23"/>
     </p:embeddedFont>
   </p:embeddedFontLst>
   <p:defaultTextStyle>
@@ -681,167 +682,7 @@
               </a:spcAft>
               <a:buNone/>
             </a:pPr>
-            <a:r>
-              <a:rPr lang="en"/>
-              <a:t>Mitch : Charlie</a:t>
-            </a:r>
-            <a:endParaRPr/>
-          </a:p>
-          <a:p>
-            <a:pPr marL="0" lvl="0" indent="0" algn="l" rtl="0">
-              <a:spcBef>
-                <a:spcPts val="0"/>
-              </a:spcBef>
-              <a:spcAft>
-                <a:spcPts val="0"/>
-              </a:spcAft>
-              <a:buNone/>
-            </a:pPr>
-            <a:r>
-              <a:rPr lang="en"/>
-              <a:t>Mitch: 1-7</a:t>
-            </a:r>
-            <a:endParaRPr/>
-          </a:p>
-          <a:p>
-            <a:pPr marL="0" lvl="0" indent="0" algn="l" rtl="0">
-              <a:spcBef>
-                <a:spcPts val="0"/>
-              </a:spcBef>
-              <a:spcAft>
-                <a:spcPts val="0"/>
-              </a:spcAft>
-              <a:buNone/>
-            </a:pPr>
-            <a:r>
-              <a:rPr lang="en"/>
-              <a:t>Charlie: 8 - 10</a:t>
-            </a:r>
-            <a:endParaRPr/>
-          </a:p>
-          <a:p>
-            <a:pPr marL="0" lvl="0" indent="0" algn="l" rtl="0">
-              <a:spcBef>
-                <a:spcPts val="0"/>
-              </a:spcBef>
-              <a:spcAft>
-                <a:spcPts val="0"/>
-              </a:spcAft>
-              <a:buNone/>
-            </a:pPr>
-            <a:r>
-              <a:rPr lang="en"/>
-              <a:t>Mitch: 11 (recommendations)</a:t>
-            </a:r>
-            <a:endParaRPr/>
-          </a:p>
-          <a:p>
-            <a:pPr marL="0" lvl="0" indent="0" algn="l" rtl="0">
-              <a:spcBef>
-                <a:spcPts val="0"/>
-              </a:spcBef>
-              <a:spcAft>
-                <a:spcPts val="0"/>
-              </a:spcAft>
-              <a:buNone/>
-            </a:pPr>
-            <a:r>
-              <a:rPr lang="en"/>
-              <a:t>Charlie: 12 (Next Steps)</a:t>
-            </a:r>
-            <a:endParaRPr/>
-          </a:p>
-          <a:p>
-            <a:pPr marL="0" lvl="0" indent="0" algn="l" rtl="0">
-              <a:spcBef>
-                <a:spcPts val="0"/>
-              </a:spcBef>
-              <a:spcAft>
-                <a:spcPts val="0"/>
-              </a:spcAft>
-              <a:buNone/>
-            </a:pPr>
-            <a:endParaRPr/>
-          </a:p>
-          <a:p>
-            <a:pPr marL="0" lvl="0" indent="0" algn="l" rtl="0">
-              <a:spcBef>
-                <a:spcPts val="0"/>
-              </a:spcBef>
-              <a:spcAft>
-                <a:spcPts val="0"/>
-              </a:spcAft>
-              <a:buNone/>
-            </a:pPr>
-            <a:r>
-              <a:rPr lang="en"/>
-              <a:t>Mitch: Charlie: Ali</a:t>
-            </a:r>
-            <a:endParaRPr/>
-          </a:p>
-          <a:p>
-            <a:pPr marL="0" lvl="0" indent="0" algn="l" rtl="0">
-              <a:spcBef>
-                <a:spcPts val="0"/>
-              </a:spcBef>
-              <a:spcAft>
-                <a:spcPts val="0"/>
-              </a:spcAft>
-              <a:buNone/>
-            </a:pPr>
-            <a:r>
-              <a:rPr lang="en"/>
-              <a:t>Mitch: 1-4</a:t>
-            </a:r>
-            <a:endParaRPr/>
-          </a:p>
-          <a:p>
-            <a:pPr marL="0" lvl="0" indent="0" algn="l" rtl="0">
-              <a:spcBef>
-                <a:spcPts val="0"/>
-              </a:spcBef>
-              <a:spcAft>
-                <a:spcPts val="0"/>
-              </a:spcAft>
-              <a:buNone/>
-            </a:pPr>
-            <a:r>
-              <a:rPr lang="en"/>
-              <a:t>Ali: 5-8</a:t>
-            </a:r>
-            <a:endParaRPr/>
-          </a:p>
-          <a:p>
-            <a:pPr marL="0" lvl="0" indent="0" algn="l" rtl="0">
-              <a:spcBef>
-                <a:spcPts val="0"/>
-              </a:spcBef>
-              <a:spcAft>
-                <a:spcPts val="0"/>
-              </a:spcAft>
-              <a:buNone/>
-            </a:pPr>
-            <a:r>
-              <a:rPr lang="en"/>
-              <a:t>Charlie: 9-11</a:t>
-            </a:r>
-            <a:endParaRPr/>
-          </a:p>
-          <a:p>
-            <a:pPr marL="0" lvl="0" indent="0" algn="l" rtl="0">
-              <a:spcBef>
-                <a:spcPts val="0"/>
-              </a:spcBef>
-              <a:spcAft>
-                <a:spcPts val="0"/>
-              </a:spcAft>
-              <a:buNone/>
-            </a:pPr>
-            <a:r>
-              <a:rPr lang="en"/>
-              <a:t>Mitch: 12 (closing)</a:t>
-            </a:r>
-            <a:endParaRPr/>
+            <a:endParaRPr dirty="0"/>
           </a:p>
         </p:txBody>
       </p:sp>
@@ -854,6 +695,115 @@
 </file>
 
 <file path=ppt/notesSlides/notesSlide10.xml><?xml version="1.0" encoding="utf-8"?>
+<p:notes xmlns:a="http://schemas.openxmlformats.org/drawingml/2006/main" xmlns:r="http://schemas.openxmlformats.org/officeDocument/2006/relationships" xmlns:p="http://schemas.openxmlformats.org/presentationml/2006/main" showMasterSp="0" showMasterPhAnim="0">
+  <p:cSld>
+    <p:spTree>
+      <p:nvGrpSpPr>
+        <p:cNvPr id="1" name="Shape 346"/>
+        <p:cNvGrpSpPr/>
+        <p:nvPr/>
+      </p:nvGrpSpPr>
+      <p:grpSpPr>
+        <a:xfrm>
+          <a:off x="0" y="0"/>
+          <a:ext cx="0" cy="0"/>
+          <a:chOff x="0" y="0"/>
+          <a:chExt cx="0" cy="0"/>
+        </a:xfrm>
+      </p:grpSpPr>
+      <p:sp>
+        <p:nvSpPr>
+          <p:cNvPr id="347" name="Google Shape;347;g14344ece83d_1_14:notes"/>
+          <p:cNvSpPr>
+            <a:spLocks noGrp="1" noRot="1" noChangeAspect="1"/>
+          </p:cNvSpPr>
+          <p:nvPr>
+            <p:ph type="sldImg" idx="2"/>
+          </p:nvPr>
+        </p:nvSpPr>
+        <p:spPr>
+          <a:xfrm>
+            <a:off x="381000" y="685800"/>
+            <a:ext cx="6096000" cy="3429000"/>
+          </a:xfrm>
+          <a:custGeom>
+            <a:avLst/>
+            <a:gdLst/>
+            <a:ahLst/>
+            <a:cxnLst/>
+            <a:rect l="l" t="t" r="r" b="b"/>
+            <a:pathLst>
+              <a:path w="120000" h="120000" extrusionOk="0">
+                <a:moveTo>
+                  <a:pt x="0" y="0"/>
+                </a:moveTo>
+                <a:lnTo>
+                  <a:pt x="120000" y="0"/>
+                </a:lnTo>
+                <a:lnTo>
+                  <a:pt x="120000" y="120000"/>
+                </a:lnTo>
+                <a:lnTo>
+                  <a:pt x="0" y="120000"/>
+                </a:lnTo>
+                <a:close/>
+              </a:path>
+            </a:pathLst>
+          </a:custGeom>
+        </p:spPr>
+      </p:sp>
+      <p:sp>
+        <p:nvSpPr>
+          <p:cNvPr id="348" name="Google Shape;348;g14344ece83d_1_14:notes"/>
+          <p:cNvSpPr txBox="1">
+            <a:spLocks noGrp="1"/>
+          </p:cNvSpPr>
+          <p:nvPr>
+            <p:ph type="body" idx="1"/>
+          </p:nvPr>
+        </p:nvSpPr>
+        <p:spPr>
+          <a:xfrm>
+            <a:off x="685800" y="4343400"/>
+            <a:ext cx="5486400" cy="4114800"/>
+          </a:xfrm>
+          <a:prstGeom prst="rect">
+            <a:avLst/>
+          </a:prstGeom>
+        </p:spPr>
+        <p:txBody>
+          <a:bodyPr spcFirstLastPara="1" wrap="square" lIns="91425" tIns="91425" rIns="91425" bIns="91425" anchor="t" anchorCtr="0">
+            <a:noAutofit/>
+          </a:bodyPr>
+          <a:lstStyle/>
+          <a:p>
+            <a:pPr marL="457200" lvl="0" indent="-304800" algn="l" rtl="0">
+              <a:spcBef>
+                <a:spcPts val="0"/>
+              </a:spcBef>
+              <a:spcAft>
+                <a:spcPts val="0"/>
+              </a:spcAft>
+              <a:buClr>
+                <a:schemeClr val="dk1"/>
+              </a:buClr>
+              <a:buSzPts val="1200"/>
+              <a:buFont typeface="Raleway"/>
+              <a:buChar char="●"/>
+            </a:pPr>
+            <a:endParaRPr dirty="0"/>
+          </a:p>
+        </p:txBody>
+      </p:sp>
+    </p:spTree>
+  </p:cSld>
+  <p:clrMapOvr>
+    <a:masterClrMapping/>
+  </p:clrMapOvr>
+</p:notes>
+</file>
+
+<file path=ppt/notesSlides/notesSlide11.xml><?xml version="1.0" encoding="utf-8"?>
 <p:notes xmlns:a="http://schemas.openxmlformats.org/drawingml/2006/main" xmlns:r="http://schemas.openxmlformats.org/officeDocument/2006/relationships" xmlns:p="http://schemas.openxmlformats.org/presentationml/2006/main" showMasterSp="0" showMasterPhAnim="0">
   <p:cSld>
     <p:spTree>
@@ -1153,39 +1103,7 @@
               </a:spcAft>
               <a:buNone/>
             </a:pPr>
-            <a:r>
-              <a:rPr lang="en"/>
-              <a:t>Mitch stop here if Ali is here</a:t>
-            </a:r>
-            <a:endParaRPr/>
-          </a:p>
-          <a:p>
-            <a:pPr marL="0" lvl="0" indent="0" algn="l" rtl="0">
-              <a:spcBef>
-                <a:spcPts val="0"/>
-              </a:spcBef>
-              <a:spcAft>
-                <a:spcPts val="0"/>
-              </a:spcAft>
-              <a:buNone/>
-            </a:pPr>
-            <a:endParaRPr/>
-          </a:p>
-          <a:p>
-            <a:pPr marL="0" lvl="0" indent="0" algn="l" rtl="0">
-              <a:spcBef>
-                <a:spcPts val="0"/>
-              </a:spcBef>
-              <a:spcAft>
-                <a:spcPts val="0"/>
-              </a:spcAft>
-              <a:buNone/>
-            </a:pPr>
-            <a:r>
-              <a:rPr lang="en"/>
-              <a:t>Bigger text</a:t>
-            </a:r>
-            <a:endParaRPr/>
+            <a:endParaRPr dirty="0"/>
           </a:p>
         </p:txBody>
       </p:sp>
@@ -1198,6 +1116,224 @@
 </file>
 
 <file path=ppt/notesSlides/notesSlide4.xml><?xml version="1.0" encoding="utf-8"?>
+<p:notes xmlns:a="http://schemas.openxmlformats.org/drawingml/2006/main" xmlns:r="http://schemas.openxmlformats.org/officeDocument/2006/relationships" xmlns:p="http://schemas.openxmlformats.org/presentationml/2006/main" showMasterSp="0" showMasterPhAnim="0">
+  <p:cSld>
+    <p:spTree>
+      <p:nvGrpSpPr>
+        <p:cNvPr id="1" name="Shape 222"/>
+        <p:cNvGrpSpPr/>
+        <p:nvPr/>
+      </p:nvGrpSpPr>
+      <p:grpSpPr>
+        <a:xfrm>
+          <a:off x="0" y="0"/>
+          <a:ext cx="0" cy="0"/>
+          <a:chOff x="0" y="0"/>
+          <a:chExt cx="0" cy="0"/>
+        </a:xfrm>
+      </p:grpSpPr>
+      <p:sp>
+        <p:nvSpPr>
+          <p:cNvPr id="223" name="Google Shape;223;g535dfb2784_0_0:notes"/>
+          <p:cNvSpPr>
+            <a:spLocks noGrp="1" noRot="1" noChangeAspect="1"/>
+          </p:cNvSpPr>
+          <p:nvPr>
+            <p:ph type="sldImg" idx="2"/>
+          </p:nvPr>
+        </p:nvSpPr>
+        <p:spPr>
+          <a:xfrm>
+            <a:off x="381000" y="685800"/>
+            <a:ext cx="6096000" cy="3429000"/>
+          </a:xfrm>
+          <a:custGeom>
+            <a:avLst/>
+            <a:gdLst/>
+            <a:ahLst/>
+            <a:cxnLst/>
+            <a:rect l="l" t="t" r="r" b="b"/>
+            <a:pathLst>
+              <a:path w="120000" h="120000" extrusionOk="0">
+                <a:moveTo>
+                  <a:pt x="0" y="0"/>
+                </a:moveTo>
+                <a:lnTo>
+                  <a:pt x="120000" y="0"/>
+                </a:lnTo>
+                <a:lnTo>
+                  <a:pt x="120000" y="120000"/>
+                </a:lnTo>
+                <a:lnTo>
+                  <a:pt x="0" y="120000"/>
+                </a:lnTo>
+                <a:close/>
+              </a:path>
+            </a:pathLst>
+          </a:custGeom>
+        </p:spPr>
+      </p:sp>
+      <p:sp>
+        <p:nvSpPr>
+          <p:cNvPr id="224" name="Google Shape;224;g535dfb2784_0_0:notes"/>
+          <p:cNvSpPr txBox="1">
+            <a:spLocks noGrp="1"/>
+          </p:cNvSpPr>
+          <p:nvPr>
+            <p:ph type="body" idx="1"/>
+          </p:nvPr>
+        </p:nvSpPr>
+        <p:spPr>
+          <a:xfrm>
+            <a:off x="685800" y="4343400"/>
+            <a:ext cx="5486400" cy="4114800"/>
+          </a:xfrm>
+          <a:prstGeom prst="rect">
+            <a:avLst/>
+          </a:prstGeom>
+        </p:spPr>
+        <p:txBody>
+          <a:bodyPr spcFirstLastPara="1" wrap="square" lIns="91425" tIns="91425" rIns="91425" bIns="91425" anchor="t" anchorCtr="0">
+            <a:noAutofit/>
+          </a:bodyPr>
+          <a:lstStyle/>
+          <a:p>
+            <a:pPr marL="0" lvl="0" indent="0" algn="l" rtl="0">
+              <a:spcBef>
+                <a:spcPts val="0"/>
+              </a:spcBef>
+              <a:spcAft>
+                <a:spcPts val="0"/>
+              </a:spcAft>
+              <a:buNone/>
+            </a:pPr>
+            <a:endParaRPr dirty="0"/>
+          </a:p>
+        </p:txBody>
+      </p:sp>
+    </p:spTree>
+    <p:extLst>
+      <p:ext uri="{BB962C8B-B14F-4D97-AF65-F5344CB8AC3E}">
+        <p14:creationId xmlns:p14="http://schemas.microsoft.com/office/powerpoint/2010/main" val="1989594413"/>
+      </p:ext>
+    </p:extLst>
+  </p:cSld>
+  <p:clrMapOvr>
+    <a:masterClrMapping/>
+  </p:clrMapOvr>
+</p:notes>
+</file>
+
+<file path=ppt/notesSlides/notesSlide5.xml><?xml version="1.0" encoding="utf-8"?>
+<p:notes xmlns:a="http://schemas.openxmlformats.org/drawingml/2006/main" xmlns:r="http://schemas.openxmlformats.org/officeDocument/2006/relationships" xmlns:p="http://schemas.openxmlformats.org/presentationml/2006/main" showMasterSp="0" showMasterPhAnim="0">
+  <p:cSld>
+    <p:spTree>
+      <p:nvGrpSpPr>
+        <p:cNvPr id="1" name="Shape 222"/>
+        <p:cNvGrpSpPr/>
+        <p:nvPr/>
+      </p:nvGrpSpPr>
+      <p:grpSpPr>
+        <a:xfrm>
+          <a:off x="0" y="0"/>
+          <a:ext cx="0" cy="0"/>
+          <a:chOff x="0" y="0"/>
+          <a:chExt cx="0" cy="0"/>
+        </a:xfrm>
+      </p:grpSpPr>
+      <p:sp>
+        <p:nvSpPr>
+          <p:cNvPr id="223" name="Google Shape;223;g535dfb2784_0_0:notes"/>
+          <p:cNvSpPr>
+            <a:spLocks noGrp="1" noRot="1" noChangeAspect="1"/>
+          </p:cNvSpPr>
+          <p:nvPr>
+            <p:ph type="sldImg" idx="2"/>
+          </p:nvPr>
+        </p:nvSpPr>
+        <p:spPr>
+          <a:xfrm>
+            <a:off x="381000" y="685800"/>
+            <a:ext cx="6096000" cy="3429000"/>
+          </a:xfrm>
+          <a:custGeom>
+            <a:avLst/>
+            <a:gdLst/>
+            <a:ahLst/>
+            <a:cxnLst/>
+            <a:rect l="l" t="t" r="r" b="b"/>
+            <a:pathLst>
+              <a:path w="120000" h="120000" extrusionOk="0">
+                <a:moveTo>
+                  <a:pt x="0" y="0"/>
+                </a:moveTo>
+                <a:lnTo>
+                  <a:pt x="120000" y="0"/>
+                </a:lnTo>
+                <a:lnTo>
+                  <a:pt x="120000" y="120000"/>
+                </a:lnTo>
+                <a:lnTo>
+                  <a:pt x="0" y="120000"/>
+                </a:lnTo>
+                <a:close/>
+              </a:path>
+            </a:pathLst>
+          </a:custGeom>
+        </p:spPr>
+      </p:sp>
+      <p:sp>
+        <p:nvSpPr>
+          <p:cNvPr id="224" name="Google Shape;224;g535dfb2784_0_0:notes"/>
+          <p:cNvSpPr txBox="1">
+            <a:spLocks noGrp="1"/>
+          </p:cNvSpPr>
+          <p:nvPr>
+            <p:ph type="body" idx="1"/>
+          </p:nvPr>
+        </p:nvSpPr>
+        <p:spPr>
+          <a:xfrm>
+            <a:off x="685800" y="4343400"/>
+            <a:ext cx="5486400" cy="4114800"/>
+          </a:xfrm>
+          <a:prstGeom prst="rect">
+            <a:avLst/>
+          </a:prstGeom>
+        </p:spPr>
+        <p:txBody>
+          <a:bodyPr spcFirstLastPara="1" wrap="square" lIns="91425" tIns="91425" rIns="91425" bIns="91425" anchor="t" anchorCtr="0">
+            <a:noAutofit/>
+          </a:bodyPr>
+          <a:lstStyle/>
+          <a:p>
+            <a:pPr marL="0" lvl="0" indent="0" algn="l" rtl="0">
+              <a:spcBef>
+                <a:spcPts val="0"/>
+              </a:spcBef>
+              <a:spcAft>
+                <a:spcPts val="0"/>
+              </a:spcAft>
+              <a:buNone/>
+            </a:pPr>
+            <a:endParaRPr dirty="0"/>
+          </a:p>
+        </p:txBody>
+      </p:sp>
+    </p:spTree>
+    <p:extLst>
+      <p:ext uri="{BB962C8B-B14F-4D97-AF65-F5344CB8AC3E}">
+        <p14:creationId xmlns:p14="http://schemas.microsoft.com/office/powerpoint/2010/main" val="2221668010"/>
+      </p:ext>
+    </p:extLst>
+  </p:cSld>
+  <p:clrMapOvr>
+    <a:masterClrMapping/>
+  </p:clrMapOvr>
+</p:notes>
+</file>
+
+<file path=ppt/notesSlides/notesSlide6.xml><?xml version="1.0" encoding="utf-8"?>
 <p:notes xmlns:a="http://schemas.openxmlformats.org/drawingml/2006/main" xmlns:r="http://schemas.openxmlformats.org/officeDocument/2006/relationships" xmlns:p="http://schemas.openxmlformats.org/presentationml/2006/main" showMasterSp="0" showMasterPhAnim="0">
   <p:cSld>
     <p:spTree>
@@ -1289,11 +1425,7 @@
               </a:spcAft>
               <a:buNone/>
             </a:pPr>
-            <a:r>
-              <a:rPr lang="en"/>
-              <a:t>Mitch stop here if Ali is not here</a:t>
-            </a:r>
-            <a:endParaRPr/>
+            <a:endParaRPr dirty="0"/>
           </a:p>
         </p:txBody>
       </p:sp>
@@ -1305,7 +1437,7 @@
 </p:notes>
 </file>
 
-<file path=ppt/notesSlides/notesSlide5.xml><?xml version="1.0" encoding="utf-8"?>
+<file path=ppt/notesSlides/notesSlide7.xml><?xml version="1.0" encoding="utf-8"?>
 <p:notes xmlns:a="http://schemas.openxmlformats.org/drawingml/2006/main" xmlns:r="http://schemas.openxmlformats.org/officeDocument/2006/relationships" xmlns:p="http://schemas.openxmlformats.org/presentationml/2006/main" showMasterSp="0" showMasterPhAnim="0">
   <p:cSld>
     <p:spTree>
@@ -1397,11 +1529,7 @@
               </a:spcAft>
               <a:buNone/>
             </a:pPr>
-            <a:r>
-              <a:rPr lang="en"/>
-              <a:t>Mitch stop here if Ali is not here</a:t>
-            </a:r>
-            <a:endParaRPr/>
+            <a:endParaRPr dirty="0"/>
           </a:p>
         </p:txBody>
       </p:sp>
@@ -1418,7 +1546,7 @@
 </p:notes>
 </file>
 
-<file path=ppt/notesSlides/notesSlide6.xml><?xml version="1.0" encoding="utf-8"?>
+<file path=ppt/notesSlides/notesSlide8.xml><?xml version="1.0" encoding="utf-8"?>
 <p:notes xmlns:a="http://schemas.openxmlformats.org/drawingml/2006/main" xmlns:r="http://schemas.openxmlformats.org/officeDocument/2006/relationships" xmlns:p="http://schemas.openxmlformats.org/presentationml/2006/main" showMasterSp="0" showMasterPhAnim="0">
   <p:cSld>
     <p:spTree>
@@ -1510,71 +1638,7 @@
               </a:spcAft>
               <a:buNone/>
             </a:pPr>
-            <a:r>
-              <a:rPr lang="en"/>
-              <a:t>Total Sqft is important as it shows home values increase when homes have a garage, basement, etc.</a:t>
-            </a:r>
-            <a:endParaRPr/>
-          </a:p>
-          <a:p>
-            <a:pPr marL="0" lvl="0" indent="0" algn="l" rtl="0">
-              <a:spcBef>
-                <a:spcPts val="0"/>
-              </a:spcBef>
-              <a:spcAft>
-                <a:spcPts val="0"/>
-              </a:spcAft>
-              <a:buNone/>
-            </a:pPr>
-            <a:r>
-              <a:rPr lang="en"/>
-              <a:t>Weighted living shows the increase in the value per square foot of a home as build quality increases</a:t>
-            </a:r>
-            <a:endParaRPr/>
-          </a:p>
-          <a:p>
-            <a:pPr marL="0" lvl="0" indent="0" algn="l" rtl="0">
-              <a:spcBef>
-                <a:spcPts val="0"/>
-              </a:spcBef>
-              <a:spcAft>
-                <a:spcPts val="0"/>
-              </a:spcAft>
-              <a:buNone/>
-            </a:pPr>
-            <a:endParaRPr/>
-          </a:p>
-          <a:p>
-            <a:pPr marL="0" lvl="0" indent="0" algn="l" rtl="0">
-              <a:spcBef>
-                <a:spcPts val="0"/>
-              </a:spcBef>
-              <a:spcAft>
-                <a:spcPts val="0"/>
-              </a:spcAft>
-              <a:buNone/>
-            </a:pPr>
-            <a:r>
-              <a:rPr lang="en"/>
-              <a:t>Remove price from Xticks - increase size</a:t>
-            </a:r>
-            <a:endParaRPr/>
-          </a:p>
-          <a:p>
-            <a:pPr marL="0" lvl="0" indent="0" algn="l" rtl="0">
-              <a:spcBef>
-                <a:spcPts val="0"/>
-              </a:spcBef>
-              <a:spcAft>
-                <a:spcPts val="0"/>
-              </a:spcAft>
-              <a:buNone/>
-            </a:pPr>
-            <a:r>
-              <a:rPr lang="en"/>
-              <a:t>2 slides - first plain, 2nd call out boxes - punch up colors - change titles to clarify</a:t>
-            </a:r>
-            <a:endParaRPr/>
+            <a:endParaRPr dirty="0"/>
           </a:p>
         </p:txBody>
       </p:sp>
@@ -1586,175 +1650,7 @@
 </p:notes>
 </file>
 
-<file path=ppt/notesSlides/notesSlide7.xml><?xml version="1.0" encoding="utf-8"?>
-<p:notes xmlns:a="http://schemas.openxmlformats.org/drawingml/2006/main" xmlns:r="http://schemas.openxmlformats.org/officeDocument/2006/relationships" xmlns:p="http://schemas.openxmlformats.org/presentationml/2006/main" showMasterSp="0" showMasterPhAnim="0">
-  <p:cSld>
-    <p:spTree>
-      <p:nvGrpSpPr>
-        <p:cNvPr id="1" name="Shape 273"/>
-        <p:cNvGrpSpPr/>
-        <p:nvPr/>
-      </p:nvGrpSpPr>
-      <p:grpSpPr>
-        <a:xfrm>
-          <a:off x="0" y="0"/>
-          <a:ext cx="0" cy="0"/>
-          <a:chOff x="0" y="0"/>
-          <a:chExt cx="0" cy="0"/>
-        </a:xfrm>
-      </p:grpSpPr>
-      <p:sp>
-        <p:nvSpPr>
-          <p:cNvPr id="274" name="Google Shape;274;g14339cc84c5_0_65:notes"/>
-          <p:cNvSpPr>
-            <a:spLocks noGrp="1" noRot="1" noChangeAspect="1"/>
-          </p:cNvSpPr>
-          <p:nvPr>
-            <p:ph type="sldImg" idx="2"/>
-          </p:nvPr>
-        </p:nvSpPr>
-        <p:spPr>
-          <a:xfrm>
-            <a:off x="381000" y="685800"/>
-            <a:ext cx="6096000" cy="3429000"/>
-          </a:xfrm>
-          <a:custGeom>
-            <a:avLst/>
-            <a:gdLst/>
-            <a:ahLst/>
-            <a:cxnLst/>
-            <a:rect l="l" t="t" r="r" b="b"/>
-            <a:pathLst>
-              <a:path w="120000" h="120000" extrusionOk="0">
-                <a:moveTo>
-                  <a:pt x="0" y="0"/>
-                </a:moveTo>
-                <a:lnTo>
-                  <a:pt x="120000" y="0"/>
-                </a:lnTo>
-                <a:lnTo>
-                  <a:pt x="120000" y="120000"/>
-                </a:lnTo>
-                <a:lnTo>
-                  <a:pt x="0" y="120000"/>
-                </a:lnTo>
-                <a:close/>
-              </a:path>
-            </a:pathLst>
-          </a:custGeom>
-        </p:spPr>
-      </p:sp>
-      <p:sp>
-        <p:nvSpPr>
-          <p:cNvPr id="275" name="Google Shape;275;g14339cc84c5_0_65:notes"/>
-          <p:cNvSpPr txBox="1">
-            <a:spLocks noGrp="1"/>
-          </p:cNvSpPr>
-          <p:nvPr>
-            <p:ph type="body" idx="1"/>
-          </p:nvPr>
-        </p:nvSpPr>
-        <p:spPr>
-          <a:xfrm>
-            <a:off x="685800" y="4343400"/>
-            <a:ext cx="5486400" cy="4114800"/>
-          </a:xfrm>
-          <a:prstGeom prst="rect">
-            <a:avLst/>
-          </a:prstGeom>
-        </p:spPr>
-        <p:txBody>
-          <a:bodyPr spcFirstLastPara="1" wrap="square" lIns="91425" tIns="91425" rIns="91425" bIns="91425" anchor="t" anchorCtr="0">
-            <a:noAutofit/>
-          </a:bodyPr>
-          <a:lstStyle/>
-          <a:p>
-            <a:pPr marL="0" lvl="0" indent="0" algn="l" rtl="0">
-              <a:spcBef>
-                <a:spcPts val="0"/>
-              </a:spcBef>
-              <a:spcAft>
-                <a:spcPts val="0"/>
-              </a:spcAft>
-              <a:buNone/>
-            </a:pPr>
-            <a:r>
-              <a:rPr lang="en"/>
-              <a:t>Total Sqft is important as it shows home values increase when homes have a garage, basement, etc.</a:t>
-            </a:r>
-            <a:endParaRPr/>
-          </a:p>
-          <a:p>
-            <a:pPr marL="0" lvl="0" indent="0" algn="l" rtl="0">
-              <a:spcBef>
-                <a:spcPts val="0"/>
-              </a:spcBef>
-              <a:spcAft>
-                <a:spcPts val="0"/>
-              </a:spcAft>
-              <a:buNone/>
-            </a:pPr>
-            <a:r>
-              <a:rPr lang="en"/>
-              <a:t>Weighted living shows the increase in the value per square foot of a home as build quality increases</a:t>
-            </a:r>
-            <a:endParaRPr/>
-          </a:p>
-          <a:p>
-            <a:pPr marL="0" lvl="0" indent="0" algn="l" rtl="0">
-              <a:spcBef>
-                <a:spcPts val="0"/>
-              </a:spcBef>
-              <a:spcAft>
-                <a:spcPts val="0"/>
-              </a:spcAft>
-              <a:buNone/>
-            </a:pPr>
-            <a:endParaRPr/>
-          </a:p>
-          <a:p>
-            <a:pPr marL="0" lvl="0" indent="0" algn="l" rtl="0">
-              <a:spcBef>
-                <a:spcPts val="0"/>
-              </a:spcBef>
-              <a:spcAft>
-                <a:spcPts val="0"/>
-              </a:spcAft>
-              <a:buNone/>
-            </a:pPr>
-            <a:r>
-              <a:rPr lang="en"/>
-              <a:t>Remove price from Xticks - increase size</a:t>
-            </a:r>
-            <a:endParaRPr/>
-          </a:p>
-          <a:p>
-            <a:pPr marL="0" lvl="0" indent="0" algn="l" rtl="0">
-              <a:spcBef>
-                <a:spcPts val="0"/>
-              </a:spcBef>
-              <a:spcAft>
-                <a:spcPts val="0"/>
-              </a:spcAft>
-              <a:buNone/>
-            </a:pPr>
-            <a:r>
-              <a:rPr lang="en"/>
-              <a:t>2 slides - first plain, 2nd call out boxes - punch up colors - change titles to clarify</a:t>
-            </a:r>
-            <a:endParaRPr/>
-          </a:p>
-        </p:txBody>
-      </p:sp>
-    </p:spTree>
-  </p:cSld>
-  <p:clrMapOvr>
-    <a:masterClrMapping/>
-  </p:clrMapOvr>
-</p:notes>
-</file>
-
-<file path=ppt/notesSlides/notesSlide8.xml><?xml version="1.0" encoding="utf-8"?>
+<file path=ppt/notesSlides/notesSlide9.xml><?xml version="1.0" encoding="utf-8"?>
 <p:notes xmlns:a="http://schemas.openxmlformats.org/drawingml/2006/main" xmlns:r="http://schemas.openxmlformats.org/officeDocument/2006/relationships" xmlns:p="http://schemas.openxmlformats.org/presentationml/2006/main" showMasterSp="0" showMasterPhAnim="0">
   <p:cSld>
     <p:spTree>
@@ -1846,358 +1742,7 @@
               </a:spcAft>
               <a:buNone/>
             </a:pPr>
-            <a:r>
-              <a:rPr lang="en"/>
-              <a:t>Mitch back in</a:t>
-            </a:r>
-            <a:endParaRPr/>
-          </a:p>
-          <a:p>
-            <a:pPr marL="0" lvl="0" indent="0" algn="l" rtl="0">
-              <a:spcBef>
-                <a:spcPts val="0"/>
-              </a:spcBef>
-              <a:spcAft>
-                <a:spcPts val="0"/>
-              </a:spcAft>
-              <a:buNone/>
-            </a:pPr>
-            <a:endParaRPr/>
-          </a:p>
-          <a:p>
-            <a:pPr marL="0" lvl="0" indent="0" algn="l" rtl="0">
-              <a:spcBef>
-                <a:spcPts val="0"/>
-              </a:spcBef>
-              <a:spcAft>
-                <a:spcPts val="0"/>
-              </a:spcAft>
-              <a:buNone/>
-            </a:pPr>
-            <a:r>
-              <a:rPr lang="en"/>
-              <a:t>FAR preservation incentive for 2,000 sqft homes built on existing 5,000sqft lot - </a:t>
-            </a:r>
-            <a:endParaRPr/>
-          </a:p>
-        </p:txBody>
-      </p:sp>
-    </p:spTree>
-  </p:cSld>
-  <p:clrMapOvr>
-    <a:masterClrMapping/>
-  </p:clrMapOvr>
-</p:notes>
-</file>
-
-<file path=ppt/notesSlides/notesSlide9.xml><?xml version="1.0" encoding="utf-8"?>
-<p:notes xmlns:a="http://schemas.openxmlformats.org/drawingml/2006/main" xmlns:r="http://schemas.openxmlformats.org/officeDocument/2006/relationships" xmlns:p="http://schemas.openxmlformats.org/presentationml/2006/main" showMasterSp="0" showMasterPhAnim="0">
-  <p:cSld>
-    <p:spTree>
-      <p:nvGrpSpPr>
-        <p:cNvPr id="1" name="Shape 346"/>
-        <p:cNvGrpSpPr/>
-        <p:nvPr/>
-      </p:nvGrpSpPr>
-      <p:grpSpPr>
-        <a:xfrm>
-          <a:off x="0" y="0"/>
-          <a:ext cx="0" cy="0"/>
-          <a:chOff x="0" y="0"/>
-          <a:chExt cx="0" cy="0"/>
-        </a:xfrm>
-      </p:grpSpPr>
-      <p:sp>
-        <p:nvSpPr>
-          <p:cNvPr id="347" name="Google Shape;347;g14344ece83d_1_14:notes"/>
-          <p:cNvSpPr>
-            <a:spLocks noGrp="1" noRot="1" noChangeAspect="1"/>
-          </p:cNvSpPr>
-          <p:nvPr>
-            <p:ph type="sldImg" idx="2"/>
-          </p:nvPr>
-        </p:nvSpPr>
-        <p:spPr>
-          <a:xfrm>
-            <a:off x="381000" y="685800"/>
-            <a:ext cx="6096000" cy="3429000"/>
-          </a:xfrm>
-          <a:custGeom>
-            <a:avLst/>
-            <a:gdLst/>
-            <a:ahLst/>
-            <a:cxnLst/>
-            <a:rect l="l" t="t" r="r" b="b"/>
-            <a:pathLst>
-              <a:path w="120000" h="120000" extrusionOk="0">
-                <a:moveTo>
-                  <a:pt x="0" y="0"/>
-                </a:moveTo>
-                <a:lnTo>
-                  <a:pt x="120000" y="0"/>
-                </a:lnTo>
-                <a:lnTo>
-                  <a:pt x="120000" y="120000"/>
-                </a:lnTo>
-                <a:lnTo>
-                  <a:pt x="0" y="120000"/>
-                </a:lnTo>
-                <a:close/>
-              </a:path>
-            </a:pathLst>
-          </a:custGeom>
-        </p:spPr>
-      </p:sp>
-      <p:sp>
-        <p:nvSpPr>
-          <p:cNvPr id="348" name="Google Shape;348;g14344ece83d_1_14:notes"/>
-          <p:cNvSpPr txBox="1">
-            <a:spLocks noGrp="1"/>
-          </p:cNvSpPr>
-          <p:nvPr>
-            <p:ph type="body" idx="1"/>
-          </p:nvPr>
-        </p:nvSpPr>
-        <p:spPr>
-          <a:xfrm>
-            <a:off x="685800" y="4343400"/>
-            <a:ext cx="5486400" cy="4114800"/>
-          </a:xfrm>
-          <a:prstGeom prst="rect">
-            <a:avLst/>
-          </a:prstGeom>
-        </p:spPr>
-        <p:txBody>
-          <a:bodyPr spcFirstLastPara="1" wrap="square" lIns="91425" tIns="91425" rIns="91425" bIns="91425" anchor="t" anchorCtr="0">
-            <a:noAutofit/>
-          </a:bodyPr>
-          <a:lstStyle/>
-          <a:p>
-            <a:pPr marL="457200" lvl="0" indent="-304800" algn="l" rtl="0">
-              <a:spcBef>
-                <a:spcPts val="0"/>
-              </a:spcBef>
-              <a:spcAft>
-                <a:spcPts val="0"/>
-              </a:spcAft>
-              <a:buClr>
-                <a:schemeClr val="dk1"/>
-              </a:buClr>
-              <a:buSzPts val="1200"/>
-              <a:buFont typeface="Raleway"/>
-              <a:buChar char="●"/>
-            </a:pPr>
-            <a:r>
-              <a:rPr lang="en" sz="1200">
-                <a:solidFill>
-                  <a:schemeClr val="dk1"/>
-                </a:solidFill>
-                <a:latin typeface="Raleway"/>
-                <a:ea typeface="Raleway"/>
-                <a:cs typeface="Raleway"/>
-                <a:sym typeface="Raleway"/>
-              </a:rPr>
-              <a:t>Medina is home to some of the richest people on the planet(Bill Gates, Jeff Bezos, etc.)</a:t>
-            </a:r>
-            <a:endParaRPr sz="1200">
-              <a:solidFill>
-                <a:schemeClr val="dk1"/>
-              </a:solidFill>
-              <a:latin typeface="Raleway"/>
-              <a:ea typeface="Raleway"/>
-              <a:cs typeface="Raleway"/>
-              <a:sym typeface="Raleway"/>
-            </a:endParaRPr>
-          </a:p>
-          <a:p>
-            <a:pPr marL="457200" lvl="0" indent="-304800" algn="l" rtl="0">
-              <a:spcBef>
-                <a:spcPts val="0"/>
-              </a:spcBef>
-              <a:spcAft>
-                <a:spcPts val="0"/>
-              </a:spcAft>
-              <a:buClr>
-                <a:schemeClr val="dk1"/>
-              </a:buClr>
-              <a:buSzPts val="1200"/>
-              <a:buFont typeface="Raleway"/>
-              <a:buChar char="●"/>
-            </a:pPr>
-            <a:r>
-              <a:rPr lang="en" sz="1200">
-                <a:solidFill>
-                  <a:schemeClr val="dk1"/>
-                </a:solidFill>
-                <a:latin typeface="Raleway"/>
-                <a:ea typeface="Raleway"/>
-                <a:cs typeface="Raleway"/>
-                <a:sym typeface="Raleway"/>
-              </a:rPr>
-              <a:t>Locals are likely not interested in 2000 sqft homes</a:t>
-            </a:r>
-            <a:endParaRPr sz="1200">
-              <a:solidFill>
-                <a:schemeClr val="dk1"/>
-              </a:solidFill>
-              <a:latin typeface="Raleway"/>
-              <a:ea typeface="Raleway"/>
-              <a:cs typeface="Raleway"/>
-              <a:sym typeface="Raleway"/>
-            </a:endParaRPr>
-          </a:p>
-          <a:p>
-            <a:pPr marL="457200" lvl="0" indent="-304800" algn="l" rtl="0">
-              <a:spcBef>
-                <a:spcPts val="0"/>
-              </a:spcBef>
-              <a:spcAft>
-                <a:spcPts val="0"/>
-              </a:spcAft>
-              <a:buClr>
-                <a:schemeClr val="dk1"/>
-              </a:buClr>
-              <a:buSzPts val="1200"/>
-              <a:buFont typeface="Raleway"/>
-              <a:buChar char="●"/>
-            </a:pPr>
-            <a:endParaRPr sz="1200">
-              <a:solidFill>
-                <a:schemeClr val="dk1"/>
-              </a:solidFill>
-              <a:latin typeface="Raleway"/>
-              <a:ea typeface="Raleway"/>
-              <a:cs typeface="Raleway"/>
-              <a:sym typeface="Raleway"/>
-            </a:endParaRPr>
-          </a:p>
-          <a:p>
-            <a:pPr marL="457200" lvl="0" indent="-304800" algn="l" rtl="0">
-              <a:spcBef>
-                <a:spcPts val="0"/>
-              </a:spcBef>
-              <a:spcAft>
-                <a:spcPts val="0"/>
-              </a:spcAft>
-              <a:buClr>
-                <a:schemeClr val="dk1"/>
-              </a:buClr>
-              <a:buSzPts val="1200"/>
-              <a:buFont typeface="Raleway"/>
-              <a:buChar char="●"/>
-            </a:pPr>
-            <a:r>
-              <a:rPr lang="en" sz="1200">
-                <a:solidFill>
-                  <a:schemeClr val="dk1"/>
-                </a:solidFill>
-                <a:latin typeface="Raleway"/>
-                <a:ea typeface="Raleway"/>
-                <a:cs typeface="Raleway"/>
-                <a:sym typeface="Raleway"/>
-              </a:rPr>
-              <a:t>Improved score</a:t>
-            </a:r>
-            <a:endParaRPr sz="1200">
-              <a:solidFill>
-                <a:schemeClr val="dk1"/>
-              </a:solidFill>
-              <a:latin typeface="Raleway"/>
-              <a:ea typeface="Raleway"/>
-              <a:cs typeface="Raleway"/>
-              <a:sym typeface="Raleway"/>
-            </a:endParaRPr>
-          </a:p>
-          <a:p>
-            <a:pPr marL="457200" lvl="0" indent="-304800" algn="l" rtl="0">
-              <a:spcBef>
-                <a:spcPts val="0"/>
-              </a:spcBef>
-              <a:spcAft>
-                <a:spcPts val="0"/>
-              </a:spcAft>
-              <a:buClr>
-                <a:schemeClr val="dk1"/>
-              </a:buClr>
-              <a:buSzPts val="1200"/>
-              <a:buFont typeface="Raleway"/>
-              <a:buChar char="●"/>
-            </a:pPr>
-            <a:r>
-              <a:rPr lang="en" sz="1200">
-                <a:solidFill>
-                  <a:schemeClr val="dk1"/>
-                </a:solidFill>
-                <a:latin typeface="Raleway"/>
-                <a:ea typeface="Raleway"/>
-                <a:cs typeface="Raleway"/>
-                <a:sym typeface="Raleway"/>
-              </a:rPr>
-              <a:t>Reduce errors</a:t>
-            </a:r>
-            <a:endParaRPr sz="1200">
-              <a:solidFill>
-                <a:schemeClr val="dk1"/>
-              </a:solidFill>
-              <a:latin typeface="Raleway"/>
-              <a:ea typeface="Raleway"/>
-              <a:cs typeface="Raleway"/>
-              <a:sym typeface="Raleway"/>
-            </a:endParaRPr>
-          </a:p>
-          <a:p>
-            <a:pPr marL="457200" lvl="0" indent="-304800" algn="l" rtl="0">
-              <a:spcBef>
-                <a:spcPts val="0"/>
-              </a:spcBef>
-              <a:spcAft>
-                <a:spcPts val="0"/>
-              </a:spcAft>
-              <a:buClr>
-                <a:schemeClr val="dk1"/>
-              </a:buClr>
-              <a:buSzPts val="1200"/>
-              <a:buFont typeface="Raleway"/>
-              <a:buChar char="●"/>
-            </a:pPr>
-            <a:endParaRPr sz="1200">
-              <a:solidFill>
-                <a:schemeClr val="dk1"/>
-              </a:solidFill>
-              <a:latin typeface="Raleway"/>
-              <a:ea typeface="Raleway"/>
-              <a:cs typeface="Raleway"/>
-              <a:sym typeface="Raleway"/>
-            </a:endParaRPr>
-          </a:p>
-          <a:p>
-            <a:pPr marL="457200" lvl="0" indent="-304800" algn="l" rtl="0">
-              <a:spcBef>
-                <a:spcPts val="0"/>
-              </a:spcBef>
-              <a:spcAft>
-                <a:spcPts val="0"/>
-              </a:spcAft>
-              <a:buClr>
-                <a:schemeClr val="dk1"/>
-              </a:buClr>
-              <a:buSzPts val="1200"/>
-              <a:buFont typeface="Raleway"/>
-              <a:buChar char="●"/>
-            </a:pPr>
-            <a:r>
-              <a:rPr lang="en" sz="1200">
-                <a:solidFill>
-                  <a:schemeClr val="dk1"/>
-                </a:solidFill>
-                <a:latin typeface="Raleway"/>
-                <a:ea typeface="Raleway"/>
-                <a:cs typeface="Raleway"/>
-                <a:sym typeface="Raleway"/>
-              </a:rPr>
-              <a:t>rates of change in buying frequency and value</a:t>
-            </a:r>
-            <a:endParaRPr/>
+            <a:endParaRPr dirty="0"/>
           </a:p>
         </p:txBody>
       </p:sp>
@@ -2545,7 +2090,7 @@
             <a:fld id="{B61BEF0D-F0BB-DE4B-95CE-6DB70DBA9567}" type="datetimeFigureOut">
               <a:rPr lang="en-US" smtClean="0"/>
               <a:pPr/>
-              <a:t>8/24/2022</a:t>
+              <a:t>8/25/2022</a:t>
             </a:fld>
             <a:endParaRPr lang="en-US" dirty="0"/>
           </a:p>
@@ -3636,7 +3181,7 @@
             <a:fld id="{B61BEF0D-F0BB-DE4B-95CE-6DB70DBA9567}" type="datetimeFigureOut">
               <a:rPr lang="en-US" smtClean="0"/>
               <a:pPr/>
-              <a:t>8/24/2022</a:t>
+              <a:t>8/25/2022</a:t>
             </a:fld>
             <a:endParaRPr lang="en-US" dirty="0"/>
           </a:p>
@@ -4619,7 +4164,7 @@
             <a:fld id="{B61BEF0D-F0BB-DE4B-95CE-6DB70DBA9567}" type="datetimeFigureOut">
               <a:rPr lang="en-US" smtClean="0"/>
               <a:pPr/>
-              <a:t>8/24/2022</a:t>
+              <a:t>8/25/2022</a:t>
             </a:fld>
             <a:endParaRPr lang="en-US" dirty="0"/>
           </a:p>
@@ -5756,7 +5301,7 @@
             <a:fld id="{B61BEF0D-F0BB-DE4B-95CE-6DB70DBA9567}" type="datetimeFigureOut">
               <a:rPr lang="en-US" smtClean="0"/>
               <a:pPr/>
-              <a:t>8/24/2022</a:t>
+              <a:t>8/25/2022</a:t>
             </a:fld>
             <a:endParaRPr lang="en-US" dirty="0"/>
           </a:p>
@@ -6792,7 +6337,7 @@
             <a:fld id="{B61BEF0D-F0BB-DE4B-95CE-6DB70DBA9567}" type="datetimeFigureOut">
               <a:rPr lang="en-US" smtClean="0"/>
               <a:pPr/>
-              <a:t>8/24/2022</a:t>
+              <a:t>8/25/2022</a:t>
             </a:fld>
             <a:endParaRPr lang="en-US" dirty="0"/>
           </a:p>
@@ -7455,7 +7000,7 @@
             <a:fld id="{B61BEF0D-F0BB-DE4B-95CE-6DB70DBA9567}" type="datetimeFigureOut">
               <a:rPr lang="en-US" smtClean="0"/>
               <a:pPr/>
-              <a:t>8/24/2022</a:t>
+              <a:t>8/25/2022</a:t>
             </a:fld>
             <a:endParaRPr lang="en-US" dirty="0"/>
           </a:p>
@@ -8319,7 +7864,7 @@
             <a:fld id="{B61BEF0D-F0BB-DE4B-95CE-6DB70DBA9567}" type="datetimeFigureOut">
               <a:rPr lang="en-US" smtClean="0"/>
               <a:pPr/>
-              <a:t>8/24/2022</a:t>
+              <a:t>8/25/2022</a:t>
             </a:fld>
             <a:endParaRPr lang="en-US" dirty="0"/>
           </a:p>
@@ -8512,7 +8057,7 @@
             <a:fld id="{B61BEF0D-F0BB-DE4B-95CE-6DB70DBA9567}" type="datetimeFigureOut">
               <a:rPr lang="en-US" smtClean="0"/>
               <a:pPr/>
-              <a:t>8/24/2022</a:t>
+              <a:t>8/25/2022</a:t>
             </a:fld>
             <a:endParaRPr lang="en-US" dirty="0"/>
           </a:p>
@@ -9487,7 +9032,7 @@
             <a:fld id="{B61BEF0D-F0BB-DE4B-95CE-6DB70DBA9567}" type="datetimeFigureOut">
               <a:rPr lang="en-US" smtClean="0"/>
               <a:pPr/>
-              <a:t>8/24/2022</a:t>
+              <a:t>8/25/2022</a:t>
             </a:fld>
             <a:endParaRPr lang="en-US" dirty="0"/>
           </a:p>
@@ -12196,7 +11741,7 @@
             <a:fld id="{B61BEF0D-F0BB-DE4B-95CE-6DB70DBA9567}" type="datetimeFigureOut">
               <a:rPr lang="en-US" smtClean="0"/>
               <a:pPr/>
-              <a:t>8/24/2022</a:t>
+              <a:t>8/25/2022</a:t>
             </a:fld>
             <a:endParaRPr lang="en-US" dirty="0"/>
           </a:p>
@@ -15118,7 +14663,7 @@
             <a:fld id="{B61BEF0D-F0BB-DE4B-95CE-6DB70DBA9567}" type="datetimeFigureOut">
               <a:rPr lang="en-US" smtClean="0"/>
               <a:pPr/>
-              <a:t>8/24/2022</a:t>
+              <a:t>8/25/2022</a:t>
             </a:fld>
             <a:endParaRPr lang="en-US" dirty="0"/>
           </a:p>
@@ -15393,7 +14938,7 @@
             <a:fld id="{B61BEF0D-F0BB-DE4B-95CE-6DB70DBA9567}" type="datetimeFigureOut">
               <a:rPr lang="en-US" smtClean="0"/>
               <a:pPr/>
-              <a:t>8/24/2022</a:t>
+              <a:t>8/25/2022</a:t>
             </a:fld>
             <a:endParaRPr lang="en-US" dirty="0"/>
           </a:p>
@@ -15806,7 +15351,7 @@
             <a:fld id="{B61BEF0D-F0BB-DE4B-95CE-6DB70DBA9567}" type="datetimeFigureOut">
               <a:rPr lang="en-US" smtClean="0"/>
               <a:pPr/>
-              <a:t>8/24/2022</a:t>
+              <a:t>8/25/2022</a:t>
             </a:fld>
             <a:endParaRPr lang="en-US" dirty="0"/>
           </a:p>
@@ -15936,7 +15481,7 @@
             <a:fld id="{B61BEF0D-F0BB-DE4B-95CE-6DB70DBA9567}" type="datetimeFigureOut">
               <a:rPr lang="en-US" smtClean="0"/>
               <a:pPr/>
-              <a:t>8/24/2022</a:t>
+              <a:t>8/25/2022</a:t>
             </a:fld>
             <a:endParaRPr lang="en-US" dirty="0"/>
           </a:p>
@@ -16034,7 +15579,7 @@
             <a:fld id="{B61BEF0D-F0BB-DE4B-95CE-6DB70DBA9567}" type="datetimeFigureOut">
               <a:rPr lang="en-US" smtClean="0"/>
               <a:pPr/>
-              <a:t>8/24/2022</a:t>
+              <a:t>8/25/2022</a:t>
             </a:fld>
             <a:endParaRPr lang="en-US" dirty="0"/>
           </a:p>
@@ -17117,7 +16662,7 @@
             <a:fld id="{B61BEF0D-F0BB-DE4B-95CE-6DB70DBA9567}" type="datetimeFigureOut">
               <a:rPr lang="en-US" smtClean="0"/>
               <a:pPr/>
-              <a:t>8/24/2022</a:t>
+              <a:t>8/25/2022</a:t>
             </a:fld>
             <a:endParaRPr lang="en-US" dirty="0"/>
           </a:p>
@@ -18228,7 +17773,7 @@
             <a:fld id="{B61BEF0D-F0BB-DE4B-95CE-6DB70DBA9567}" type="datetimeFigureOut">
               <a:rPr lang="en-US" smtClean="0"/>
               <a:pPr/>
-              <a:t>8/24/2022</a:t>
+              <a:t>8/25/2022</a:t>
             </a:fld>
             <a:endParaRPr lang="en-US" dirty="0"/>
           </a:p>
@@ -19228,7 +18773,7 @@
             <a:fld id="{B61BEF0D-F0BB-DE4B-95CE-6DB70DBA9567}" type="datetimeFigureOut">
               <a:rPr lang="en-US" smtClean="0"/>
               <a:pPr/>
-              <a:t>8/24/2022</a:t>
+              <a:t>8/25/2022</a:t>
             </a:fld>
             <a:endParaRPr lang="en-US" dirty="0"/>
           </a:p>
@@ -19806,8 +19351,8 @@
         </p:nvSpPr>
         <p:spPr>
           <a:xfrm>
-            <a:off x="758524" y="500825"/>
-            <a:ext cx="5002195" cy="1959300"/>
+            <a:off x="1042157" y="1165459"/>
+            <a:ext cx="6954609" cy="1959300"/>
           </a:xfrm>
           <a:prstGeom prst="rect">
             <a:avLst/>
@@ -19830,17 +19375,7 @@
             </a:pPr>
             <a:r>
               <a:rPr lang="en" dirty="0"/>
-              <a:t>SYriaTel</a:t>
-            </a:r>
-            <a:br>
-              <a:rPr lang="en" dirty="0"/>
-            </a:br>
-            <a:br>
-              <a:rPr lang="en" dirty="0"/>
-            </a:br>
-            <a:r>
-              <a:rPr lang="en" dirty="0"/>
-              <a:t>Customer retention</a:t>
+              <a:t>SyriaTel – Customer Churn Assessment</a:t>
             </a:r>
             <a:endParaRPr sz="5200" dirty="0"/>
           </a:p>
@@ -19858,7 +19393,7 @@
         </p:nvSpPr>
         <p:spPr>
           <a:xfrm>
-            <a:off x="903303" y="3065780"/>
+            <a:off x="983736" y="3070013"/>
             <a:ext cx="4800600" cy="1460500"/>
           </a:xfrm>
           <a:prstGeom prst="rect">
@@ -19895,6 +19430,25 @@
               </a:spcAft>
               <a:buNone/>
             </a:pPr>
+            <a:r>
+              <a:rPr lang="en-US" dirty="0"/>
+              <a:t>Ali Rampurawala</a:t>
+            </a:r>
+          </a:p>
+          <a:p>
+            <a:pPr marL="0" lvl="0" indent="0" algn="l" rtl="0">
+              <a:spcBef>
+                <a:spcPts val="0"/>
+              </a:spcBef>
+              <a:spcAft>
+                <a:spcPts val="1600"/>
+              </a:spcAft>
+              <a:buNone/>
+            </a:pPr>
+            <a:r>
+              <a:rPr lang="en-US" dirty="0"/>
+              <a:t>Legendary Preds Inc.</a:t>
+            </a:r>
             <a:endParaRPr dirty="0"/>
           </a:p>
         </p:txBody>
@@ -19908,6 +19462,262 @@
 </file>
 
 <file path=ppt/slides/slide10.xml><?xml version="1.0" encoding="utf-8"?>
+<p:sld xmlns:a="http://schemas.openxmlformats.org/drawingml/2006/main" xmlns:r="http://schemas.openxmlformats.org/officeDocument/2006/relationships" xmlns:p="http://schemas.openxmlformats.org/presentationml/2006/main">
+  <p:cSld>
+    <p:spTree>
+      <p:nvGrpSpPr>
+        <p:cNvPr id="1" name="Shape 349"/>
+        <p:cNvGrpSpPr/>
+        <p:nvPr/>
+      </p:nvGrpSpPr>
+      <p:grpSpPr>
+        <a:xfrm>
+          <a:off x="0" y="0"/>
+          <a:ext cx="0" cy="0"/>
+          <a:chOff x="0" y="0"/>
+          <a:chExt cx="0" cy="0"/>
+        </a:xfrm>
+      </p:grpSpPr>
+      <p:sp>
+        <p:nvSpPr>
+          <p:cNvPr id="350" name="Google Shape;350;p40"/>
+          <p:cNvSpPr txBox="1">
+            <a:spLocks noGrp="1"/>
+          </p:cNvSpPr>
+          <p:nvPr>
+            <p:ph type="title"/>
+          </p:nvPr>
+        </p:nvSpPr>
+        <p:spPr>
+          <a:prstGeom prst="rect">
+            <a:avLst/>
+          </a:prstGeom>
+        </p:spPr>
+        <p:txBody>
+          <a:bodyPr spcFirstLastPara="1" wrap="square" lIns="91425" tIns="91425" rIns="91425" bIns="91425" anchor="t" anchorCtr="0">
+            <a:noAutofit/>
+          </a:bodyPr>
+          <a:lstStyle/>
+          <a:p>
+            <a:pPr marL="0" lvl="0" indent="0" algn="ctr" rtl="0">
+              <a:spcBef>
+                <a:spcPts val="0"/>
+              </a:spcBef>
+              <a:spcAft>
+                <a:spcPts val="0"/>
+              </a:spcAft>
+              <a:buNone/>
+            </a:pPr>
+            <a:r>
+              <a:rPr lang="en"/>
+              <a:t>Closing thoughts</a:t>
+            </a:r>
+            <a:endParaRPr/>
+          </a:p>
+        </p:txBody>
+      </p:sp>
+      <p:sp>
+        <p:nvSpPr>
+          <p:cNvPr id="351" name="Google Shape;351;p40"/>
+          <p:cNvSpPr txBox="1">
+            <a:spLocks noGrp="1"/>
+          </p:cNvSpPr>
+          <p:nvPr>
+            <p:ph type="subTitle" idx="1"/>
+          </p:nvPr>
+        </p:nvSpPr>
+        <p:spPr>
+          <a:xfrm>
+            <a:off x="942840" y="2421725"/>
+            <a:ext cx="7758900" cy="1900381"/>
+          </a:xfrm>
+          <a:prstGeom prst="rect">
+            <a:avLst/>
+          </a:prstGeom>
+        </p:spPr>
+        <p:txBody>
+          <a:bodyPr spcFirstLastPara="1" wrap="square" lIns="91425" tIns="91425" rIns="91425" bIns="91425" anchor="t" anchorCtr="0">
+            <a:noAutofit/>
+          </a:bodyPr>
+          <a:lstStyle/>
+          <a:p>
+            <a:pPr marL="457200" lvl="0" indent="-330200" algn="l" rtl="0">
+              <a:spcBef>
+                <a:spcPts val="0"/>
+              </a:spcBef>
+              <a:spcAft>
+                <a:spcPts val="0"/>
+              </a:spcAft>
+              <a:buSzPts val="1600"/>
+              <a:buFont typeface="Courier New" panose="02070309020205020404" pitchFamily="49" charset="0"/>
+              <a:buChar char="o"/>
+            </a:pPr>
+            <a:r>
+              <a:rPr lang="en-US" sz="1800" dirty="0">
+                <a:latin typeface="Arial" panose="020B0604020202020204" pitchFamily="34" charset="0"/>
+                <a:cs typeface="Arial" panose="020B0604020202020204" pitchFamily="34" charset="0"/>
+              </a:rPr>
+              <a:t>Consider further tuning the model to increase the “recall” score </a:t>
+            </a:r>
+          </a:p>
+          <a:p>
+            <a:pPr marL="412750" lvl="0" indent="-285750" algn="l" rtl="0">
+              <a:spcBef>
+                <a:spcPts val="0"/>
+              </a:spcBef>
+              <a:spcAft>
+                <a:spcPts val="0"/>
+              </a:spcAft>
+              <a:buSzPts val="1600"/>
+              <a:buFont typeface="Courier New" panose="02070309020205020404" pitchFamily="49" charset="0"/>
+              <a:buChar char="o"/>
+            </a:pPr>
+            <a:endParaRPr lang="en-US" sz="1800" dirty="0">
+              <a:latin typeface="Arial" panose="020B0604020202020204" pitchFamily="34" charset="0"/>
+              <a:cs typeface="Arial" panose="020B0604020202020204" pitchFamily="34" charset="0"/>
+            </a:endParaRPr>
+          </a:p>
+          <a:p>
+            <a:pPr marL="457200" lvl="0" indent="-330200" algn="l" rtl="0">
+              <a:spcBef>
+                <a:spcPts val="0"/>
+              </a:spcBef>
+              <a:spcAft>
+                <a:spcPts val="0"/>
+              </a:spcAft>
+              <a:buSzPts val="1600"/>
+              <a:buFont typeface="Courier New" panose="02070309020205020404" pitchFamily="49" charset="0"/>
+              <a:buChar char="o"/>
+            </a:pPr>
+            <a:r>
+              <a:rPr lang="en-US" sz="1800" dirty="0">
+                <a:latin typeface="Arial" panose="020B0604020202020204" pitchFamily="34" charset="0"/>
+                <a:cs typeface="Arial" panose="020B0604020202020204" pitchFamily="34" charset="0"/>
+              </a:rPr>
+              <a:t>Continue to add data each quarter and reconfigure model</a:t>
+            </a:r>
+          </a:p>
+          <a:p>
+            <a:pPr marL="457200" lvl="0" indent="-330200" algn="l" rtl="0">
+              <a:spcBef>
+                <a:spcPts val="0"/>
+              </a:spcBef>
+              <a:spcAft>
+                <a:spcPts val="0"/>
+              </a:spcAft>
+              <a:buSzPts val="1600"/>
+              <a:buFont typeface="Courier New" panose="02070309020205020404" pitchFamily="49" charset="0"/>
+              <a:buChar char="o"/>
+            </a:pPr>
+            <a:endParaRPr lang="en-US" sz="1800" dirty="0">
+              <a:latin typeface="Arial" panose="020B0604020202020204" pitchFamily="34" charset="0"/>
+              <a:cs typeface="Arial" panose="020B0604020202020204" pitchFamily="34" charset="0"/>
+            </a:endParaRPr>
+          </a:p>
+          <a:p>
+            <a:pPr marL="457200" lvl="0" indent="-330200" algn="l" rtl="0">
+              <a:spcBef>
+                <a:spcPts val="0"/>
+              </a:spcBef>
+              <a:spcAft>
+                <a:spcPts val="0"/>
+              </a:spcAft>
+              <a:buSzPts val="1600"/>
+              <a:buFont typeface="Courier New" panose="02070309020205020404" pitchFamily="49" charset="0"/>
+              <a:buChar char="o"/>
+            </a:pPr>
+            <a:r>
+              <a:rPr lang="en-US" sz="1800" dirty="0">
+                <a:latin typeface="Arial" panose="020B0604020202020204" pitchFamily="34" charset="0"/>
+                <a:cs typeface="Arial" panose="020B0604020202020204" pitchFamily="34" charset="0"/>
+              </a:rPr>
+              <a:t>Follow-through with recommendations</a:t>
+            </a:r>
+            <a:endParaRPr sz="1800" dirty="0">
+              <a:latin typeface="Arial" panose="020B0604020202020204" pitchFamily="34" charset="0"/>
+              <a:cs typeface="Arial" panose="020B0604020202020204" pitchFamily="34" charset="0"/>
+            </a:endParaRPr>
+          </a:p>
+          <a:p>
+            <a:pPr marL="914400" lvl="0" indent="0" algn="l" rtl="0">
+              <a:spcBef>
+                <a:spcPts val="0"/>
+              </a:spcBef>
+              <a:spcAft>
+                <a:spcPts val="0"/>
+              </a:spcAft>
+              <a:buNone/>
+            </a:pPr>
+            <a:endParaRPr sz="1600" b="1" dirty="0"/>
+          </a:p>
+          <a:p>
+            <a:pPr marL="0" lvl="0" indent="0" algn="l" rtl="0">
+              <a:spcBef>
+                <a:spcPts val="0"/>
+              </a:spcBef>
+              <a:spcAft>
+                <a:spcPts val="0"/>
+              </a:spcAft>
+              <a:buNone/>
+            </a:pPr>
+            <a:endParaRPr sz="1200" b="1" dirty="0"/>
+          </a:p>
+        </p:txBody>
+      </p:sp>
+      <p:sp>
+        <p:nvSpPr>
+          <p:cNvPr id="352" name="Google Shape;352;p40"/>
+          <p:cNvSpPr txBox="1">
+            <a:spLocks noGrp="1"/>
+          </p:cNvSpPr>
+          <p:nvPr>
+            <p:ph type="title" idx="4294967295"/>
+          </p:nvPr>
+        </p:nvSpPr>
+        <p:spPr>
+          <a:xfrm>
+            <a:off x="0" y="1439863"/>
+            <a:ext cx="2516188" cy="465137"/>
+          </a:xfrm>
+          <a:prstGeom prst="rect">
+            <a:avLst/>
+          </a:prstGeom>
+          <a:solidFill>
+            <a:schemeClr val="accent1"/>
+          </a:solidFill>
+        </p:spPr>
+        <p:txBody>
+          <a:bodyPr spcFirstLastPara="1" wrap="square" lIns="91425" tIns="91425" rIns="91425" bIns="91425" anchor="t" anchorCtr="0">
+            <a:noAutofit/>
+          </a:bodyPr>
+          <a:lstStyle/>
+          <a:p>
+            <a:pPr marL="0" lvl="0" indent="0" algn="l" rtl="0">
+              <a:spcBef>
+                <a:spcPts val="0"/>
+              </a:spcBef>
+              <a:spcAft>
+                <a:spcPts val="0"/>
+              </a:spcAft>
+              <a:buNone/>
+            </a:pPr>
+            <a:r>
+              <a:rPr lang="en" sz="2000"/>
+              <a:t>Things to explore</a:t>
+            </a:r>
+            <a:endParaRPr sz="2000"/>
+          </a:p>
+        </p:txBody>
+      </p:sp>
+    </p:spTree>
+  </p:cSld>
+  <p:clrMapOvr>
+    <a:masterClrMapping/>
+  </p:clrMapOvr>
+</p:sld>
+</file>
+
+<file path=ppt/slides/slide11.xml><?xml version="1.0" encoding="utf-8"?>
 <p:sld xmlns:a="http://schemas.openxmlformats.org/drawingml/2006/main" xmlns:r="http://schemas.openxmlformats.org/officeDocument/2006/relationships" xmlns:p="http://schemas.openxmlformats.org/presentationml/2006/main">
   <p:cSld>
     <p:spTree>
@@ -19955,62 +19765,10 @@
               <a:buNone/>
             </a:pPr>
             <a:r>
-              <a:rPr lang="en"/>
-              <a:t>THANKS</a:t>
+              <a:rPr lang="en" dirty="0"/>
+              <a:t>Thanks….</a:t>
             </a:r>
-            <a:endParaRPr/>
-          </a:p>
-        </p:txBody>
-      </p:sp>
-      <p:sp>
-        <p:nvSpPr>
-          <p:cNvPr id="358" name="Google Shape;358;p41"/>
-          <p:cNvSpPr txBox="1"/>
-          <p:nvPr/>
-        </p:nvSpPr>
-        <p:spPr>
-          <a:xfrm>
-            <a:off x="520125" y="2171300"/>
-            <a:ext cx="3530400" cy="1154400"/>
-          </a:xfrm>
-          <a:prstGeom prst="rect">
-            <a:avLst/>
-          </a:prstGeom>
-          <a:noFill/>
-          <a:ln>
-            <a:noFill/>
-          </a:ln>
-        </p:spPr>
-        <p:txBody>
-          <a:bodyPr spcFirstLastPara="1" wrap="square" lIns="91425" tIns="91425" rIns="91425" bIns="91425" anchor="t" anchorCtr="0">
-            <a:spAutoFit/>
-          </a:bodyPr>
-          <a:lstStyle/>
-          <a:p>
-            <a:pPr marL="0" lvl="0" indent="0" algn="ctr" rtl="0">
-              <a:spcBef>
-                <a:spcPts val="0"/>
-              </a:spcBef>
-              <a:spcAft>
-                <a:spcPts val="0"/>
-              </a:spcAft>
-              <a:buNone/>
-            </a:pPr>
-            <a:r>
-              <a:rPr lang="en" sz="2100" b="1">
-                <a:latin typeface="Raleway"/>
-                <a:ea typeface="Raleway"/>
-                <a:cs typeface="Raleway"/>
-                <a:sym typeface="Raleway"/>
-              </a:rPr>
-              <a:t>Time to make like a beaver and build the dam thing!</a:t>
-            </a:r>
-            <a:endParaRPr sz="2100" b="1">
-              <a:latin typeface="Raleway"/>
-              <a:ea typeface="Raleway"/>
-              <a:cs typeface="Raleway"/>
-              <a:sym typeface="Raleway"/>
-            </a:endParaRPr>
+            <a:endParaRPr dirty="0"/>
           </a:p>
         </p:txBody>
       </p:sp>
@@ -20022,8 +19780,8 @@
         </p:nvSpPr>
         <p:spPr>
           <a:xfrm>
-            <a:off x="1489425" y="3819325"/>
-            <a:ext cx="1591800" cy="400200"/>
+            <a:off x="3255471" y="2571750"/>
+            <a:ext cx="4131445" cy="553968"/>
           </a:xfrm>
           <a:prstGeom prst="rect">
             <a:avLst/>
@@ -20054,7 +19812,7 @@
               <a:buNone/>
             </a:pPr>
             <a:r>
-              <a:rPr lang="en">
+              <a:rPr lang="en" sz="2400" dirty="0">
                 <a:solidFill>
                   <a:schemeClr val="dk2"/>
                 </a:solidFill>
@@ -20065,7 +19823,7 @@
               </a:rPr>
               <a:t>Any questions?</a:t>
             </a:r>
-            <a:endParaRPr>
+            <a:endParaRPr sz="2400" dirty="0">
               <a:latin typeface="Raleway"/>
               <a:ea typeface="Raleway"/>
               <a:cs typeface="Raleway"/>
@@ -20074,33 +19832,6 @@
           </a:p>
         </p:txBody>
       </p:sp>
-      <p:pic>
-        <p:nvPicPr>
-          <p:cNvPr id="360" name="Google Shape;360;p41"/>
-          <p:cNvPicPr preferRelativeResize="0"/>
-          <p:nvPr/>
-        </p:nvPicPr>
-        <p:blipFill rotWithShape="1">
-          <a:blip r:embed="rId3">
-            <a:alphaModFix/>
-          </a:blip>
-          <a:srcRect l="33390" r="29944"/>
-          <a:stretch/>
-        </p:blipFill>
-        <p:spPr>
-          <a:xfrm>
-            <a:off x="4684100" y="0"/>
-            <a:ext cx="4459901" cy="5220275"/>
-          </a:xfrm>
-          <a:prstGeom prst="rect">
-            <a:avLst/>
-          </a:prstGeom>
-          <a:noFill/>
-          <a:ln>
-            <a:noFill/>
-          </a:ln>
-        </p:spPr>
-      </p:pic>
     </p:spTree>
   </p:cSld>
   <p:clrMapOvr>
@@ -20144,7 +19875,7 @@
         </p:nvSpPr>
         <p:spPr>
           <a:xfrm>
-            <a:off x="590760" y="762220"/>
+            <a:off x="584037" y="641197"/>
             <a:ext cx="7779600" cy="734700"/>
           </a:xfrm>
         </p:spPr>
@@ -20175,8 +19906,8 @@
         </p:nvSpPr>
         <p:spPr>
           <a:xfrm>
-            <a:off x="1389888" y="2499360"/>
-            <a:ext cx="6894576" cy="1725167"/>
+            <a:off x="449925" y="2068338"/>
+            <a:ext cx="4841403" cy="1917908"/>
           </a:xfrm>
           <a:prstGeom prst="rect">
             <a:avLst/>
@@ -20415,26 +20146,57 @@
             </a:lvl9pPr>
           </a:lstStyle>
           <a:p>
-            <a:pPr marL="133350" indent="0">
+            <a:pPr marL="419100" indent="-285750">
               <a:buClr>
                 <a:schemeClr val="dk2"/>
               </a:buClr>
+              <a:buFont typeface="Arial" panose="020B0604020202020204" pitchFamily="34" charset="0"/>
+              <a:buChar char="•"/>
             </a:pPr>
             <a:r>
-              <a:rPr lang="en-US" sz="1500" dirty="0" err="1">
+              <a:rPr lang="en-US" sz="2000" dirty="0">
                 <a:solidFill>
-                  <a:schemeClr val="dk2"/>
+                  <a:sysClr val="windowText" lastClr="000000"/>
                 </a:solidFill>
+                <a:latin typeface="Arial" panose="020B0604020202020204" pitchFamily="34" charset="0"/>
+                <a:cs typeface="Arial" panose="020B0604020202020204" pitchFamily="34" charset="0"/>
               </a:rPr>
-              <a:t>SyriaTel</a:t>
+              <a:t>Significant increase in customer churn rates</a:t>
             </a:r>
+          </a:p>
+          <a:p>
+            <a:pPr marL="419100" indent="-285750">
+              <a:buClr>
+                <a:schemeClr val="dk2"/>
+              </a:buClr>
+              <a:buFont typeface="Arial" panose="020B0604020202020204" pitchFamily="34" charset="0"/>
+              <a:buChar char="•"/>
+            </a:pPr>
+            <a:endParaRPr lang="en-US" sz="2000" dirty="0">
+              <a:solidFill>
+                <a:sysClr val="windowText" lastClr="000000"/>
+              </a:solidFill>
+              <a:latin typeface="Arial" panose="020B0604020202020204" pitchFamily="34" charset="0"/>
+              <a:cs typeface="Arial" panose="020B0604020202020204" pitchFamily="34" charset="0"/>
+            </a:endParaRPr>
+          </a:p>
+          <a:p>
+            <a:pPr marL="419100" indent="-285750">
+              <a:buClr>
+                <a:schemeClr val="dk2"/>
+              </a:buClr>
+              <a:buFont typeface="Arial" panose="020B0604020202020204" pitchFamily="34" charset="0"/>
+              <a:buChar char="•"/>
+            </a:pPr>
             <a:r>
-              <a:rPr lang="en-US" sz="1500" dirty="0">
+              <a:rPr lang="en-US" sz="2000" dirty="0">
                 <a:solidFill>
-                  <a:schemeClr val="dk2"/>
+                  <a:sysClr val="windowText" lastClr="000000"/>
                 </a:solidFill>
+                <a:latin typeface="Arial" panose="020B0604020202020204" pitchFamily="34" charset="0"/>
+                <a:cs typeface="Arial" panose="020B0604020202020204" pitchFamily="34" charset="0"/>
               </a:rPr>
-              <a:t> has seen a decrease in customer retention rates (increase in churn) over the past couple of years.</a:t>
+              <a:t>Impacting bottom line</a:t>
             </a:r>
           </a:p>
           <a:p>
@@ -20443,29 +20205,65 @@
                 <a:schemeClr val="dk2"/>
               </a:buClr>
             </a:pPr>
-            <a:endParaRPr lang="en-US" sz="1500" dirty="0">
+            <a:endParaRPr lang="en-US" sz="2000" dirty="0">
               <a:solidFill>
-                <a:schemeClr val="dk2"/>
+                <a:sysClr val="windowText" lastClr="000000"/>
               </a:solidFill>
+              <a:latin typeface="Arial" panose="020B0604020202020204" pitchFamily="34" charset="0"/>
+              <a:cs typeface="Arial" panose="020B0604020202020204" pitchFamily="34" charset="0"/>
             </a:endParaRPr>
           </a:p>
           <a:p>
-            <a:pPr marL="133350" indent="0">
+            <a:pPr marL="419100" indent="-285750">
               <a:buClr>
                 <a:schemeClr val="dk2"/>
               </a:buClr>
+              <a:buFont typeface="Arial" panose="020B0604020202020204" pitchFamily="34" charset="0"/>
+              <a:buChar char="•"/>
             </a:pPr>
             <a:r>
-              <a:rPr lang="en-US" sz="1500" dirty="0">
+              <a:rPr lang="en-US" sz="2000" dirty="0">
                 <a:solidFill>
-                  <a:schemeClr val="dk2"/>
+                  <a:sysClr val="windowText" lastClr="000000"/>
                 </a:solidFill>
+                <a:latin typeface="Arial" panose="020B0604020202020204" pitchFamily="34" charset="0"/>
+                <a:cs typeface="Arial" panose="020B0604020202020204" pitchFamily="34" charset="0"/>
               </a:rPr>
-              <a:t>They have asked us to create a model that identifies current customers who will likely terminate their contract based on historical data and trends.</a:t>
+              <a:t>Identify current customers likely to churn</a:t>
             </a:r>
           </a:p>
         </p:txBody>
       </p:sp>
+      <p:pic>
+        <p:nvPicPr>
+          <p:cNvPr id="2" name="Picture 1">
+            <a:extLst>
+              <a:ext uri="{FF2B5EF4-FFF2-40B4-BE49-F238E27FC236}">
+                <a16:creationId xmlns:a16="http://schemas.microsoft.com/office/drawing/2014/main" id="{BA9FC828-4A8E-0B88-3556-AC1E29C94F50}"/>
+              </a:ext>
+            </a:extLst>
+          </p:cNvPr>
+          <p:cNvPicPr>
+            <a:picLocks noChangeAspect="1"/>
+          </p:cNvPicPr>
+          <p:nvPr/>
+        </p:nvPicPr>
+        <p:blipFill>
+          <a:blip r:embed="rId3"/>
+          <a:stretch>
+            <a:fillRect/>
+          </a:stretch>
+        </p:blipFill>
+        <p:spPr>
+          <a:xfrm>
+            <a:off x="5404294" y="2445482"/>
+            <a:ext cx="3114675" cy="1466850"/>
+          </a:xfrm>
+          <a:prstGeom prst="rect">
+            <a:avLst/>
+          </a:prstGeom>
+        </p:spPr>
+      </p:pic>
     </p:spTree>
   </p:cSld>
   <p:clrMapOvr>
@@ -20545,7 +20343,7 @@
         </p:nvSpPr>
         <p:spPr>
           <a:xfrm>
-            <a:off x="2552113" y="2366043"/>
+            <a:off x="2752735" y="2571750"/>
             <a:ext cx="1976342" cy="540300"/>
           </a:xfrm>
           <a:prstGeom prst="rect">
@@ -20568,10 +20366,16 @@
               <a:buNone/>
             </a:pPr>
             <a:r>
-              <a:rPr lang="en" sz="2500" dirty="0"/>
-              <a:t>How Much did the customer use the service?</a:t>
+              <a:rPr lang="en" dirty="0">
+                <a:latin typeface="Arial" panose="020B0604020202020204" pitchFamily="34" charset="0"/>
+                <a:cs typeface="Arial" panose="020B0604020202020204" pitchFamily="34" charset="0"/>
+              </a:rPr>
+              <a:t>Total Usage?</a:t>
             </a:r>
-            <a:endParaRPr sz="2500" dirty="0"/>
+            <a:endParaRPr dirty="0">
+              <a:latin typeface="Arial" panose="020B0604020202020204" pitchFamily="34" charset="0"/>
+              <a:cs typeface="Arial" panose="020B0604020202020204" pitchFamily="34" charset="0"/>
+            </a:endParaRPr>
           </a:p>
         </p:txBody>
       </p:sp>
@@ -20587,7 +20391,7 @@
         </p:nvSpPr>
         <p:spPr>
           <a:xfrm>
-            <a:off x="6855857" y="2366043"/>
+            <a:off x="6832901" y="2297055"/>
             <a:ext cx="1867200" cy="540300"/>
           </a:xfrm>
           <a:prstGeom prst="rect">
@@ -20610,39 +20414,19 @@
               <a:buNone/>
             </a:pPr>
             <a:r>
-              <a:rPr lang="en" sz="2500" dirty="0"/>
+              <a:rPr lang="en" dirty="0">
+                <a:latin typeface="Arial" panose="020B0604020202020204" pitchFamily="34" charset="0"/>
+                <a:cs typeface="Arial" panose="020B0604020202020204" pitchFamily="34" charset="0"/>
+              </a:rPr>
               <a:t>Did the Customer Churn?</a:t>
             </a:r>
-            <a:endParaRPr sz="2500" dirty="0"/>
+            <a:endParaRPr dirty="0">
+              <a:latin typeface="Arial" panose="020B0604020202020204" pitchFamily="34" charset="0"/>
+              <a:cs typeface="Arial" panose="020B0604020202020204" pitchFamily="34" charset="0"/>
+            </a:endParaRPr>
           </a:p>
         </p:txBody>
       </p:sp>
-      <p:cxnSp>
-        <p:nvCxnSpPr>
-          <p:cNvPr id="252" name="Google Shape;252;p29"/>
-          <p:cNvCxnSpPr/>
-          <p:nvPr/>
-        </p:nvCxnSpPr>
-        <p:spPr>
-          <a:xfrm rot="10800000">
-            <a:off x="344250" y="-65450"/>
-            <a:ext cx="0" cy="3627900"/>
-          </a:xfrm>
-          <a:prstGeom prst="straightConnector1">
-            <a:avLst/>
-          </a:prstGeom>
-          <a:noFill/>
-          <a:ln w="19050" cap="flat" cmpd="sng">
-            <a:solidFill>
-              <a:srgbClr val="F6B26B"/>
-            </a:solidFill>
-            <a:prstDash val="solid"/>
-            <a:round/>
-            <a:headEnd type="oval" w="med" len="med"/>
-            <a:tailEnd type="none" w="med" len="med"/>
-          </a:ln>
-        </p:spPr>
-      </p:cxnSp>
       <p:sp>
         <p:nvSpPr>
           <p:cNvPr id="8" name="Google Shape;230;p29">
@@ -20659,7 +20443,7 @@
         </p:nvSpPr>
         <p:spPr>
           <a:xfrm>
-            <a:off x="4894922" y="2366043"/>
+            <a:off x="4870876" y="2389950"/>
             <a:ext cx="1867200" cy="540300"/>
           </a:xfrm>
           <a:prstGeom prst="rect">
@@ -20887,8 +20671,11 @@
               </a:spcAft>
             </a:pPr>
             <a:r>
-              <a:rPr lang="en-US" sz="2500" dirty="0"/>
-              <a:t>How Much did the Customer Pay?</a:t>
+              <a:rPr lang="en-US" dirty="0">
+                <a:latin typeface="Arial" panose="020B0604020202020204" pitchFamily="34" charset="0"/>
+                <a:cs typeface="Arial" panose="020B0604020202020204" pitchFamily="34" charset="0"/>
+              </a:rPr>
+              <a:t>Total Charges?</a:t>
             </a:r>
           </a:p>
         </p:txBody>
@@ -20909,8 +20696,8 @@
         </p:nvSpPr>
         <p:spPr>
           <a:xfrm>
-            <a:off x="392538" y="2366043"/>
-            <a:ext cx="1976342" cy="540300"/>
+            <a:off x="531752" y="2567205"/>
+            <a:ext cx="1976342" cy="1251216"/>
           </a:xfrm>
           <a:prstGeom prst="rect">
             <a:avLst/>
@@ -21137,12 +20924,135 @@
               </a:spcAft>
             </a:pPr>
             <a:r>
-              <a:rPr lang="en-US" sz="2500" dirty="0"/>
-              <a:t>Where is the customer Located?</a:t>
+              <a:rPr lang="en-US" dirty="0">
+                <a:latin typeface="Arial" panose="020B0604020202020204" pitchFamily="34" charset="0"/>
+                <a:cs typeface="Arial" panose="020B0604020202020204" pitchFamily="34" charset="0"/>
+              </a:rPr>
+              <a:t>Location?</a:t>
             </a:r>
           </a:p>
         </p:txBody>
       </p:sp>
+      <p:pic>
+        <p:nvPicPr>
+          <p:cNvPr id="2" name="Picture 1">
+            <a:extLst>
+              <a:ext uri="{FF2B5EF4-FFF2-40B4-BE49-F238E27FC236}">
+                <a16:creationId xmlns:a16="http://schemas.microsoft.com/office/drawing/2014/main" id="{9533E285-26D4-C53A-4C14-BFC79F3256B4}"/>
+              </a:ext>
+            </a:extLst>
+          </p:cNvPr>
+          <p:cNvPicPr>
+            <a:picLocks noChangeAspect="1"/>
+          </p:cNvPicPr>
+          <p:nvPr/>
+        </p:nvPicPr>
+        <p:blipFill>
+          <a:blip r:embed="rId3"/>
+          <a:stretch>
+            <a:fillRect/>
+          </a:stretch>
+        </p:blipFill>
+        <p:spPr>
+          <a:xfrm>
+            <a:off x="791929" y="3571205"/>
+            <a:ext cx="1634270" cy="1018542"/>
+          </a:xfrm>
+          <a:prstGeom prst="rect">
+            <a:avLst/>
+          </a:prstGeom>
+        </p:spPr>
+      </p:pic>
+      <p:pic>
+        <p:nvPicPr>
+          <p:cNvPr id="3" name="Picture 2">
+            <a:extLst>
+              <a:ext uri="{FF2B5EF4-FFF2-40B4-BE49-F238E27FC236}">
+                <a16:creationId xmlns:a16="http://schemas.microsoft.com/office/drawing/2014/main" id="{2B15D44E-B210-6D13-C2EE-DC530B9CD59E}"/>
+              </a:ext>
+            </a:extLst>
+          </p:cNvPr>
+          <p:cNvPicPr>
+            <a:picLocks noChangeAspect="1"/>
+          </p:cNvPicPr>
+          <p:nvPr/>
+        </p:nvPicPr>
+        <p:blipFill>
+          <a:blip r:embed="rId4"/>
+          <a:stretch>
+            <a:fillRect/>
+          </a:stretch>
+        </p:blipFill>
+        <p:spPr>
+          <a:xfrm>
+            <a:off x="3108085" y="3513110"/>
+            <a:ext cx="1134731" cy="1134731"/>
+          </a:xfrm>
+          <a:prstGeom prst="rect">
+            <a:avLst/>
+          </a:prstGeom>
+        </p:spPr>
+      </p:pic>
+      <p:pic>
+        <p:nvPicPr>
+          <p:cNvPr id="4" name="Picture 3">
+            <a:extLst>
+              <a:ext uri="{FF2B5EF4-FFF2-40B4-BE49-F238E27FC236}">
+                <a16:creationId xmlns:a16="http://schemas.microsoft.com/office/drawing/2014/main" id="{4B4382A4-BCFA-D0B3-DC4A-76BD32D6E8E2}"/>
+              </a:ext>
+            </a:extLst>
+          </p:cNvPr>
+          <p:cNvPicPr>
+            <a:picLocks noChangeAspect="1"/>
+          </p:cNvPicPr>
+          <p:nvPr/>
+        </p:nvPicPr>
+        <p:blipFill>
+          <a:blip r:embed="rId5"/>
+          <a:stretch>
+            <a:fillRect/>
+          </a:stretch>
+        </p:blipFill>
+        <p:spPr>
+          <a:xfrm>
+            <a:off x="5403095" y="3660966"/>
+            <a:ext cx="864299" cy="864299"/>
+          </a:xfrm>
+          <a:prstGeom prst="rect">
+            <a:avLst/>
+          </a:prstGeom>
+        </p:spPr>
+      </p:pic>
+      <p:pic>
+        <p:nvPicPr>
+          <p:cNvPr id="5" name="Picture 4">
+            <a:extLst>
+              <a:ext uri="{FF2B5EF4-FFF2-40B4-BE49-F238E27FC236}">
+                <a16:creationId xmlns:a16="http://schemas.microsoft.com/office/drawing/2014/main" id="{B9C0F456-645A-5952-650C-062D73F7FC4A}"/>
+              </a:ext>
+            </a:extLst>
+          </p:cNvPr>
+          <p:cNvPicPr>
+            <a:picLocks noChangeAspect="1"/>
+          </p:cNvPicPr>
+          <p:nvPr/>
+        </p:nvPicPr>
+        <p:blipFill>
+          <a:blip r:embed="rId6"/>
+          <a:stretch>
+            <a:fillRect/>
+          </a:stretch>
+        </p:blipFill>
+        <p:spPr>
+          <a:xfrm>
+            <a:off x="7427673" y="3794250"/>
+            <a:ext cx="731015" cy="731015"/>
+          </a:xfrm>
+          <a:prstGeom prst="rect">
+            <a:avLst/>
+          </a:prstGeom>
+        </p:spPr>
+      </p:pic>
     </p:spTree>
   </p:cSld>
   <p:clrMapOvr>
@@ -21152,6 +21062,827 @@
 </file>
 
 <file path=ppt/slides/slide4.xml><?xml version="1.0" encoding="utf-8"?>
+<p:sld xmlns:a="http://schemas.openxmlformats.org/drawingml/2006/main" xmlns:r="http://schemas.openxmlformats.org/officeDocument/2006/relationships" xmlns:p="http://schemas.openxmlformats.org/presentationml/2006/main">
+  <p:cSld>
+    <p:spTree>
+      <p:nvGrpSpPr>
+        <p:cNvPr id="1" name="Shape 225"/>
+        <p:cNvGrpSpPr/>
+        <p:nvPr/>
+      </p:nvGrpSpPr>
+      <p:grpSpPr>
+        <a:xfrm>
+          <a:off x="0" y="0"/>
+          <a:ext cx="0" cy="0"/>
+          <a:chOff x="0" y="0"/>
+          <a:chExt cx="0" cy="0"/>
+        </a:xfrm>
+      </p:grpSpPr>
+      <p:sp>
+        <p:nvSpPr>
+          <p:cNvPr id="226" name="Google Shape;226;p29"/>
+          <p:cNvSpPr txBox="1">
+            <a:spLocks noGrp="1"/>
+          </p:cNvSpPr>
+          <p:nvPr>
+            <p:ph type="title"/>
+          </p:nvPr>
+        </p:nvSpPr>
+        <p:spPr>
+          <a:xfrm>
+            <a:off x="682200" y="593477"/>
+            <a:ext cx="7779600" cy="734700"/>
+          </a:xfrm>
+          <a:prstGeom prst="rect">
+            <a:avLst/>
+          </a:prstGeom>
+        </p:spPr>
+        <p:txBody>
+          <a:bodyPr spcFirstLastPara="1" wrap="square" lIns="91425" tIns="91425" rIns="91425" bIns="91425" anchor="t" anchorCtr="0">
+            <a:noAutofit/>
+          </a:bodyPr>
+          <a:lstStyle/>
+          <a:p>
+            <a:pPr marL="0" lvl="0" indent="0" algn="ctr" rtl="0">
+              <a:spcBef>
+                <a:spcPts val="0"/>
+              </a:spcBef>
+              <a:spcAft>
+                <a:spcPts val="0"/>
+              </a:spcAft>
+              <a:buNone/>
+            </a:pPr>
+            <a:r>
+              <a:rPr lang="en" dirty="0"/>
+              <a:t>Data</a:t>
+            </a:r>
+            <a:endParaRPr dirty="0"/>
+          </a:p>
+        </p:txBody>
+      </p:sp>
+      <p:sp>
+        <p:nvSpPr>
+          <p:cNvPr id="11" name="Google Shape;230;p29">
+            <a:extLst>
+              <a:ext uri="{FF2B5EF4-FFF2-40B4-BE49-F238E27FC236}">
+                <a16:creationId xmlns:a16="http://schemas.microsoft.com/office/drawing/2014/main" id="{4AA5DDD7-D091-A5A7-F45A-6F2FAFA81387}"/>
+              </a:ext>
+            </a:extLst>
+          </p:cNvPr>
+          <p:cNvSpPr txBox="1">
+            <a:spLocks/>
+          </p:cNvSpPr>
+          <p:nvPr/>
+        </p:nvSpPr>
+        <p:spPr>
+          <a:xfrm>
+            <a:off x="1551513" y="2097734"/>
+            <a:ext cx="7153575" cy="1717590"/>
+          </a:xfrm>
+          <a:prstGeom prst="rect">
+            <a:avLst/>
+          </a:prstGeom>
+          <a:noFill/>
+        </p:spPr>
+        <p:txBody>
+          <a:bodyPr spcFirstLastPara="1" vert="horz" wrap="square" lIns="91425" tIns="91425" rIns="91425" bIns="91425" rtlCol="0" anchor="t" anchorCtr="0">
+            <a:noAutofit/>
+          </a:bodyPr>
+          <a:lstStyle>
+            <a:lvl1pPr marL="257175" lvl="0" indent="-257175" algn="ctr" defTabSz="342900" rtl="0" eaLnBrk="1" latinLnBrk="0" hangingPunct="1">
+              <a:spcBef>
+                <a:spcPts val="0"/>
+              </a:spcBef>
+              <a:spcAft>
+                <a:spcPts val="0"/>
+              </a:spcAft>
+              <a:buClr>
+                <a:schemeClr val="dk1"/>
+              </a:buClr>
+              <a:buSzPts val="2000"/>
+              <a:buFont typeface="Bebas Neue"/>
+              <a:buNone/>
+              <a:defRPr sz="2000" b="0" i="0" kern="1200">
+                <a:solidFill>
+                  <a:schemeClr val="dk1"/>
+                </a:solidFill>
+                <a:latin typeface="Bebas Neue"/>
+                <a:ea typeface="Bebas Neue"/>
+                <a:cs typeface="Bebas Neue"/>
+                <a:sym typeface="Bebas Neue"/>
+              </a:defRPr>
+            </a:lvl1pPr>
+            <a:lvl2pPr marL="557213" lvl="1" indent="-214313" algn="ctr" defTabSz="342900" rtl="0" eaLnBrk="1" latinLnBrk="0" hangingPunct="1">
+              <a:spcBef>
+                <a:spcPts val="1600"/>
+              </a:spcBef>
+              <a:spcAft>
+                <a:spcPts val="0"/>
+              </a:spcAft>
+              <a:buClr>
+                <a:schemeClr val="dk1"/>
+              </a:buClr>
+              <a:buSzPts val="1500"/>
+              <a:buFont typeface="Bebas Neue"/>
+              <a:buNone/>
+              <a:defRPr sz="1200" b="0" i="0" kern="1200">
+                <a:solidFill>
+                  <a:schemeClr val="dk1"/>
+                </a:solidFill>
+                <a:latin typeface="Bebas Neue"/>
+                <a:ea typeface="Bebas Neue"/>
+                <a:cs typeface="Bebas Neue"/>
+                <a:sym typeface="Bebas Neue"/>
+              </a:defRPr>
+            </a:lvl2pPr>
+            <a:lvl3pPr marL="857250" lvl="2" indent="-171450" algn="ctr" defTabSz="342900" rtl="0" eaLnBrk="1" latinLnBrk="0" hangingPunct="1">
+              <a:spcBef>
+                <a:spcPts val="1600"/>
+              </a:spcBef>
+              <a:spcAft>
+                <a:spcPts val="0"/>
+              </a:spcAft>
+              <a:buClr>
+                <a:schemeClr val="dk1"/>
+              </a:buClr>
+              <a:buSzPts val="1500"/>
+              <a:buFont typeface="Bebas Neue"/>
+              <a:buNone/>
+              <a:defRPr sz="1050" b="0" i="0" kern="1200">
+                <a:solidFill>
+                  <a:schemeClr val="dk1"/>
+                </a:solidFill>
+                <a:latin typeface="Bebas Neue"/>
+                <a:ea typeface="Bebas Neue"/>
+                <a:cs typeface="Bebas Neue"/>
+                <a:sym typeface="Bebas Neue"/>
+              </a:defRPr>
+            </a:lvl3pPr>
+            <a:lvl4pPr marL="1200150" lvl="3" indent="-171450" algn="ctr" defTabSz="342900" rtl="0" eaLnBrk="1" latinLnBrk="0" hangingPunct="1">
+              <a:spcBef>
+                <a:spcPts val="1600"/>
+              </a:spcBef>
+              <a:spcAft>
+                <a:spcPts val="0"/>
+              </a:spcAft>
+              <a:buClr>
+                <a:schemeClr val="dk1"/>
+              </a:buClr>
+              <a:buSzPts val="1500"/>
+              <a:buFont typeface="Bebas Neue"/>
+              <a:buNone/>
+              <a:defRPr sz="900" b="0" i="0" kern="1200">
+                <a:solidFill>
+                  <a:schemeClr val="dk1"/>
+                </a:solidFill>
+                <a:latin typeface="Bebas Neue"/>
+                <a:ea typeface="Bebas Neue"/>
+                <a:cs typeface="Bebas Neue"/>
+                <a:sym typeface="Bebas Neue"/>
+              </a:defRPr>
+            </a:lvl4pPr>
+            <a:lvl5pPr marL="1543050" lvl="4" indent="-171450" algn="ctr" defTabSz="342900" rtl="0" eaLnBrk="1" latinLnBrk="0" hangingPunct="1">
+              <a:spcBef>
+                <a:spcPts val="1600"/>
+              </a:spcBef>
+              <a:spcAft>
+                <a:spcPts val="0"/>
+              </a:spcAft>
+              <a:buClr>
+                <a:schemeClr val="dk1"/>
+              </a:buClr>
+              <a:buSzPts val="1500"/>
+              <a:buFont typeface="Bebas Neue"/>
+              <a:buNone/>
+              <a:defRPr sz="900" b="0" i="0" kern="1200">
+                <a:solidFill>
+                  <a:schemeClr val="dk1"/>
+                </a:solidFill>
+                <a:latin typeface="Bebas Neue"/>
+                <a:ea typeface="Bebas Neue"/>
+                <a:cs typeface="Bebas Neue"/>
+                <a:sym typeface="Bebas Neue"/>
+              </a:defRPr>
+            </a:lvl5pPr>
+            <a:lvl6pPr marL="1885950" lvl="5" indent="-171450" algn="ctr" defTabSz="342900" rtl="0" eaLnBrk="1" latinLnBrk="0" hangingPunct="1">
+              <a:spcBef>
+                <a:spcPts val="1600"/>
+              </a:spcBef>
+              <a:spcAft>
+                <a:spcPts val="0"/>
+              </a:spcAft>
+              <a:buClr>
+                <a:schemeClr val="dk1"/>
+              </a:buClr>
+              <a:buSzPts val="1500"/>
+              <a:buFont typeface="Bebas Neue"/>
+              <a:buNone/>
+              <a:defRPr sz="900" b="0" i="0" kern="1200">
+                <a:solidFill>
+                  <a:schemeClr val="dk1"/>
+                </a:solidFill>
+                <a:latin typeface="Bebas Neue"/>
+                <a:ea typeface="Bebas Neue"/>
+                <a:cs typeface="Bebas Neue"/>
+                <a:sym typeface="Bebas Neue"/>
+              </a:defRPr>
+            </a:lvl6pPr>
+            <a:lvl7pPr marL="2228850" lvl="6" indent="-171450" algn="ctr" defTabSz="342900" rtl="0" eaLnBrk="1" latinLnBrk="0" hangingPunct="1">
+              <a:spcBef>
+                <a:spcPts val="1600"/>
+              </a:spcBef>
+              <a:spcAft>
+                <a:spcPts val="0"/>
+              </a:spcAft>
+              <a:buClr>
+                <a:schemeClr val="dk1"/>
+              </a:buClr>
+              <a:buSzPts val="1500"/>
+              <a:buFont typeface="Bebas Neue"/>
+              <a:buNone/>
+              <a:defRPr sz="900" b="0" i="0" kern="1200">
+                <a:solidFill>
+                  <a:schemeClr val="dk1"/>
+                </a:solidFill>
+                <a:latin typeface="Bebas Neue"/>
+                <a:ea typeface="Bebas Neue"/>
+                <a:cs typeface="Bebas Neue"/>
+                <a:sym typeface="Bebas Neue"/>
+              </a:defRPr>
+            </a:lvl7pPr>
+            <a:lvl8pPr marL="2571750" lvl="7" indent="-171450" algn="ctr" defTabSz="342900" rtl="0" eaLnBrk="1" latinLnBrk="0" hangingPunct="1">
+              <a:spcBef>
+                <a:spcPts val="1600"/>
+              </a:spcBef>
+              <a:spcAft>
+                <a:spcPts val="0"/>
+              </a:spcAft>
+              <a:buClr>
+                <a:schemeClr val="dk1"/>
+              </a:buClr>
+              <a:buSzPts val="1500"/>
+              <a:buFont typeface="Bebas Neue"/>
+              <a:buNone/>
+              <a:defRPr sz="900" b="0" i="0" kern="1200">
+                <a:solidFill>
+                  <a:schemeClr val="dk1"/>
+                </a:solidFill>
+                <a:latin typeface="Bebas Neue"/>
+                <a:ea typeface="Bebas Neue"/>
+                <a:cs typeface="Bebas Neue"/>
+                <a:sym typeface="Bebas Neue"/>
+              </a:defRPr>
+            </a:lvl8pPr>
+            <a:lvl9pPr marL="2914650" lvl="8" indent="-171450" algn="ctr" defTabSz="342900" rtl="0" eaLnBrk="1" latinLnBrk="0" hangingPunct="1">
+              <a:spcBef>
+                <a:spcPts val="1600"/>
+              </a:spcBef>
+              <a:spcAft>
+                <a:spcPts val="1600"/>
+              </a:spcAft>
+              <a:buClr>
+                <a:schemeClr val="dk1"/>
+              </a:buClr>
+              <a:buSzPts val="1500"/>
+              <a:buFont typeface="Bebas Neue"/>
+              <a:buNone/>
+              <a:defRPr sz="900" b="0" i="0" kern="1200">
+                <a:solidFill>
+                  <a:schemeClr val="dk1"/>
+                </a:solidFill>
+                <a:latin typeface="Bebas Neue"/>
+                <a:ea typeface="Bebas Neue"/>
+                <a:cs typeface="Bebas Neue"/>
+                <a:sym typeface="Bebas Neue"/>
+              </a:defRPr>
+            </a:lvl9pPr>
+          </a:lstStyle>
+          <a:p>
+            <a:pPr marL="342900" indent="-342900" algn="l">
+              <a:spcAft>
+                <a:spcPts val="1600"/>
+              </a:spcAft>
+              <a:buFont typeface="Arial" panose="020B0604020202020204" pitchFamily="34" charset="0"/>
+              <a:buChar char="•"/>
+            </a:pPr>
+            <a:r>
+              <a:rPr lang="en-US" dirty="0">
+                <a:latin typeface="Arial" panose="020B0604020202020204" pitchFamily="34" charset="0"/>
+                <a:cs typeface="Arial" panose="020B0604020202020204" pitchFamily="34" charset="0"/>
+              </a:rPr>
+              <a:t>Historical Data (~3,000+ records)</a:t>
+            </a:r>
+          </a:p>
+          <a:p>
+            <a:pPr marL="342900" indent="-342900" algn="l">
+              <a:spcAft>
+                <a:spcPts val="600"/>
+              </a:spcAft>
+              <a:buFont typeface="Arial" panose="020B0604020202020204" pitchFamily="34" charset="0"/>
+              <a:buChar char="•"/>
+            </a:pPr>
+            <a:r>
+              <a:rPr lang="en-US" dirty="0">
+                <a:latin typeface="Arial" panose="020B0604020202020204" pitchFamily="34" charset="0"/>
+                <a:cs typeface="Arial" panose="020B0604020202020204" pitchFamily="34" charset="0"/>
+              </a:rPr>
+              <a:t>Includes:</a:t>
+            </a:r>
+          </a:p>
+          <a:p>
+            <a:pPr marL="1285875" lvl="3" indent="-342900" algn="l">
+              <a:spcBef>
+                <a:spcPts val="600"/>
+              </a:spcBef>
+              <a:spcAft>
+                <a:spcPts val="600"/>
+              </a:spcAft>
+              <a:buFont typeface="Wingdings" panose="05000000000000000000" pitchFamily="2" charset="2"/>
+              <a:buChar char="ü"/>
+            </a:pPr>
+            <a:r>
+              <a:rPr lang="en-US" sz="1600" dirty="0">
+                <a:latin typeface="Arial" panose="020B0604020202020204" pitchFamily="34" charset="0"/>
+                <a:cs typeface="Arial" panose="020B0604020202020204" pitchFamily="34" charset="0"/>
+              </a:rPr>
+              <a:t>State</a:t>
+            </a:r>
+          </a:p>
+          <a:p>
+            <a:pPr marL="1285875" lvl="3" indent="-342900" algn="l">
+              <a:spcBef>
+                <a:spcPts val="600"/>
+              </a:spcBef>
+              <a:spcAft>
+                <a:spcPts val="600"/>
+              </a:spcAft>
+              <a:buFont typeface="Wingdings" panose="05000000000000000000" pitchFamily="2" charset="2"/>
+              <a:buChar char="ü"/>
+            </a:pPr>
+            <a:r>
+              <a:rPr lang="en-US" sz="1600" dirty="0">
+                <a:latin typeface="Arial" panose="020B0604020202020204" pitchFamily="34" charset="0"/>
+                <a:cs typeface="Arial" panose="020B0604020202020204" pitchFamily="34" charset="0"/>
+              </a:rPr>
+              <a:t>Minutes Usage</a:t>
+            </a:r>
+          </a:p>
+          <a:p>
+            <a:pPr marL="1285875" lvl="3" indent="-342900" algn="l">
+              <a:spcBef>
+                <a:spcPts val="600"/>
+              </a:spcBef>
+              <a:spcAft>
+                <a:spcPts val="600"/>
+              </a:spcAft>
+              <a:buFont typeface="Wingdings" panose="05000000000000000000" pitchFamily="2" charset="2"/>
+              <a:buChar char="ü"/>
+            </a:pPr>
+            <a:r>
+              <a:rPr lang="en-US" sz="1600" dirty="0">
+                <a:latin typeface="Arial" panose="020B0604020202020204" pitchFamily="34" charset="0"/>
+                <a:cs typeface="Arial" panose="020B0604020202020204" pitchFamily="34" charset="0"/>
+              </a:rPr>
+              <a:t>Charges</a:t>
+            </a:r>
+          </a:p>
+          <a:p>
+            <a:pPr marL="1285875" lvl="3" indent="-342900" algn="l">
+              <a:spcBef>
+                <a:spcPts val="600"/>
+              </a:spcBef>
+              <a:spcAft>
+                <a:spcPts val="600"/>
+              </a:spcAft>
+              <a:buFont typeface="Wingdings" panose="05000000000000000000" pitchFamily="2" charset="2"/>
+              <a:buChar char="ü"/>
+            </a:pPr>
+            <a:r>
+              <a:rPr lang="en-US" sz="1600" dirty="0">
+                <a:latin typeface="Arial" panose="020B0604020202020204" pitchFamily="34" charset="0"/>
+                <a:cs typeface="Arial" panose="020B0604020202020204" pitchFamily="34" charset="0"/>
+              </a:rPr>
+              <a:t>Churn (yes – 85%  /  No – 15%)</a:t>
+            </a:r>
+          </a:p>
+        </p:txBody>
+      </p:sp>
+    </p:spTree>
+    <p:extLst>
+      <p:ext uri="{BB962C8B-B14F-4D97-AF65-F5344CB8AC3E}">
+        <p14:creationId xmlns:p14="http://schemas.microsoft.com/office/powerpoint/2010/main" val="3317158735"/>
+      </p:ext>
+    </p:extLst>
+  </p:cSld>
+  <p:clrMapOvr>
+    <a:masterClrMapping/>
+  </p:clrMapOvr>
+</p:sld>
+</file>
+
+<file path=ppt/slides/slide5.xml><?xml version="1.0" encoding="utf-8"?>
+<p:sld xmlns:a="http://schemas.openxmlformats.org/drawingml/2006/main" xmlns:r="http://schemas.openxmlformats.org/officeDocument/2006/relationships" xmlns:p="http://schemas.openxmlformats.org/presentationml/2006/main">
+  <p:cSld>
+    <p:spTree>
+      <p:nvGrpSpPr>
+        <p:cNvPr id="1" name="Shape 225"/>
+        <p:cNvGrpSpPr/>
+        <p:nvPr/>
+      </p:nvGrpSpPr>
+      <p:grpSpPr>
+        <a:xfrm>
+          <a:off x="0" y="0"/>
+          <a:ext cx="0" cy="0"/>
+          <a:chOff x="0" y="0"/>
+          <a:chExt cx="0" cy="0"/>
+        </a:xfrm>
+      </p:grpSpPr>
+      <p:sp>
+        <p:nvSpPr>
+          <p:cNvPr id="226" name="Google Shape;226;p29"/>
+          <p:cNvSpPr txBox="1">
+            <a:spLocks noGrp="1"/>
+          </p:cNvSpPr>
+          <p:nvPr>
+            <p:ph type="title"/>
+          </p:nvPr>
+        </p:nvSpPr>
+        <p:spPr>
+          <a:xfrm>
+            <a:off x="682200" y="593477"/>
+            <a:ext cx="7779600" cy="734700"/>
+          </a:xfrm>
+          <a:prstGeom prst="rect">
+            <a:avLst/>
+          </a:prstGeom>
+        </p:spPr>
+        <p:txBody>
+          <a:bodyPr spcFirstLastPara="1" wrap="square" lIns="91425" tIns="91425" rIns="91425" bIns="91425" anchor="t" anchorCtr="0">
+            <a:noAutofit/>
+          </a:bodyPr>
+          <a:lstStyle/>
+          <a:p>
+            <a:pPr marL="0" lvl="0" indent="0" algn="ctr" rtl="0">
+              <a:spcBef>
+                <a:spcPts val="0"/>
+              </a:spcBef>
+              <a:spcAft>
+                <a:spcPts val="0"/>
+              </a:spcAft>
+              <a:buNone/>
+            </a:pPr>
+            <a:r>
+              <a:rPr lang="en" dirty="0"/>
+              <a:t>Initial Observations</a:t>
+            </a:r>
+            <a:endParaRPr dirty="0"/>
+          </a:p>
+        </p:txBody>
+      </p:sp>
+      <p:pic>
+        <p:nvPicPr>
+          <p:cNvPr id="7" name="Picture 6">
+            <a:extLst>
+              <a:ext uri="{FF2B5EF4-FFF2-40B4-BE49-F238E27FC236}">
+                <a16:creationId xmlns:a16="http://schemas.microsoft.com/office/drawing/2014/main" id="{261D10B3-4452-9AB9-7C5D-D3E901056A68}"/>
+              </a:ext>
+            </a:extLst>
+          </p:cNvPr>
+          <p:cNvPicPr>
+            <a:picLocks noChangeAspect="1"/>
+          </p:cNvPicPr>
+          <p:nvPr/>
+        </p:nvPicPr>
+        <p:blipFill>
+          <a:blip r:embed="rId3"/>
+          <a:stretch>
+            <a:fillRect/>
+          </a:stretch>
+        </p:blipFill>
+        <p:spPr>
+          <a:xfrm>
+            <a:off x="4269661" y="1748118"/>
+            <a:ext cx="4420784" cy="3319466"/>
+          </a:xfrm>
+          <a:prstGeom prst="rect">
+            <a:avLst/>
+          </a:prstGeom>
+        </p:spPr>
+      </p:pic>
+      <p:sp>
+        <p:nvSpPr>
+          <p:cNvPr id="9" name="Google Shape;230;p29">
+            <a:extLst>
+              <a:ext uri="{FF2B5EF4-FFF2-40B4-BE49-F238E27FC236}">
+                <a16:creationId xmlns:a16="http://schemas.microsoft.com/office/drawing/2014/main" id="{B1C6EDB7-0719-D5C3-0610-157057DE13CA}"/>
+              </a:ext>
+            </a:extLst>
+          </p:cNvPr>
+          <p:cNvSpPr txBox="1">
+            <a:spLocks/>
+          </p:cNvSpPr>
+          <p:nvPr/>
+        </p:nvSpPr>
+        <p:spPr>
+          <a:xfrm>
+            <a:off x="1009320" y="2624517"/>
+            <a:ext cx="2910498" cy="1875865"/>
+          </a:xfrm>
+          <a:prstGeom prst="rect">
+            <a:avLst/>
+          </a:prstGeom>
+          <a:noFill/>
+        </p:spPr>
+        <p:txBody>
+          <a:bodyPr spcFirstLastPara="1" vert="horz" wrap="square" lIns="91425" tIns="91425" rIns="91425" bIns="91425" rtlCol="0" anchor="t" anchorCtr="0">
+            <a:noAutofit/>
+          </a:bodyPr>
+          <a:lstStyle>
+            <a:lvl1pPr marL="257175" lvl="0" indent="-257175" algn="ctr" defTabSz="342900" rtl="0" eaLnBrk="1" latinLnBrk="0" hangingPunct="1">
+              <a:spcBef>
+                <a:spcPts val="0"/>
+              </a:spcBef>
+              <a:spcAft>
+                <a:spcPts val="0"/>
+              </a:spcAft>
+              <a:buClr>
+                <a:schemeClr val="dk1"/>
+              </a:buClr>
+              <a:buSzPts val="2000"/>
+              <a:buFont typeface="Bebas Neue"/>
+              <a:buNone/>
+              <a:defRPr sz="2000" b="0" i="0" kern="1200">
+                <a:solidFill>
+                  <a:schemeClr val="dk1"/>
+                </a:solidFill>
+                <a:latin typeface="Bebas Neue"/>
+                <a:ea typeface="Bebas Neue"/>
+                <a:cs typeface="Bebas Neue"/>
+                <a:sym typeface="Bebas Neue"/>
+              </a:defRPr>
+            </a:lvl1pPr>
+            <a:lvl2pPr marL="557213" lvl="1" indent="-214313" algn="ctr" defTabSz="342900" rtl="0" eaLnBrk="1" latinLnBrk="0" hangingPunct="1">
+              <a:spcBef>
+                <a:spcPts val="1600"/>
+              </a:spcBef>
+              <a:spcAft>
+                <a:spcPts val="0"/>
+              </a:spcAft>
+              <a:buClr>
+                <a:schemeClr val="dk1"/>
+              </a:buClr>
+              <a:buSzPts val="1500"/>
+              <a:buFont typeface="Bebas Neue"/>
+              <a:buNone/>
+              <a:defRPr sz="1200" b="0" i="0" kern="1200">
+                <a:solidFill>
+                  <a:schemeClr val="dk1"/>
+                </a:solidFill>
+                <a:latin typeface="Bebas Neue"/>
+                <a:ea typeface="Bebas Neue"/>
+                <a:cs typeface="Bebas Neue"/>
+                <a:sym typeface="Bebas Neue"/>
+              </a:defRPr>
+            </a:lvl2pPr>
+            <a:lvl3pPr marL="857250" lvl="2" indent="-171450" algn="ctr" defTabSz="342900" rtl="0" eaLnBrk="1" latinLnBrk="0" hangingPunct="1">
+              <a:spcBef>
+                <a:spcPts val="1600"/>
+              </a:spcBef>
+              <a:spcAft>
+                <a:spcPts val="0"/>
+              </a:spcAft>
+              <a:buClr>
+                <a:schemeClr val="dk1"/>
+              </a:buClr>
+              <a:buSzPts val="1500"/>
+              <a:buFont typeface="Bebas Neue"/>
+              <a:buNone/>
+              <a:defRPr sz="1050" b="0" i="0" kern="1200">
+                <a:solidFill>
+                  <a:schemeClr val="dk1"/>
+                </a:solidFill>
+                <a:latin typeface="Bebas Neue"/>
+                <a:ea typeface="Bebas Neue"/>
+                <a:cs typeface="Bebas Neue"/>
+                <a:sym typeface="Bebas Neue"/>
+              </a:defRPr>
+            </a:lvl3pPr>
+            <a:lvl4pPr marL="1200150" lvl="3" indent="-171450" algn="ctr" defTabSz="342900" rtl="0" eaLnBrk="1" latinLnBrk="0" hangingPunct="1">
+              <a:spcBef>
+                <a:spcPts val="1600"/>
+              </a:spcBef>
+              <a:spcAft>
+                <a:spcPts val="0"/>
+              </a:spcAft>
+              <a:buClr>
+                <a:schemeClr val="dk1"/>
+              </a:buClr>
+              <a:buSzPts val="1500"/>
+              <a:buFont typeface="Bebas Neue"/>
+              <a:buNone/>
+              <a:defRPr sz="900" b="0" i="0" kern="1200">
+                <a:solidFill>
+                  <a:schemeClr val="dk1"/>
+                </a:solidFill>
+                <a:latin typeface="Bebas Neue"/>
+                <a:ea typeface="Bebas Neue"/>
+                <a:cs typeface="Bebas Neue"/>
+                <a:sym typeface="Bebas Neue"/>
+              </a:defRPr>
+            </a:lvl4pPr>
+            <a:lvl5pPr marL="1543050" lvl="4" indent="-171450" algn="ctr" defTabSz="342900" rtl="0" eaLnBrk="1" latinLnBrk="0" hangingPunct="1">
+              <a:spcBef>
+                <a:spcPts val="1600"/>
+              </a:spcBef>
+              <a:spcAft>
+                <a:spcPts val="0"/>
+              </a:spcAft>
+              <a:buClr>
+                <a:schemeClr val="dk1"/>
+              </a:buClr>
+              <a:buSzPts val="1500"/>
+              <a:buFont typeface="Bebas Neue"/>
+              <a:buNone/>
+              <a:defRPr sz="900" b="0" i="0" kern="1200">
+                <a:solidFill>
+                  <a:schemeClr val="dk1"/>
+                </a:solidFill>
+                <a:latin typeface="Bebas Neue"/>
+                <a:ea typeface="Bebas Neue"/>
+                <a:cs typeface="Bebas Neue"/>
+                <a:sym typeface="Bebas Neue"/>
+              </a:defRPr>
+            </a:lvl5pPr>
+            <a:lvl6pPr marL="1885950" lvl="5" indent="-171450" algn="ctr" defTabSz="342900" rtl="0" eaLnBrk="1" latinLnBrk="0" hangingPunct="1">
+              <a:spcBef>
+                <a:spcPts val="1600"/>
+              </a:spcBef>
+              <a:spcAft>
+                <a:spcPts val="0"/>
+              </a:spcAft>
+              <a:buClr>
+                <a:schemeClr val="dk1"/>
+              </a:buClr>
+              <a:buSzPts val="1500"/>
+              <a:buFont typeface="Bebas Neue"/>
+              <a:buNone/>
+              <a:defRPr sz="900" b="0" i="0" kern="1200">
+                <a:solidFill>
+                  <a:schemeClr val="dk1"/>
+                </a:solidFill>
+                <a:latin typeface="Bebas Neue"/>
+                <a:ea typeface="Bebas Neue"/>
+                <a:cs typeface="Bebas Neue"/>
+                <a:sym typeface="Bebas Neue"/>
+              </a:defRPr>
+            </a:lvl6pPr>
+            <a:lvl7pPr marL="2228850" lvl="6" indent="-171450" algn="ctr" defTabSz="342900" rtl="0" eaLnBrk="1" latinLnBrk="0" hangingPunct="1">
+              <a:spcBef>
+                <a:spcPts val="1600"/>
+              </a:spcBef>
+              <a:spcAft>
+                <a:spcPts val="0"/>
+              </a:spcAft>
+              <a:buClr>
+                <a:schemeClr val="dk1"/>
+              </a:buClr>
+              <a:buSzPts val="1500"/>
+              <a:buFont typeface="Bebas Neue"/>
+              <a:buNone/>
+              <a:defRPr sz="900" b="0" i="0" kern="1200">
+                <a:solidFill>
+                  <a:schemeClr val="dk1"/>
+                </a:solidFill>
+                <a:latin typeface="Bebas Neue"/>
+                <a:ea typeface="Bebas Neue"/>
+                <a:cs typeface="Bebas Neue"/>
+                <a:sym typeface="Bebas Neue"/>
+              </a:defRPr>
+            </a:lvl7pPr>
+            <a:lvl8pPr marL="2571750" lvl="7" indent="-171450" algn="ctr" defTabSz="342900" rtl="0" eaLnBrk="1" latinLnBrk="0" hangingPunct="1">
+              <a:spcBef>
+                <a:spcPts val="1600"/>
+              </a:spcBef>
+              <a:spcAft>
+                <a:spcPts val="0"/>
+              </a:spcAft>
+              <a:buClr>
+                <a:schemeClr val="dk1"/>
+              </a:buClr>
+              <a:buSzPts val="1500"/>
+              <a:buFont typeface="Bebas Neue"/>
+              <a:buNone/>
+              <a:defRPr sz="900" b="0" i="0" kern="1200">
+                <a:solidFill>
+                  <a:schemeClr val="dk1"/>
+                </a:solidFill>
+                <a:latin typeface="Bebas Neue"/>
+                <a:ea typeface="Bebas Neue"/>
+                <a:cs typeface="Bebas Neue"/>
+                <a:sym typeface="Bebas Neue"/>
+              </a:defRPr>
+            </a:lvl8pPr>
+            <a:lvl9pPr marL="2914650" lvl="8" indent="-171450" algn="ctr" defTabSz="342900" rtl="0" eaLnBrk="1" latinLnBrk="0" hangingPunct="1">
+              <a:spcBef>
+                <a:spcPts val="1600"/>
+              </a:spcBef>
+              <a:spcAft>
+                <a:spcPts val="1600"/>
+              </a:spcAft>
+              <a:buClr>
+                <a:schemeClr val="dk1"/>
+              </a:buClr>
+              <a:buSzPts val="1500"/>
+              <a:buFont typeface="Bebas Neue"/>
+              <a:buNone/>
+              <a:defRPr sz="900" b="0" i="0" kern="1200">
+                <a:solidFill>
+                  <a:schemeClr val="dk1"/>
+                </a:solidFill>
+                <a:latin typeface="Bebas Neue"/>
+                <a:ea typeface="Bebas Neue"/>
+                <a:cs typeface="Bebas Neue"/>
+                <a:sym typeface="Bebas Neue"/>
+              </a:defRPr>
+            </a:lvl9pPr>
+          </a:lstStyle>
+          <a:p>
+            <a:pPr marL="0" indent="0">
+              <a:spcAft>
+                <a:spcPts val="1600"/>
+              </a:spcAft>
+            </a:pPr>
+            <a:r>
+              <a:rPr lang="en-US" sz="2400" dirty="0">
+                <a:latin typeface="Arial" panose="020B0604020202020204" pitchFamily="34" charset="0"/>
+                <a:cs typeface="Arial" panose="020B0604020202020204" pitchFamily="34" charset="0"/>
+              </a:rPr>
+              <a:t>Your “High-End” (best) Customers are Churning… </a:t>
+            </a:r>
+          </a:p>
+        </p:txBody>
+      </p:sp>
+      <p:sp>
+        <p:nvSpPr>
+          <p:cNvPr id="10" name="Oval 9">
+            <a:extLst>
+              <a:ext uri="{FF2B5EF4-FFF2-40B4-BE49-F238E27FC236}">
+                <a16:creationId xmlns:a16="http://schemas.microsoft.com/office/drawing/2014/main" id="{EADE8348-A554-A730-C75A-288F69CB2749}"/>
+              </a:ext>
+            </a:extLst>
+          </p:cNvPr>
+          <p:cNvSpPr/>
+          <p:nvPr/>
+        </p:nvSpPr>
+        <p:spPr>
+          <a:xfrm>
+            <a:off x="6945407" y="2254062"/>
+            <a:ext cx="1189274" cy="1033743"/>
+          </a:xfrm>
+          <a:prstGeom prst="ellipse">
+            <a:avLst/>
+          </a:prstGeom>
+          <a:noFill/>
+        </p:spPr>
+        <p:style>
+          <a:lnRef idx="2">
+            <a:schemeClr val="accent1">
+              <a:shade val="50000"/>
+            </a:schemeClr>
+          </a:lnRef>
+          <a:fillRef idx="1">
+            <a:schemeClr val="accent1"/>
+          </a:fillRef>
+          <a:effectRef idx="0">
+            <a:schemeClr val="accent1"/>
+          </a:effectRef>
+          <a:fontRef idx="minor">
+            <a:schemeClr val="lt1"/>
+          </a:fontRef>
+        </p:style>
+        <p:txBody>
+          <a:bodyPr rtlCol="0" anchor="ctr"/>
+          <a:lstStyle/>
+          <a:p>
+            <a:pPr algn="ctr"/>
+            <a:endParaRPr lang="en-US"/>
+          </a:p>
+        </p:txBody>
+      </p:sp>
+    </p:spTree>
+    <p:extLst>
+      <p:ext uri="{BB962C8B-B14F-4D97-AF65-F5344CB8AC3E}">
+        <p14:creationId xmlns:p14="http://schemas.microsoft.com/office/powerpoint/2010/main" val="512135059"/>
+      </p:ext>
+    </p:extLst>
+  </p:cSld>
+  <p:clrMapOvr>
+    <a:masterClrMapping/>
+  </p:clrMapOvr>
+</p:sld>
+</file>
+
+<file path=ppt/slides/slide6.xml><?xml version="1.0" encoding="utf-8"?>
 <p:sld xmlns:a="http://schemas.openxmlformats.org/drawingml/2006/main" xmlns:r="http://schemas.openxmlformats.org/officeDocument/2006/relationships" xmlns:p="http://schemas.openxmlformats.org/presentationml/2006/main">
   <p:cSld>
     <p:spTree>
@@ -21168,32 +21899,6 @@
           <a:chExt cx="0" cy="0"/>
         </a:xfrm>
       </p:grpSpPr>
-      <p:cxnSp>
-        <p:nvCxnSpPr>
-          <p:cNvPr id="257" name="Google Shape;257;p30"/>
-          <p:cNvCxnSpPr/>
-          <p:nvPr/>
-        </p:nvCxnSpPr>
-        <p:spPr>
-          <a:xfrm flipH="1">
-            <a:off x="8803475" y="0"/>
-            <a:ext cx="18300" cy="3246000"/>
-          </a:xfrm>
-          <a:prstGeom prst="straightConnector1">
-            <a:avLst/>
-          </a:prstGeom>
-          <a:noFill/>
-          <a:ln w="19050" cap="flat" cmpd="sng">
-            <a:solidFill>
-              <a:srgbClr val="F6B26B"/>
-            </a:solidFill>
-            <a:prstDash val="solid"/>
-            <a:round/>
-            <a:headEnd type="none" w="med" len="med"/>
-            <a:tailEnd type="oval" w="med" len="med"/>
-          </a:ln>
-        </p:spPr>
-      </p:cxnSp>
       <p:sp>
         <p:nvSpPr>
           <p:cNvPr id="258" name="Google Shape;258;p30"/>
@@ -21230,7 +21935,7 @@
             </a:pPr>
             <a:r>
               <a:rPr lang="en-US" dirty="0"/>
-              <a:t>Modeling Process – Key Points</a:t>
+              <a:t>Modeling Process</a:t>
             </a:r>
             <a:endParaRPr dirty="0">
               <a:solidFill>
@@ -21256,8 +21961,8 @@
         </p:nvSpPr>
         <p:spPr>
           <a:xfrm>
-            <a:off x="1790483" y="2083926"/>
-            <a:ext cx="6567121" cy="2468274"/>
+            <a:off x="425619" y="2318308"/>
+            <a:ext cx="3683223" cy="2468274"/>
           </a:xfrm>
           <a:prstGeom prst="rect">
             <a:avLst/>
@@ -21503,12 +22208,12 @@
               <a:buAutoNum type="arabicPeriod"/>
             </a:pPr>
             <a:r>
-              <a:rPr lang="en-US" sz="2000" dirty="0">
+              <a:rPr lang="en-US" sz="1800" dirty="0">
                 <a:solidFill>
                   <a:schemeClr val="dk2"/>
                 </a:solidFill>
               </a:rPr>
-              <a:t>Attempted 6 different model types</a:t>
+              <a:t>Attempted 7 different model types</a:t>
             </a:r>
           </a:p>
           <a:p>
@@ -21518,7 +22223,7 @@
               </a:buClr>
               <a:buAutoNum type="arabicPeriod"/>
             </a:pPr>
-            <a:endParaRPr lang="en-US" sz="2000" dirty="0">
+            <a:endParaRPr lang="en-US" sz="1800" dirty="0">
               <a:solidFill>
                 <a:schemeClr val="dk2"/>
               </a:solidFill>
@@ -21532,42 +22237,98 @@
               <a:buAutoNum type="arabicPeriod"/>
             </a:pPr>
             <a:r>
-              <a:rPr lang="en-US" sz="2000" dirty="0">
+              <a:rPr lang="en-US" sz="1800" dirty="0">
                 <a:solidFill>
                   <a:schemeClr val="dk2"/>
                 </a:solidFill>
               </a:rPr>
-              <a:t>Based on validation results, selected top 2 model types for further tuning</a:t>
+              <a:t>Selected top 2 types for further refining</a:t>
             </a:r>
           </a:p>
+        </p:txBody>
+      </p:sp>
+      <p:pic>
+        <p:nvPicPr>
+          <p:cNvPr id="6" name="Picture 5">
+            <a:extLst>
+              <a:ext uri="{FF2B5EF4-FFF2-40B4-BE49-F238E27FC236}">
+                <a16:creationId xmlns:a16="http://schemas.microsoft.com/office/drawing/2014/main" id="{0EBF1394-83CF-18B6-38C6-6B0B02059B39}"/>
+              </a:ext>
+            </a:extLst>
+          </p:cNvPr>
+          <p:cNvPicPr>
+            <a:picLocks noChangeAspect="1"/>
+          </p:cNvPicPr>
+          <p:nvPr/>
+        </p:nvPicPr>
+        <p:blipFill>
+          <a:blip r:embed="rId3"/>
+          <a:stretch>
+            <a:fillRect/>
+          </a:stretch>
+        </p:blipFill>
+        <p:spPr>
+          <a:xfrm>
+            <a:off x="4316181" y="1943012"/>
+            <a:ext cx="4508636" cy="2750101"/>
+          </a:xfrm>
+          <a:prstGeom prst="rect">
+            <a:avLst/>
+          </a:prstGeom>
+          <a:ln>
+            <a:solidFill>
+              <a:schemeClr val="tx1"/>
+            </a:solidFill>
+          </a:ln>
+        </p:spPr>
+      </p:pic>
+      <p:sp>
+        <p:nvSpPr>
+          <p:cNvPr id="3" name="Rectangle 2">
+            <a:extLst>
+              <a:ext uri="{FF2B5EF4-FFF2-40B4-BE49-F238E27FC236}">
+                <a16:creationId xmlns:a16="http://schemas.microsoft.com/office/drawing/2014/main" id="{0F8669DE-462C-EB6C-BD4E-830102D86223}"/>
+              </a:ext>
+            </a:extLst>
+          </p:cNvPr>
+          <p:cNvSpPr/>
+          <p:nvPr/>
+        </p:nvSpPr>
+        <p:spPr>
+          <a:xfrm>
+            <a:off x="4429125" y="2076450"/>
+            <a:ext cx="1019175" cy="695325"/>
+          </a:xfrm>
+          <a:prstGeom prst="rect">
+            <a:avLst/>
+          </a:prstGeom>
+          <a:noFill/>
+          <a:ln>
+            <a:solidFill>
+              <a:srgbClr val="FF0000"/>
+            </a:solidFill>
+          </a:ln>
+        </p:spPr>
+        <p:style>
+          <a:lnRef idx="2">
+            <a:schemeClr val="accent2"/>
+          </a:lnRef>
+          <a:fillRef idx="1">
+            <a:schemeClr val="lt1"/>
+          </a:fillRef>
+          <a:effectRef idx="0">
+            <a:schemeClr val="accent2"/>
+          </a:effectRef>
+          <a:fontRef idx="minor">
+            <a:schemeClr val="dk1"/>
+          </a:fontRef>
+        </p:style>
+        <p:txBody>
+          <a:bodyPr rtlCol="0" anchor="ctr"/>
+          <a:lstStyle/>
           <a:p>
-            <a:pPr marL="590550" indent="-457200">
-              <a:buClr>
-                <a:schemeClr val="dk2"/>
-              </a:buClr>
-              <a:buAutoNum type="arabicPeriod"/>
-            </a:pPr>
-            <a:endParaRPr lang="en-US" sz="2000" dirty="0">
-              <a:solidFill>
-                <a:schemeClr val="dk2"/>
-              </a:solidFill>
-            </a:endParaRPr>
-          </a:p>
-          <a:p>
-            <a:pPr marL="590550" indent="-457200">
-              <a:buClr>
-                <a:schemeClr val="dk2"/>
-              </a:buClr>
-              <a:buAutoNum type="arabicPeriod"/>
-            </a:pPr>
-            <a:r>
-              <a:rPr lang="en-US" sz="2000" dirty="0">
-                <a:solidFill>
-                  <a:schemeClr val="dk2"/>
-                </a:solidFill>
-              </a:rPr>
-              <a:t>Ran ~800 model iterations to arrive at the best model</a:t>
-            </a:r>
+            <a:pPr algn="ctr"/>
+            <a:endParaRPr lang="en-US"/>
           </a:p>
         </p:txBody>
       </p:sp>
@@ -21579,7 +22340,7 @@
 </p:sld>
 </file>
 
-<file path=ppt/slides/slide5.xml><?xml version="1.0" encoding="utf-8"?>
+<file path=ppt/slides/slide7.xml><?xml version="1.0" encoding="utf-8"?>
 <p:sld xmlns:a="http://schemas.openxmlformats.org/drawingml/2006/main" xmlns:r="http://schemas.openxmlformats.org/officeDocument/2006/relationships" xmlns:p="http://schemas.openxmlformats.org/presentationml/2006/main">
   <p:cSld>
     <p:spTree>
@@ -21596,32 +22357,6 @@
           <a:chExt cx="0" cy="0"/>
         </a:xfrm>
       </p:grpSpPr>
-      <p:cxnSp>
-        <p:nvCxnSpPr>
-          <p:cNvPr id="257" name="Google Shape;257;p30"/>
-          <p:cNvCxnSpPr/>
-          <p:nvPr/>
-        </p:nvCxnSpPr>
-        <p:spPr>
-          <a:xfrm flipH="1">
-            <a:off x="8803475" y="0"/>
-            <a:ext cx="18300" cy="3246000"/>
-          </a:xfrm>
-          <a:prstGeom prst="straightConnector1">
-            <a:avLst/>
-          </a:prstGeom>
-          <a:noFill/>
-          <a:ln w="19050" cap="flat" cmpd="sng">
-            <a:solidFill>
-              <a:srgbClr val="F6B26B"/>
-            </a:solidFill>
-            <a:prstDash val="solid"/>
-            <a:round/>
-            <a:headEnd type="none" w="med" len="med"/>
-            <a:tailEnd type="oval" w="med" len="med"/>
-          </a:ln>
-        </p:spPr>
-      </p:cxnSp>
       <p:sp>
         <p:nvSpPr>
           <p:cNvPr id="258" name="Google Shape;258;p30"/>
@@ -21666,7 +22401,7 @@
                   <a:schemeClr val="bg1"/>
                 </a:solidFill>
               </a:rPr>
-              <a:t>Gradient Boost Classifier </a:t>
+              <a:t>Gradient Boosting Classifier </a:t>
             </a:r>
             <a:endParaRPr dirty="0">
               <a:solidFill>
@@ -21692,8 +22427,319 @@
         </p:nvSpPr>
         <p:spPr>
           <a:xfrm>
-            <a:off x="3000849" y="1928622"/>
+            <a:off x="893915" y="1959744"/>
             <a:ext cx="6894576" cy="1286256"/>
+          </a:xfrm>
+          <a:prstGeom prst="rect">
+            <a:avLst/>
+          </a:prstGeom>
+          <a:noFill/>
+        </p:spPr>
+        <p:txBody>
+          <a:bodyPr spcFirstLastPara="1" vert="horz" wrap="square" lIns="91425" tIns="91425" rIns="91425" bIns="91425" rtlCol="0" anchor="t" anchorCtr="0">
+            <a:noAutofit/>
+          </a:bodyPr>
+          <a:lstStyle>
+            <a:lvl1pPr marL="257175" lvl="0" indent="-257175" algn="l" defTabSz="342900" rtl="0" eaLnBrk="1" latinLnBrk="0" hangingPunct="1">
+              <a:spcBef>
+                <a:spcPts val="0"/>
+              </a:spcBef>
+              <a:spcAft>
+                <a:spcPts val="0"/>
+              </a:spcAft>
+              <a:buClr>
+                <a:schemeClr val="accent1"/>
+              </a:buClr>
+              <a:buSzPts val="1500"/>
+              <a:buFont typeface="Wingdings 3" charset="2"/>
+              <a:buNone/>
+              <a:defRPr sz="1350" b="0" i="0" kern="1200">
+                <a:solidFill>
+                  <a:schemeClr val="tx1">
+                    <a:lumMod val="75000"/>
+                    <a:lumOff val="25000"/>
+                  </a:schemeClr>
+                </a:solidFill>
+                <a:latin typeface="+mn-lt"/>
+                <a:ea typeface="+mn-ea"/>
+                <a:cs typeface="+mn-cs"/>
+              </a:defRPr>
+            </a:lvl1pPr>
+            <a:lvl2pPr marL="557213" lvl="1" indent="-214313" algn="l" defTabSz="342900" rtl="0" eaLnBrk="1" latinLnBrk="0" hangingPunct="1">
+              <a:spcBef>
+                <a:spcPts val="1600"/>
+              </a:spcBef>
+              <a:spcAft>
+                <a:spcPts val="0"/>
+              </a:spcAft>
+              <a:buClr>
+                <a:schemeClr val="accent1"/>
+              </a:buClr>
+              <a:buSzPts val="1500"/>
+              <a:buFont typeface="Wingdings 3" charset="2"/>
+              <a:buNone/>
+              <a:defRPr sz="1200" b="0" i="0" kern="1200">
+                <a:solidFill>
+                  <a:schemeClr val="tx1">
+                    <a:lumMod val="75000"/>
+                    <a:lumOff val="25000"/>
+                  </a:schemeClr>
+                </a:solidFill>
+                <a:latin typeface="+mn-lt"/>
+                <a:ea typeface="+mn-ea"/>
+                <a:cs typeface="+mn-cs"/>
+              </a:defRPr>
+            </a:lvl2pPr>
+            <a:lvl3pPr marL="857250" lvl="2" indent="-171450" algn="l" defTabSz="342900" rtl="0" eaLnBrk="1" latinLnBrk="0" hangingPunct="1">
+              <a:spcBef>
+                <a:spcPts val="1600"/>
+              </a:spcBef>
+              <a:spcAft>
+                <a:spcPts val="0"/>
+              </a:spcAft>
+              <a:buClr>
+                <a:schemeClr val="accent1"/>
+              </a:buClr>
+              <a:buSzPts val="1500"/>
+              <a:buFont typeface="Wingdings 3" charset="2"/>
+              <a:buNone/>
+              <a:defRPr sz="1050" b="0" i="0" kern="1200">
+                <a:solidFill>
+                  <a:schemeClr val="tx1">
+                    <a:lumMod val="75000"/>
+                    <a:lumOff val="25000"/>
+                  </a:schemeClr>
+                </a:solidFill>
+                <a:latin typeface="+mn-lt"/>
+                <a:ea typeface="+mn-ea"/>
+                <a:cs typeface="+mn-cs"/>
+              </a:defRPr>
+            </a:lvl3pPr>
+            <a:lvl4pPr marL="1200150" lvl="3" indent="-171450" algn="l" defTabSz="342900" rtl="0" eaLnBrk="1" latinLnBrk="0" hangingPunct="1">
+              <a:spcBef>
+                <a:spcPts val="1600"/>
+              </a:spcBef>
+              <a:spcAft>
+                <a:spcPts val="0"/>
+              </a:spcAft>
+              <a:buClr>
+                <a:schemeClr val="accent1"/>
+              </a:buClr>
+              <a:buSzPts val="1500"/>
+              <a:buFont typeface="Wingdings 3" charset="2"/>
+              <a:buNone/>
+              <a:defRPr sz="900" b="0" i="0" kern="1200">
+                <a:solidFill>
+                  <a:schemeClr val="tx1">
+                    <a:lumMod val="75000"/>
+                    <a:lumOff val="25000"/>
+                  </a:schemeClr>
+                </a:solidFill>
+                <a:latin typeface="+mn-lt"/>
+                <a:ea typeface="+mn-ea"/>
+                <a:cs typeface="+mn-cs"/>
+              </a:defRPr>
+            </a:lvl4pPr>
+            <a:lvl5pPr marL="1543050" lvl="4" indent="-171450" algn="l" defTabSz="342900" rtl="0" eaLnBrk="1" latinLnBrk="0" hangingPunct="1">
+              <a:spcBef>
+                <a:spcPts val="1600"/>
+              </a:spcBef>
+              <a:spcAft>
+                <a:spcPts val="0"/>
+              </a:spcAft>
+              <a:buClr>
+                <a:schemeClr val="accent1"/>
+              </a:buClr>
+              <a:buSzPts val="1500"/>
+              <a:buFont typeface="Wingdings 3" charset="2"/>
+              <a:buNone/>
+              <a:defRPr sz="900" b="0" i="0" kern="1200">
+                <a:solidFill>
+                  <a:schemeClr val="tx1">
+                    <a:lumMod val="75000"/>
+                    <a:lumOff val="25000"/>
+                  </a:schemeClr>
+                </a:solidFill>
+                <a:latin typeface="+mn-lt"/>
+                <a:ea typeface="+mn-ea"/>
+                <a:cs typeface="+mn-cs"/>
+              </a:defRPr>
+            </a:lvl5pPr>
+            <a:lvl6pPr marL="1885950" lvl="5" indent="-171450" algn="l" defTabSz="342900" rtl="0" eaLnBrk="1" latinLnBrk="0" hangingPunct="1">
+              <a:spcBef>
+                <a:spcPts val="1600"/>
+              </a:spcBef>
+              <a:spcAft>
+                <a:spcPts val="0"/>
+              </a:spcAft>
+              <a:buClr>
+                <a:schemeClr val="accent1"/>
+              </a:buClr>
+              <a:buSzPts val="1500"/>
+              <a:buFont typeface="Wingdings 3" charset="2"/>
+              <a:buNone/>
+              <a:defRPr sz="900" b="0" i="0" kern="1200">
+                <a:solidFill>
+                  <a:schemeClr val="tx1">
+                    <a:lumMod val="75000"/>
+                    <a:lumOff val="25000"/>
+                  </a:schemeClr>
+                </a:solidFill>
+                <a:latin typeface="+mn-lt"/>
+                <a:ea typeface="+mn-ea"/>
+                <a:cs typeface="+mn-cs"/>
+              </a:defRPr>
+            </a:lvl6pPr>
+            <a:lvl7pPr marL="2228850" lvl="6" indent="-171450" algn="l" defTabSz="342900" rtl="0" eaLnBrk="1" latinLnBrk="0" hangingPunct="1">
+              <a:spcBef>
+                <a:spcPts val="1600"/>
+              </a:spcBef>
+              <a:spcAft>
+                <a:spcPts val="0"/>
+              </a:spcAft>
+              <a:buClr>
+                <a:schemeClr val="accent1"/>
+              </a:buClr>
+              <a:buSzPts val="1500"/>
+              <a:buFont typeface="Wingdings 3" charset="2"/>
+              <a:buNone/>
+              <a:defRPr sz="900" b="0" i="0" kern="1200">
+                <a:solidFill>
+                  <a:schemeClr val="tx1">
+                    <a:lumMod val="75000"/>
+                    <a:lumOff val="25000"/>
+                  </a:schemeClr>
+                </a:solidFill>
+                <a:latin typeface="+mn-lt"/>
+                <a:ea typeface="+mn-ea"/>
+                <a:cs typeface="+mn-cs"/>
+              </a:defRPr>
+            </a:lvl7pPr>
+            <a:lvl8pPr marL="2571750" lvl="7" indent="-171450" algn="l" defTabSz="342900" rtl="0" eaLnBrk="1" latinLnBrk="0" hangingPunct="1">
+              <a:spcBef>
+                <a:spcPts val="1600"/>
+              </a:spcBef>
+              <a:spcAft>
+                <a:spcPts val="0"/>
+              </a:spcAft>
+              <a:buClr>
+                <a:schemeClr val="accent1"/>
+              </a:buClr>
+              <a:buSzPts val="1500"/>
+              <a:buFont typeface="Wingdings 3" charset="2"/>
+              <a:buNone/>
+              <a:defRPr sz="900" b="0" i="0" kern="1200">
+                <a:solidFill>
+                  <a:schemeClr val="tx1">
+                    <a:lumMod val="75000"/>
+                    <a:lumOff val="25000"/>
+                  </a:schemeClr>
+                </a:solidFill>
+                <a:latin typeface="+mn-lt"/>
+                <a:ea typeface="+mn-ea"/>
+                <a:cs typeface="+mn-cs"/>
+              </a:defRPr>
+            </a:lvl8pPr>
+            <a:lvl9pPr marL="2914650" lvl="8" indent="-171450" algn="l" defTabSz="342900" rtl="0" eaLnBrk="1" latinLnBrk="0" hangingPunct="1">
+              <a:spcBef>
+                <a:spcPts val="1600"/>
+              </a:spcBef>
+              <a:spcAft>
+                <a:spcPts val="1600"/>
+              </a:spcAft>
+              <a:buClr>
+                <a:schemeClr val="accent1"/>
+              </a:buClr>
+              <a:buSzPts val="1500"/>
+              <a:buFont typeface="Wingdings 3" charset="2"/>
+              <a:buNone/>
+              <a:defRPr sz="900" b="0" i="0" kern="1200">
+                <a:solidFill>
+                  <a:schemeClr val="tx1">
+                    <a:lumMod val="75000"/>
+                    <a:lumOff val="25000"/>
+                  </a:schemeClr>
+                </a:solidFill>
+                <a:latin typeface="+mn-lt"/>
+                <a:ea typeface="+mn-ea"/>
+                <a:cs typeface="+mn-cs"/>
+              </a:defRPr>
+            </a:lvl9pPr>
+          </a:lstStyle>
+          <a:p>
+            <a:pPr marL="133350" indent="0" algn="ctr">
+              <a:buClr>
+                <a:schemeClr val="dk2"/>
+              </a:buClr>
+            </a:pPr>
+            <a:r>
+              <a:rPr lang="en-US" sz="2000" dirty="0">
+                <a:solidFill>
+                  <a:schemeClr val="dk2"/>
+                </a:solidFill>
+              </a:rPr>
+              <a:t>After running hundreds of model iterations…</a:t>
+            </a:r>
+          </a:p>
+          <a:p>
+            <a:pPr marL="133350" indent="0" algn="ctr">
+              <a:buClr>
+                <a:schemeClr val="dk2"/>
+              </a:buClr>
+            </a:pPr>
+            <a:endParaRPr lang="en-US" sz="2000" dirty="0">
+              <a:solidFill>
+                <a:schemeClr val="dk2"/>
+              </a:solidFill>
+            </a:endParaRPr>
+          </a:p>
+          <a:p>
+            <a:pPr marL="133350" indent="0" algn="ctr">
+              <a:buClr>
+                <a:schemeClr val="dk2"/>
+              </a:buClr>
+            </a:pPr>
+            <a:endParaRPr lang="en-US" sz="2000" dirty="0">
+              <a:solidFill>
+                <a:schemeClr val="dk2"/>
+              </a:solidFill>
+            </a:endParaRPr>
+          </a:p>
+          <a:p>
+            <a:pPr marL="133350" indent="0" algn="ctr">
+              <a:buClr>
+                <a:schemeClr val="dk2"/>
+              </a:buClr>
+            </a:pPr>
+            <a:r>
+              <a:rPr lang="en-US" sz="2000" b="1" dirty="0">
+                <a:solidFill>
+                  <a:schemeClr val="dk2"/>
+                </a:solidFill>
+              </a:rPr>
+              <a:t>Final Accuracy Score:  97%</a:t>
+            </a:r>
+          </a:p>
+        </p:txBody>
+      </p:sp>
+      <p:sp>
+        <p:nvSpPr>
+          <p:cNvPr id="3" name="Google Shape;227;p29">
+            <a:extLst>
+              <a:ext uri="{FF2B5EF4-FFF2-40B4-BE49-F238E27FC236}">
+                <a16:creationId xmlns:a16="http://schemas.microsoft.com/office/drawing/2014/main" id="{A16D2BFE-3B9D-7123-F492-08424973275B}"/>
+              </a:ext>
+            </a:extLst>
+          </p:cNvPr>
+          <p:cNvSpPr txBox="1">
+            <a:spLocks/>
+          </p:cNvSpPr>
+          <p:nvPr/>
+        </p:nvSpPr>
+        <p:spPr>
+          <a:xfrm>
+            <a:off x="2632384" y="3906668"/>
+            <a:ext cx="3693862" cy="977300"/>
           </a:xfrm>
           <a:prstGeom prst="rect">
             <a:avLst/>
@@ -21938,311 +22984,12 @@
               </a:buClr>
             </a:pPr>
             <a:r>
-              <a:rPr lang="en-US" sz="2000" dirty="0">
+              <a:rPr lang="en-US" sz="2000" i="1" dirty="0">
                 <a:solidFill>
                   <a:schemeClr val="dk2"/>
                 </a:solidFill>
               </a:rPr>
-              <a:t>Average Score: .917</a:t>
-            </a:r>
-          </a:p>
-          <a:p>
-            <a:pPr marL="133350" indent="0">
-              <a:buClr>
-                <a:schemeClr val="dk2"/>
-              </a:buClr>
-            </a:pPr>
-            <a:endParaRPr lang="en-US" sz="2000" dirty="0">
-              <a:solidFill>
-                <a:schemeClr val="dk2"/>
-              </a:solidFill>
-            </a:endParaRPr>
-          </a:p>
-          <a:p>
-            <a:pPr marL="133350" indent="0">
-              <a:buClr>
-                <a:schemeClr val="dk2"/>
-              </a:buClr>
-            </a:pPr>
-            <a:r>
-              <a:rPr lang="en-US" sz="2000" dirty="0">
-                <a:solidFill>
-                  <a:schemeClr val="dk2"/>
-                </a:solidFill>
-              </a:rPr>
-              <a:t>Best Score: .963</a:t>
-            </a:r>
-          </a:p>
-        </p:txBody>
-      </p:sp>
-      <p:sp>
-        <p:nvSpPr>
-          <p:cNvPr id="3" name="Google Shape;227;p29">
-            <a:extLst>
-              <a:ext uri="{FF2B5EF4-FFF2-40B4-BE49-F238E27FC236}">
-                <a16:creationId xmlns:a16="http://schemas.microsoft.com/office/drawing/2014/main" id="{A16D2BFE-3B9D-7123-F492-08424973275B}"/>
-              </a:ext>
-            </a:extLst>
-          </p:cNvPr>
-          <p:cNvSpPr txBox="1">
-            <a:spLocks/>
-          </p:cNvSpPr>
-          <p:nvPr/>
-        </p:nvSpPr>
-        <p:spPr>
-          <a:xfrm>
-            <a:off x="2823568" y="3422142"/>
-            <a:ext cx="6894576" cy="977300"/>
-          </a:xfrm>
-          <a:prstGeom prst="rect">
-            <a:avLst/>
-          </a:prstGeom>
-          <a:noFill/>
-        </p:spPr>
-        <p:txBody>
-          <a:bodyPr spcFirstLastPara="1" vert="horz" wrap="square" lIns="91425" tIns="91425" rIns="91425" bIns="91425" rtlCol="0" anchor="t" anchorCtr="0">
-            <a:noAutofit/>
-          </a:bodyPr>
-          <a:lstStyle>
-            <a:lvl1pPr marL="257175" lvl="0" indent="-257175" algn="l" defTabSz="342900" rtl="0" eaLnBrk="1" latinLnBrk="0" hangingPunct="1">
-              <a:spcBef>
-                <a:spcPts val="0"/>
-              </a:spcBef>
-              <a:spcAft>
-                <a:spcPts val="0"/>
-              </a:spcAft>
-              <a:buClr>
-                <a:schemeClr val="accent1"/>
-              </a:buClr>
-              <a:buSzPts val="1500"/>
-              <a:buFont typeface="Wingdings 3" charset="2"/>
-              <a:buNone/>
-              <a:defRPr sz="1350" b="0" i="0" kern="1200">
-                <a:solidFill>
-                  <a:schemeClr val="tx1">
-                    <a:lumMod val="75000"/>
-                    <a:lumOff val="25000"/>
-                  </a:schemeClr>
-                </a:solidFill>
-                <a:latin typeface="+mn-lt"/>
-                <a:ea typeface="+mn-ea"/>
-                <a:cs typeface="+mn-cs"/>
-              </a:defRPr>
-            </a:lvl1pPr>
-            <a:lvl2pPr marL="557213" lvl="1" indent="-214313" algn="l" defTabSz="342900" rtl="0" eaLnBrk="1" latinLnBrk="0" hangingPunct="1">
-              <a:spcBef>
-                <a:spcPts val="1600"/>
-              </a:spcBef>
-              <a:spcAft>
-                <a:spcPts val="0"/>
-              </a:spcAft>
-              <a:buClr>
-                <a:schemeClr val="accent1"/>
-              </a:buClr>
-              <a:buSzPts val="1500"/>
-              <a:buFont typeface="Wingdings 3" charset="2"/>
-              <a:buNone/>
-              <a:defRPr sz="1200" b="0" i="0" kern="1200">
-                <a:solidFill>
-                  <a:schemeClr val="tx1">
-                    <a:lumMod val="75000"/>
-                    <a:lumOff val="25000"/>
-                  </a:schemeClr>
-                </a:solidFill>
-                <a:latin typeface="+mn-lt"/>
-                <a:ea typeface="+mn-ea"/>
-                <a:cs typeface="+mn-cs"/>
-              </a:defRPr>
-            </a:lvl2pPr>
-            <a:lvl3pPr marL="857250" lvl="2" indent="-171450" algn="l" defTabSz="342900" rtl="0" eaLnBrk="1" latinLnBrk="0" hangingPunct="1">
-              <a:spcBef>
-                <a:spcPts val="1600"/>
-              </a:spcBef>
-              <a:spcAft>
-                <a:spcPts val="0"/>
-              </a:spcAft>
-              <a:buClr>
-                <a:schemeClr val="accent1"/>
-              </a:buClr>
-              <a:buSzPts val="1500"/>
-              <a:buFont typeface="Wingdings 3" charset="2"/>
-              <a:buNone/>
-              <a:defRPr sz="1050" b="0" i="0" kern="1200">
-                <a:solidFill>
-                  <a:schemeClr val="tx1">
-                    <a:lumMod val="75000"/>
-                    <a:lumOff val="25000"/>
-                  </a:schemeClr>
-                </a:solidFill>
-                <a:latin typeface="+mn-lt"/>
-                <a:ea typeface="+mn-ea"/>
-                <a:cs typeface="+mn-cs"/>
-              </a:defRPr>
-            </a:lvl3pPr>
-            <a:lvl4pPr marL="1200150" lvl="3" indent="-171450" algn="l" defTabSz="342900" rtl="0" eaLnBrk="1" latinLnBrk="0" hangingPunct="1">
-              <a:spcBef>
-                <a:spcPts val="1600"/>
-              </a:spcBef>
-              <a:spcAft>
-                <a:spcPts val="0"/>
-              </a:spcAft>
-              <a:buClr>
-                <a:schemeClr val="accent1"/>
-              </a:buClr>
-              <a:buSzPts val="1500"/>
-              <a:buFont typeface="Wingdings 3" charset="2"/>
-              <a:buNone/>
-              <a:defRPr sz="900" b="0" i="0" kern="1200">
-                <a:solidFill>
-                  <a:schemeClr val="tx1">
-                    <a:lumMod val="75000"/>
-                    <a:lumOff val="25000"/>
-                  </a:schemeClr>
-                </a:solidFill>
-                <a:latin typeface="+mn-lt"/>
-                <a:ea typeface="+mn-ea"/>
-                <a:cs typeface="+mn-cs"/>
-              </a:defRPr>
-            </a:lvl4pPr>
-            <a:lvl5pPr marL="1543050" lvl="4" indent="-171450" algn="l" defTabSz="342900" rtl="0" eaLnBrk="1" latinLnBrk="0" hangingPunct="1">
-              <a:spcBef>
-                <a:spcPts val="1600"/>
-              </a:spcBef>
-              <a:spcAft>
-                <a:spcPts val="0"/>
-              </a:spcAft>
-              <a:buClr>
-                <a:schemeClr val="accent1"/>
-              </a:buClr>
-              <a:buSzPts val="1500"/>
-              <a:buFont typeface="Wingdings 3" charset="2"/>
-              <a:buNone/>
-              <a:defRPr sz="900" b="0" i="0" kern="1200">
-                <a:solidFill>
-                  <a:schemeClr val="tx1">
-                    <a:lumMod val="75000"/>
-                    <a:lumOff val="25000"/>
-                  </a:schemeClr>
-                </a:solidFill>
-                <a:latin typeface="+mn-lt"/>
-                <a:ea typeface="+mn-ea"/>
-                <a:cs typeface="+mn-cs"/>
-              </a:defRPr>
-            </a:lvl5pPr>
-            <a:lvl6pPr marL="1885950" lvl="5" indent="-171450" algn="l" defTabSz="342900" rtl="0" eaLnBrk="1" latinLnBrk="0" hangingPunct="1">
-              <a:spcBef>
-                <a:spcPts val="1600"/>
-              </a:spcBef>
-              <a:spcAft>
-                <a:spcPts val="0"/>
-              </a:spcAft>
-              <a:buClr>
-                <a:schemeClr val="accent1"/>
-              </a:buClr>
-              <a:buSzPts val="1500"/>
-              <a:buFont typeface="Wingdings 3" charset="2"/>
-              <a:buNone/>
-              <a:defRPr sz="900" b="0" i="0" kern="1200">
-                <a:solidFill>
-                  <a:schemeClr val="tx1">
-                    <a:lumMod val="75000"/>
-                    <a:lumOff val="25000"/>
-                  </a:schemeClr>
-                </a:solidFill>
-                <a:latin typeface="+mn-lt"/>
-                <a:ea typeface="+mn-ea"/>
-                <a:cs typeface="+mn-cs"/>
-              </a:defRPr>
-            </a:lvl6pPr>
-            <a:lvl7pPr marL="2228850" lvl="6" indent="-171450" algn="l" defTabSz="342900" rtl="0" eaLnBrk="1" latinLnBrk="0" hangingPunct="1">
-              <a:spcBef>
-                <a:spcPts val="1600"/>
-              </a:spcBef>
-              <a:spcAft>
-                <a:spcPts val="0"/>
-              </a:spcAft>
-              <a:buClr>
-                <a:schemeClr val="accent1"/>
-              </a:buClr>
-              <a:buSzPts val="1500"/>
-              <a:buFont typeface="Wingdings 3" charset="2"/>
-              <a:buNone/>
-              <a:defRPr sz="900" b="0" i="0" kern="1200">
-                <a:solidFill>
-                  <a:schemeClr val="tx1">
-                    <a:lumMod val="75000"/>
-                    <a:lumOff val="25000"/>
-                  </a:schemeClr>
-                </a:solidFill>
-                <a:latin typeface="+mn-lt"/>
-                <a:ea typeface="+mn-ea"/>
-                <a:cs typeface="+mn-cs"/>
-              </a:defRPr>
-            </a:lvl7pPr>
-            <a:lvl8pPr marL="2571750" lvl="7" indent="-171450" algn="l" defTabSz="342900" rtl="0" eaLnBrk="1" latinLnBrk="0" hangingPunct="1">
-              <a:spcBef>
-                <a:spcPts val="1600"/>
-              </a:spcBef>
-              <a:spcAft>
-                <a:spcPts val="0"/>
-              </a:spcAft>
-              <a:buClr>
-                <a:schemeClr val="accent1"/>
-              </a:buClr>
-              <a:buSzPts val="1500"/>
-              <a:buFont typeface="Wingdings 3" charset="2"/>
-              <a:buNone/>
-              <a:defRPr sz="900" b="0" i="0" kern="1200">
-                <a:solidFill>
-                  <a:schemeClr val="tx1">
-                    <a:lumMod val="75000"/>
-                    <a:lumOff val="25000"/>
-                  </a:schemeClr>
-                </a:solidFill>
-                <a:latin typeface="+mn-lt"/>
-                <a:ea typeface="+mn-ea"/>
-                <a:cs typeface="+mn-cs"/>
-              </a:defRPr>
-            </a:lvl8pPr>
-            <a:lvl9pPr marL="2914650" lvl="8" indent="-171450" algn="l" defTabSz="342900" rtl="0" eaLnBrk="1" latinLnBrk="0" hangingPunct="1">
-              <a:spcBef>
-                <a:spcPts val="1600"/>
-              </a:spcBef>
-              <a:spcAft>
-                <a:spcPts val="1600"/>
-              </a:spcAft>
-              <a:buClr>
-                <a:schemeClr val="accent1"/>
-              </a:buClr>
-              <a:buSzPts val="1500"/>
-              <a:buFont typeface="Wingdings 3" charset="2"/>
-              <a:buNone/>
-              <a:defRPr sz="900" b="0" i="0" kern="1200">
-                <a:solidFill>
-                  <a:schemeClr val="tx1">
-                    <a:lumMod val="75000"/>
-                    <a:lumOff val="25000"/>
-                  </a:schemeClr>
-                </a:solidFill>
-                <a:latin typeface="+mn-lt"/>
-                <a:ea typeface="+mn-ea"/>
-                <a:cs typeface="+mn-cs"/>
-              </a:defRPr>
-            </a:lvl9pPr>
-          </a:lstStyle>
-          <a:p>
-            <a:pPr marL="133350" indent="0">
-              <a:buClr>
-                <a:schemeClr val="dk2"/>
-              </a:buClr>
-            </a:pPr>
-            <a:r>
-              <a:rPr lang="en-US" sz="2000" b="1" i="1" dirty="0">
-                <a:solidFill>
-                  <a:schemeClr val="dk2"/>
-                </a:solidFill>
-              </a:rPr>
-              <a:t>What does this mean?</a:t>
+              <a:t>So…what does this mean?</a:t>
             </a:r>
           </a:p>
         </p:txBody>
@@ -22260,7 +23007,7 @@
 </p:sld>
 </file>
 
-<file path=ppt/slides/slide6.xml><?xml version="1.0" encoding="utf-8"?>
+<file path=ppt/slides/slide8.xml><?xml version="1.0" encoding="utf-8"?>
 <p:sld xmlns:a="http://schemas.openxmlformats.org/drawingml/2006/main" xmlns:r="http://schemas.openxmlformats.org/officeDocument/2006/relationships" xmlns:p="http://schemas.openxmlformats.org/presentationml/2006/main">
   <p:cSld>
     <p:spTree>
@@ -22289,8 +23036,8 @@
         </p:nvSpPr>
         <p:spPr>
           <a:xfrm>
-            <a:off x="608898" y="597408"/>
-            <a:ext cx="7779900" cy="667500"/>
+            <a:off x="2995751" y="631026"/>
+            <a:ext cx="2528008" cy="667500"/>
           </a:xfrm>
           <a:prstGeom prst="rect">
             <a:avLst/>
@@ -22313,38 +23060,12 @@
             </a:pPr>
             <a:r>
               <a:rPr lang="en" dirty="0"/>
-              <a:t>What influences price?</a:t>
+              <a:t>Model Results</a:t>
             </a:r>
             <a:endParaRPr dirty="0"/>
           </a:p>
         </p:txBody>
       </p:sp>
-      <p:cxnSp>
-        <p:nvCxnSpPr>
-          <p:cNvPr id="271" name="Google Shape;271;p32"/>
-          <p:cNvCxnSpPr/>
-          <p:nvPr/>
-        </p:nvCxnSpPr>
-        <p:spPr>
-          <a:xfrm flipH="1">
-            <a:off x="8803475" y="0"/>
-            <a:ext cx="18300" cy="3246000"/>
-          </a:xfrm>
-          <a:prstGeom prst="straightConnector1">
-            <a:avLst/>
-          </a:prstGeom>
-          <a:noFill/>
-          <a:ln w="19050" cap="flat" cmpd="sng">
-            <a:solidFill>
-              <a:srgbClr val="F6B26B"/>
-            </a:solidFill>
-            <a:prstDash val="solid"/>
-            <a:round/>
-            <a:headEnd type="none" w="med" len="med"/>
-            <a:tailEnd type="oval" w="med" len="med"/>
-          </a:ln>
-        </p:spPr>
-      </p:cxnSp>
       <p:sp>
         <p:nvSpPr>
           <p:cNvPr id="3" name="Google Shape;227;p29">
@@ -22361,8 +23082,8 @@
         </p:nvSpPr>
         <p:spPr>
           <a:xfrm>
-            <a:off x="1494222" y="2111440"/>
-            <a:ext cx="6894576" cy="1286256"/>
+            <a:off x="310517" y="2035517"/>
+            <a:ext cx="3949238" cy="2790013"/>
           </a:xfrm>
           <a:prstGeom prst="rect">
             <a:avLst/>
@@ -22612,7 +23333,7 @@
                   <a:schemeClr val="dk2"/>
                 </a:solidFill>
               </a:rPr>
-              <a:t>Our final model's accuracy on the test set is 0.97. </a:t>
+              <a:t>Based on unseen data:</a:t>
             </a:r>
           </a:p>
           <a:p>
@@ -22628,10 +23349,12 @@
             </a:endParaRPr>
           </a:p>
           <a:p>
-            <a:pPr marL="133350" indent="0">
+            <a:pPr marL="476250" indent="-342900">
               <a:buClr>
                 <a:schemeClr val="dk2"/>
               </a:buClr>
+              <a:buFont typeface="Arial" panose="020B0604020202020204" pitchFamily="34" charset="0"/>
+              <a:buChar char="•"/>
             </a:pPr>
             <a:r>
               <a:rPr lang="en-US" sz="2000" dirty="0">
@@ -22639,14 +23362,16 @@
                   <a:schemeClr val="dk2"/>
                 </a:solidFill>
               </a:rPr>
-              <a:t>Our final model's recall on the test set is 0.8 </a:t>
+              <a:t>Recall = 80% (100/125)</a:t>
             </a:r>
           </a:p>
           <a:p>
-            <a:pPr marL="133350" indent="0">
+            <a:pPr marL="476250" indent="-342900">
               <a:buClr>
                 <a:schemeClr val="dk2"/>
               </a:buClr>
+              <a:buFont typeface="Arial" panose="020B0604020202020204" pitchFamily="34" charset="0"/>
+              <a:buChar char="•"/>
             </a:pPr>
             <a:endParaRPr lang="en-US" sz="2000" dirty="0">
               <a:solidFill>
@@ -22655,10 +23380,12 @@
             </a:endParaRPr>
           </a:p>
           <a:p>
-            <a:pPr marL="133350" indent="0">
+            <a:pPr marL="476250" indent="-342900">
               <a:buClr>
                 <a:schemeClr val="dk2"/>
               </a:buClr>
+              <a:buFont typeface="Arial" panose="020B0604020202020204" pitchFamily="34" charset="0"/>
+              <a:buChar char="•"/>
             </a:pPr>
             <a:r>
               <a:rPr lang="en-US" sz="2000" dirty="0">
@@ -22666,50 +23393,41 @@
                   <a:schemeClr val="dk2"/>
                 </a:solidFill>
               </a:rPr>
-              <a:t>Our final model's precision on the test set is 1.0 </a:t>
+              <a:t>Precision = 100% (100/100)</a:t>
             </a:r>
-          </a:p>
-          <a:p>
-            <a:pPr marL="133350" indent="0">
-              <a:buClr>
-                <a:schemeClr val="dk2"/>
-              </a:buClr>
-            </a:pPr>
-            <a:endParaRPr lang="en-US" sz="2000" dirty="0">
-              <a:solidFill>
-                <a:schemeClr val="dk2"/>
-              </a:solidFill>
-            </a:endParaRPr>
-          </a:p>
-          <a:p>
-            <a:pPr marL="133350" indent="0">
-              <a:buClr>
-                <a:schemeClr val="dk2"/>
-              </a:buClr>
-            </a:pPr>
-            <a:r>
-              <a:rPr lang="en-US" sz="2000" dirty="0">
-                <a:solidFill>
-                  <a:schemeClr val="dk2"/>
-                </a:solidFill>
-              </a:rPr>
-              <a:t>Our final model's f1-score on the test is 0.89.</a:t>
-            </a:r>
-          </a:p>
-          <a:p>
-            <a:pPr marL="133350" indent="0">
-              <a:buClr>
-                <a:schemeClr val="dk2"/>
-              </a:buClr>
-            </a:pPr>
-            <a:endParaRPr lang="en-US" sz="2000" dirty="0">
-              <a:solidFill>
-                <a:schemeClr val="dk2"/>
-              </a:solidFill>
-            </a:endParaRPr>
           </a:p>
         </p:txBody>
       </p:sp>
+      <p:pic>
+        <p:nvPicPr>
+          <p:cNvPr id="2" name="Picture 1">
+            <a:extLst>
+              <a:ext uri="{FF2B5EF4-FFF2-40B4-BE49-F238E27FC236}">
+                <a16:creationId xmlns:a16="http://schemas.microsoft.com/office/drawing/2014/main" id="{3BFBAECB-3016-2F51-6357-185852A67A93}"/>
+              </a:ext>
+            </a:extLst>
+          </p:cNvPr>
+          <p:cNvPicPr>
+            <a:picLocks noChangeAspect="1"/>
+          </p:cNvPicPr>
+          <p:nvPr/>
+        </p:nvPicPr>
+        <p:blipFill>
+          <a:blip r:embed="rId3"/>
+          <a:stretch>
+            <a:fillRect/>
+          </a:stretch>
+        </p:blipFill>
+        <p:spPr>
+          <a:xfrm>
+            <a:off x="4815842" y="1754886"/>
+            <a:ext cx="4189095" cy="3351276"/>
+          </a:xfrm>
+          <a:prstGeom prst="rect">
+            <a:avLst/>
+          </a:prstGeom>
+        </p:spPr>
+      </p:pic>
     </p:spTree>
   </p:cSld>
   <p:clrMapOvr>
@@ -22718,100 +23436,7 @@
 </p:sld>
 </file>
 
-<file path=ppt/slides/slide7.xml><?xml version="1.0" encoding="utf-8"?>
-<p:sld xmlns:a="http://schemas.openxmlformats.org/drawingml/2006/main" xmlns:r="http://schemas.openxmlformats.org/officeDocument/2006/relationships" xmlns:p="http://schemas.openxmlformats.org/presentationml/2006/main">
-  <p:cSld>
-    <p:spTree>
-      <p:nvGrpSpPr>
-        <p:cNvPr id="1" name="Shape 276"/>
-        <p:cNvGrpSpPr/>
-        <p:nvPr/>
-      </p:nvGrpSpPr>
-      <p:grpSpPr>
-        <a:xfrm>
-          <a:off x="0" y="0"/>
-          <a:ext cx="0" cy="0"/>
-          <a:chOff x="0" y="0"/>
-          <a:chExt cx="0" cy="0"/>
-        </a:xfrm>
-      </p:grpSpPr>
-      <p:sp>
-        <p:nvSpPr>
-          <p:cNvPr id="277" name="Google Shape;277;p33"/>
-          <p:cNvSpPr txBox="1">
-            <a:spLocks noGrp="1"/>
-          </p:cNvSpPr>
-          <p:nvPr>
-            <p:ph type="title"/>
-          </p:nvPr>
-        </p:nvSpPr>
-        <p:spPr>
-          <a:xfrm>
-            <a:off x="541842" y="510268"/>
-            <a:ext cx="7779900" cy="658500"/>
-          </a:xfrm>
-          <a:prstGeom prst="rect">
-            <a:avLst/>
-          </a:prstGeom>
-        </p:spPr>
-        <p:txBody>
-          <a:bodyPr spcFirstLastPara="1" wrap="square" lIns="91425" tIns="91425" rIns="91425" bIns="91425" anchor="t" anchorCtr="0">
-            <a:noAutofit/>
-          </a:bodyPr>
-          <a:lstStyle/>
-          <a:p>
-            <a:pPr marL="0" lvl="0" indent="0" algn="l" rtl="0">
-              <a:spcBef>
-                <a:spcPts val="0"/>
-              </a:spcBef>
-              <a:spcAft>
-                <a:spcPts val="0"/>
-              </a:spcAft>
-              <a:buNone/>
-            </a:pPr>
-            <a:r>
-              <a:rPr lang="en" dirty="0"/>
-              <a:t>What influences price?</a:t>
-            </a:r>
-            <a:endParaRPr dirty="0"/>
-          </a:p>
-        </p:txBody>
-      </p:sp>
-      <p:cxnSp>
-        <p:nvCxnSpPr>
-          <p:cNvPr id="278" name="Google Shape;278;p33"/>
-          <p:cNvCxnSpPr/>
-          <p:nvPr/>
-        </p:nvCxnSpPr>
-        <p:spPr>
-          <a:xfrm flipH="1">
-            <a:off x="8803475" y="0"/>
-            <a:ext cx="18300" cy="3246000"/>
-          </a:xfrm>
-          <a:prstGeom prst="straightConnector1">
-            <a:avLst/>
-          </a:prstGeom>
-          <a:noFill/>
-          <a:ln w="19050" cap="flat" cmpd="sng">
-            <a:solidFill>
-              <a:srgbClr val="F6B26B"/>
-            </a:solidFill>
-            <a:prstDash val="solid"/>
-            <a:round/>
-            <a:headEnd type="none" w="med" len="med"/>
-            <a:tailEnd type="oval" w="med" len="med"/>
-          </a:ln>
-        </p:spPr>
-      </p:cxnSp>
-    </p:spTree>
-  </p:cSld>
-  <p:clrMapOvr>
-    <a:masterClrMapping/>
-  </p:clrMapOvr>
-</p:sld>
-</file>
-
-<file path=ppt/slides/slide8.xml><?xml version="1.0" encoding="utf-8"?>
+<file path=ppt/slides/slide9.xml><?xml version="1.0" encoding="utf-8"?>
 <p:sld xmlns:a="http://schemas.openxmlformats.org/drawingml/2006/main" xmlns:r="http://schemas.openxmlformats.org/officeDocument/2006/relationships" xmlns:p="http://schemas.openxmlformats.org/presentationml/2006/main">
   <p:cSld>
     <p:spTree>
@@ -22839,6 +23464,10 @@
           </p:nvPr>
         </p:nvSpPr>
         <p:spPr>
+          <a:xfrm>
+            <a:off x="682200" y="607763"/>
+            <a:ext cx="7779600" cy="734700"/>
+          </a:xfrm>
           <a:prstGeom prst="rect">
             <a:avLst/>
           </a:prstGeom>
@@ -22859,16 +23488,22 @@
               <a:buNone/>
             </a:pPr>
             <a:r>
-              <a:rPr lang="en"/>
+              <a:rPr lang="en" dirty="0"/>
               <a:t>Recommendations</a:t>
             </a:r>
-            <a:endParaRPr/>
+            <a:endParaRPr dirty="0"/>
           </a:p>
         </p:txBody>
       </p:sp>
       <p:sp>
         <p:nvSpPr>
-          <p:cNvPr id="338" name="Google Shape;338;p39"/>
+          <p:cNvPr id="14" name="Google Shape;351;p40">
+            <a:extLst>
+              <a:ext uri="{FF2B5EF4-FFF2-40B4-BE49-F238E27FC236}">
+                <a16:creationId xmlns:a16="http://schemas.microsoft.com/office/drawing/2014/main" id="{C5C41271-F993-E160-CA18-E754BD27D3F8}"/>
+              </a:ext>
+            </a:extLst>
+          </p:cNvPr>
           <p:cNvSpPr txBox="1">
             <a:spLocks noGrp="1"/>
           </p:cNvSpPr>
@@ -22878,8 +23513,8 @@
         </p:nvSpPr>
         <p:spPr>
           <a:xfrm>
-            <a:off x="698100" y="1917800"/>
-            <a:ext cx="1960200" cy="1081800"/>
+            <a:off x="1243852" y="2281475"/>
+            <a:ext cx="7235047" cy="2123700"/>
           </a:xfrm>
           <a:prstGeom prst="rect">
             <a:avLst/>
@@ -22891,575 +23526,97 @@
           </a:bodyPr>
           <a:lstStyle/>
           <a:p>
-            <a:pPr marL="0" lvl="0" indent="0" algn="l" rtl="0">
-              <a:spcBef>
-                <a:spcPts val="0"/>
-              </a:spcBef>
-              <a:spcAft>
-                <a:spcPts val="1600"/>
-              </a:spcAft>
-              <a:buNone/>
+            <a:pPr marL="228600" lvl="0" indent="-228600" algn="l" rtl="0">
+              <a:spcBef>
+                <a:spcPts val="0"/>
+              </a:spcBef>
+              <a:spcAft>
+                <a:spcPts val="0"/>
+              </a:spcAft>
+              <a:buFont typeface="+mj-lt"/>
+              <a:buAutoNum type="arabicPeriod"/>
             </a:pPr>
             <a:r>
-              <a:rPr lang="en"/>
-              <a:t>Local incentives for new homes with min 2,000 sqft</a:t>
+              <a:rPr lang="en-US" sz="1800" dirty="0">
+                <a:latin typeface="Arial" panose="020B0604020202020204" pitchFamily="34" charset="0"/>
+                <a:cs typeface="Arial" panose="020B0604020202020204" pitchFamily="34" charset="0"/>
+              </a:rPr>
+              <a:t>Focus on the 80% of customers that are flagged by the model</a:t>
             </a:r>
-            <a:endParaRPr/>
           </a:p>
-        </p:txBody>
-      </p:sp>
-      <p:sp>
-        <p:nvSpPr>
-          <p:cNvPr id="339" name="Google Shape;339;p39"/>
-          <p:cNvSpPr txBox="1">
-            <a:spLocks noGrp="1"/>
-          </p:cNvSpPr>
-          <p:nvPr>
-            <p:ph type="subTitle" idx="2"/>
-          </p:nvPr>
-        </p:nvSpPr>
-        <p:spPr>
-          <a:xfrm>
-            <a:off x="3591900" y="1917800"/>
-            <a:ext cx="1960200" cy="1081800"/>
-          </a:xfrm>
-          <a:prstGeom prst="rect">
-            <a:avLst/>
-          </a:prstGeom>
-        </p:spPr>
-        <p:txBody>
-          <a:bodyPr spcFirstLastPara="1" wrap="square" lIns="91425" tIns="91425" rIns="91425" bIns="91425" anchor="t" anchorCtr="0">
-            <a:noAutofit/>
-          </a:bodyPr>
-          <a:lstStyle/>
           <a:p>
-            <a:pPr marL="0" lvl="0" indent="0" algn="l" rtl="0">
-              <a:spcBef>
-                <a:spcPts val="0"/>
-              </a:spcBef>
-              <a:spcAft>
-                <a:spcPts val="1600"/>
-              </a:spcAft>
-              <a:buNone/>
+            <a:pPr marL="228600" lvl="0" indent="-228600" algn="l" rtl="0">
+              <a:spcBef>
+                <a:spcPts val="0"/>
+              </a:spcBef>
+              <a:spcAft>
+                <a:spcPts val="0"/>
+              </a:spcAft>
+              <a:buFont typeface="+mj-lt"/>
+              <a:buAutoNum type="arabicPeriod"/>
+            </a:pPr>
+            <a:endParaRPr lang="en-US" sz="1800" dirty="0">
+              <a:latin typeface="Arial" panose="020B0604020202020204" pitchFamily="34" charset="0"/>
+              <a:cs typeface="Arial" panose="020B0604020202020204" pitchFamily="34" charset="0"/>
+            </a:endParaRPr>
+          </a:p>
+          <a:p>
+            <a:pPr marL="228600" lvl="0" indent="-228600" algn="l" rtl="0">
+              <a:spcBef>
+                <a:spcPts val="0"/>
+              </a:spcBef>
+              <a:spcAft>
+                <a:spcPts val="0"/>
+              </a:spcAft>
+              <a:buFont typeface="+mj-lt"/>
+              <a:buAutoNum type="arabicPeriod"/>
             </a:pPr>
             <a:r>
-              <a:rPr lang="en"/>
-              <a:t>Medina, Clyde Hill, Mercer Island</a:t>
+              <a:rPr lang="en-US" sz="1800" dirty="0">
+                <a:latin typeface="Arial" panose="020B0604020202020204" pitchFamily="34" charset="0"/>
+                <a:cs typeface="Arial" panose="020B0604020202020204" pitchFamily="34" charset="0"/>
+              </a:rPr>
+              <a:t>Provide these customers with one-time incentives or consider “unlimited” plans</a:t>
             </a:r>
-            <a:endParaRPr/>
           </a:p>
-        </p:txBody>
-      </p:sp>
-      <p:sp>
-        <p:nvSpPr>
-          <p:cNvPr id="344" name="Google Shape;344;p39"/>
-          <p:cNvSpPr txBox="1">
-            <a:spLocks noGrp="1"/>
-          </p:cNvSpPr>
-          <p:nvPr>
-            <p:ph type="subTitle" idx="3"/>
-          </p:nvPr>
-        </p:nvSpPr>
-        <p:spPr>
-          <a:xfrm>
-            <a:off x="3591900" y="3303275"/>
-            <a:ext cx="1960200" cy="1081800"/>
-          </a:xfrm>
-          <a:prstGeom prst="rect">
-            <a:avLst/>
-          </a:prstGeom>
-        </p:spPr>
-        <p:txBody>
-          <a:bodyPr spcFirstLastPara="1" wrap="square" lIns="91425" tIns="91425" rIns="91425" bIns="91425" anchor="t" anchorCtr="0">
-            <a:noAutofit/>
-          </a:bodyPr>
-          <a:lstStyle/>
           <a:p>
-            <a:pPr marL="0" lvl="0" indent="0" algn="l" rtl="0">
-              <a:spcBef>
-                <a:spcPts val="0"/>
-              </a:spcBef>
-              <a:spcAft>
-                <a:spcPts val="1600"/>
-              </a:spcAft>
-              <a:buNone/>
+            <a:pPr marL="228600" lvl="0" indent="-228600" algn="l" rtl="0">
+              <a:spcBef>
+                <a:spcPts val="0"/>
+              </a:spcBef>
+              <a:spcAft>
+                <a:spcPts val="0"/>
+              </a:spcAft>
+              <a:buFont typeface="+mj-lt"/>
+              <a:buAutoNum type="arabicPeriod"/>
+            </a:pPr>
+            <a:endParaRPr lang="en-US" sz="1800" dirty="0">
+              <a:latin typeface="Arial" panose="020B0604020202020204" pitchFamily="34" charset="0"/>
+              <a:cs typeface="Arial" panose="020B0604020202020204" pitchFamily="34" charset="0"/>
+            </a:endParaRPr>
+          </a:p>
+          <a:p>
+            <a:pPr marL="228600" lvl="0" indent="-228600" algn="l" rtl="0">
+              <a:spcBef>
+                <a:spcPts val="0"/>
+              </a:spcBef>
+              <a:spcAft>
+                <a:spcPts val="0"/>
+              </a:spcAft>
+              <a:buFont typeface="+mj-lt"/>
+              <a:buAutoNum type="arabicPeriod"/>
             </a:pPr>
             <a:r>
-              <a:rPr lang="en"/>
-              <a:t>Build quality impacts everything</a:t>
+              <a:rPr lang="en-US" sz="1800" dirty="0">
+                <a:latin typeface="Arial" panose="020B0604020202020204" pitchFamily="34" charset="0"/>
+                <a:cs typeface="Arial" panose="020B0604020202020204" pitchFamily="34" charset="0"/>
+              </a:rPr>
+              <a:t>Consider implementing customer surveys to help identify the other 20%</a:t>
             </a:r>
-            <a:endParaRPr/>
-          </a:p>
-        </p:txBody>
-      </p:sp>
-      <p:sp>
-        <p:nvSpPr>
-          <p:cNvPr id="340" name="Google Shape;340;p39"/>
-          <p:cNvSpPr txBox="1">
-            <a:spLocks noGrp="1"/>
-          </p:cNvSpPr>
-          <p:nvPr>
-            <p:ph type="subTitle" idx="4"/>
-          </p:nvPr>
-        </p:nvSpPr>
-        <p:spPr>
-          <a:xfrm>
-            <a:off x="6485700" y="1917800"/>
-            <a:ext cx="1960200" cy="1081800"/>
-          </a:xfrm>
-          <a:prstGeom prst="rect">
-            <a:avLst/>
-          </a:prstGeom>
-        </p:spPr>
-        <p:txBody>
-          <a:bodyPr spcFirstLastPara="1" wrap="square" lIns="91425" tIns="91425" rIns="91425" bIns="91425" anchor="t" anchorCtr="0">
-            <a:noAutofit/>
-          </a:bodyPr>
-          <a:lstStyle/>
-          <a:p>
-            <a:pPr marL="0" lvl="0" indent="0" algn="l" rtl="0">
-              <a:spcBef>
-                <a:spcPts val="0"/>
-              </a:spcBef>
-              <a:spcAft>
-                <a:spcPts val="1600"/>
-              </a:spcAft>
-              <a:buNone/>
-            </a:pPr>
-            <a:r>
-              <a:rPr lang="en"/>
-              <a:t>Waterfront and view commands high price</a:t>
-            </a:r>
-            <a:endParaRPr/>
-          </a:p>
-        </p:txBody>
-      </p:sp>
-      <p:sp>
-        <p:nvSpPr>
-          <p:cNvPr id="341" name="Google Shape;341;p39"/>
-          <p:cNvSpPr txBox="1">
-            <a:spLocks noGrp="1"/>
-          </p:cNvSpPr>
-          <p:nvPr>
-            <p:ph type="subTitle" idx="5"/>
-          </p:nvPr>
-        </p:nvSpPr>
-        <p:spPr>
-          <a:xfrm>
-            <a:off x="698100" y="1492750"/>
-            <a:ext cx="1960200" cy="425100"/>
-          </a:xfrm>
-          <a:prstGeom prst="rect">
-            <a:avLst/>
-          </a:prstGeom>
-        </p:spPr>
-        <p:txBody>
-          <a:bodyPr spcFirstLastPara="1" wrap="square" lIns="91425" tIns="91425" rIns="91425" bIns="91425" anchor="t" anchorCtr="0">
-            <a:noAutofit/>
-          </a:bodyPr>
-          <a:lstStyle/>
-          <a:p>
-            <a:pPr marL="0" lvl="0" indent="0" algn="l" rtl="0">
-              <a:spcBef>
-                <a:spcPts val="0"/>
-              </a:spcBef>
-              <a:spcAft>
-                <a:spcPts val="1600"/>
-              </a:spcAft>
-              <a:buNone/>
-            </a:pPr>
-            <a:r>
-              <a:rPr lang="en"/>
-              <a:t>2,000 sqft home</a:t>
-            </a:r>
-            <a:endParaRPr/>
-          </a:p>
-        </p:txBody>
-      </p:sp>
-      <p:sp>
-        <p:nvSpPr>
-          <p:cNvPr id="342" name="Google Shape;342;p39"/>
-          <p:cNvSpPr txBox="1">
-            <a:spLocks noGrp="1"/>
-          </p:cNvSpPr>
-          <p:nvPr>
-            <p:ph type="subTitle" idx="6"/>
-          </p:nvPr>
-        </p:nvSpPr>
-        <p:spPr>
-          <a:xfrm>
-            <a:off x="3591900" y="1492750"/>
-            <a:ext cx="1960200" cy="425100"/>
-          </a:xfrm>
-          <a:prstGeom prst="rect">
-            <a:avLst/>
-          </a:prstGeom>
-        </p:spPr>
-        <p:txBody>
-          <a:bodyPr spcFirstLastPara="1" wrap="square" lIns="91425" tIns="91425" rIns="91425" bIns="91425" anchor="t" anchorCtr="0">
-            <a:noAutofit/>
-          </a:bodyPr>
-          <a:lstStyle/>
-          <a:p>
-            <a:pPr marL="0" lvl="0" indent="0" algn="l" rtl="0">
-              <a:spcBef>
-                <a:spcPts val="0"/>
-              </a:spcBef>
-              <a:spcAft>
-                <a:spcPts val="1600"/>
-              </a:spcAft>
-              <a:buNone/>
-            </a:pPr>
-            <a:r>
-              <a:rPr lang="en"/>
-              <a:t>City</a:t>
-            </a:r>
-            <a:endParaRPr/>
-          </a:p>
-        </p:txBody>
-      </p:sp>
-      <p:sp>
-        <p:nvSpPr>
-          <p:cNvPr id="343" name="Google Shape;343;p39"/>
-          <p:cNvSpPr txBox="1">
-            <a:spLocks noGrp="1"/>
-          </p:cNvSpPr>
-          <p:nvPr>
-            <p:ph type="subTitle" idx="4294967295"/>
-          </p:nvPr>
-        </p:nvSpPr>
-        <p:spPr>
-          <a:xfrm>
-            <a:off x="7183438" y="1492250"/>
-            <a:ext cx="1960562" cy="425450"/>
-          </a:xfrm>
-          <a:prstGeom prst="rect">
-            <a:avLst/>
-          </a:prstGeom>
-        </p:spPr>
-        <p:txBody>
-          <a:bodyPr spcFirstLastPara="1" wrap="square" lIns="91425" tIns="91425" rIns="91425" bIns="91425" anchor="t" anchorCtr="0">
-            <a:noAutofit/>
-          </a:bodyPr>
-          <a:lstStyle/>
-          <a:p>
-            <a:pPr marL="0" lvl="0" indent="0" algn="l" rtl="0">
-              <a:spcBef>
-                <a:spcPts val="0"/>
-              </a:spcBef>
-              <a:spcAft>
-                <a:spcPts val="1600"/>
-              </a:spcAft>
-              <a:buNone/>
-            </a:pPr>
-            <a:r>
-              <a:rPr lang="en"/>
-              <a:t>Qualitative</a:t>
-            </a:r>
-            <a:endParaRPr/>
-          </a:p>
-        </p:txBody>
-      </p:sp>
-      <p:sp>
-        <p:nvSpPr>
-          <p:cNvPr id="345" name="Google Shape;345;p39"/>
-          <p:cNvSpPr txBox="1">
-            <a:spLocks noGrp="1"/>
-          </p:cNvSpPr>
-          <p:nvPr>
-            <p:ph type="subTitle" idx="4294967295"/>
-          </p:nvPr>
-        </p:nvSpPr>
-        <p:spPr>
-          <a:xfrm>
-            <a:off x="0" y="2878138"/>
-            <a:ext cx="1958975" cy="425450"/>
-          </a:xfrm>
-          <a:prstGeom prst="rect">
-            <a:avLst/>
-          </a:prstGeom>
-        </p:spPr>
-        <p:txBody>
-          <a:bodyPr spcFirstLastPara="1" wrap="square" lIns="91425" tIns="91425" rIns="91425" bIns="91425" anchor="t" anchorCtr="0">
-            <a:noAutofit/>
-          </a:bodyPr>
-          <a:lstStyle/>
-          <a:p>
-            <a:pPr marL="0" lvl="0" indent="0" algn="l" rtl="0">
-              <a:spcBef>
-                <a:spcPts val="0"/>
-              </a:spcBef>
-              <a:spcAft>
-                <a:spcPts val="1600"/>
-              </a:spcAft>
-              <a:buNone/>
-            </a:pPr>
-            <a:r>
-              <a:rPr lang="en"/>
-              <a:t>Quality</a:t>
-            </a:r>
-            <a:endParaRPr/>
-          </a:p>
-        </p:txBody>
-      </p:sp>
-    </p:spTree>
-  </p:cSld>
-  <p:clrMapOvr>
-    <a:masterClrMapping/>
-  </p:clrMapOvr>
-</p:sld>
-</file>
-
-<file path=ppt/slides/slide9.xml><?xml version="1.0" encoding="utf-8"?>
-<p:sld xmlns:a="http://schemas.openxmlformats.org/drawingml/2006/main" xmlns:r="http://schemas.openxmlformats.org/officeDocument/2006/relationships" xmlns:p="http://schemas.openxmlformats.org/presentationml/2006/main">
-  <p:cSld>
-    <p:spTree>
-      <p:nvGrpSpPr>
-        <p:cNvPr id="1" name="Shape 349"/>
-        <p:cNvGrpSpPr/>
-        <p:nvPr/>
-      </p:nvGrpSpPr>
-      <p:grpSpPr>
-        <a:xfrm>
-          <a:off x="0" y="0"/>
-          <a:ext cx="0" cy="0"/>
-          <a:chOff x="0" y="0"/>
-          <a:chExt cx="0" cy="0"/>
-        </a:xfrm>
-      </p:grpSpPr>
-      <p:sp>
-        <p:nvSpPr>
-          <p:cNvPr id="350" name="Google Shape;350;p40"/>
-          <p:cNvSpPr txBox="1">
-            <a:spLocks noGrp="1"/>
-          </p:cNvSpPr>
-          <p:nvPr>
-            <p:ph type="title"/>
-          </p:nvPr>
-        </p:nvSpPr>
-        <p:spPr>
-          <a:prstGeom prst="rect">
-            <a:avLst/>
-          </a:prstGeom>
-        </p:spPr>
-        <p:txBody>
-          <a:bodyPr spcFirstLastPara="1" wrap="square" lIns="91425" tIns="91425" rIns="91425" bIns="91425" anchor="t" anchorCtr="0">
-            <a:noAutofit/>
-          </a:bodyPr>
-          <a:lstStyle/>
-          <a:p>
-            <a:pPr marL="0" lvl="0" indent="0" algn="ctr" rtl="0">
-              <a:spcBef>
-                <a:spcPts val="0"/>
-              </a:spcBef>
-              <a:spcAft>
-                <a:spcPts val="0"/>
-              </a:spcAft>
-              <a:buNone/>
-            </a:pPr>
-            <a:r>
-              <a:rPr lang="en"/>
-              <a:t>Closing thoughts</a:t>
-            </a:r>
-            <a:endParaRPr/>
-          </a:p>
-        </p:txBody>
-      </p:sp>
-      <p:sp>
-        <p:nvSpPr>
-          <p:cNvPr id="351" name="Google Shape;351;p40"/>
-          <p:cNvSpPr txBox="1">
-            <a:spLocks noGrp="1"/>
-          </p:cNvSpPr>
-          <p:nvPr>
-            <p:ph type="subTitle" idx="1"/>
-          </p:nvPr>
-        </p:nvSpPr>
-        <p:spPr>
-          <a:xfrm>
-            <a:off x="720000" y="2281475"/>
-            <a:ext cx="7758900" cy="2123700"/>
-          </a:xfrm>
-          <a:prstGeom prst="rect">
-            <a:avLst/>
-          </a:prstGeom>
-        </p:spPr>
-        <p:txBody>
-          <a:bodyPr spcFirstLastPara="1" wrap="square" lIns="91425" tIns="91425" rIns="91425" bIns="91425" anchor="t" anchorCtr="0">
-            <a:noAutofit/>
-          </a:bodyPr>
-          <a:lstStyle/>
-          <a:p>
-            <a:pPr marL="457200" lvl="0" indent="-330200" algn="l" rtl="0">
-              <a:spcBef>
-                <a:spcPts val="0"/>
-              </a:spcBef>
-              <a:spcAft>
-                <a:spcPts val="0"/>
-              </a:spcAft>
-              <a:buSzPts val="1600"/>
-              <a:buChar char="●"/>
-            </a:pPr>
-            <a:r>
-              <a:rPr lang="en" sz="1600" b="1"/>
-              <a:t>Review cities manually</a:t>
-            </a:r>
-            <a:endParaRPr sz="1600" b="1"/>
-          </a:p>
-          <a:p>
-            <a:pPr marL="914400" lvl="0" indent="0" algn="l" rtl="0">
-              <a:spcBef>
-                <a:spcPts val="0"/>
-              </a:spcBef>
-              <a:spcAft>
-                <a:spcPts val="0"/>
-              </a:spcAft>
-              <a:buNone/>
-            </a:pPr>
-            <a:endParaRPr sz="1600" b="1"/>
-          </a:p>
-          <a:p>
-            <a:pPr marL="914400" lvl="0" indent="0" algn="l" rtl="0">
-              <a:spcBef>
-                <a:spcPts val="0"/>
-              </a:spcBef>
-              <a:spcAft>
-                <a:spcPts val="0"/>
-              </a:spcAft>
-              <a:buNone/>
-            </a:pPr>
-            <a:endParaRPr sz="1600" b="1"/>
-          </a:p>
-          <a:p>
-            <a:pPr marL="457200" lvl="0" indent="-330200" algn="l" rtl="0">
-              <a:spcBef>
-                <a:spcPts val="0"/>
-              </a:spcBef>
-              <a:spcAft>
-                <a:spcPts val="0"/>
-              </a:spcAft>
-              <a:buSzPts val="1600"/>
-              <a:buChar char="●"/>
-            </a:pPr>
-            <a:r>
-              <a:rPr lang="en" sz="1600" b="1"/>
-              <a:t>Continue to iterate on model</a:t>
-            </a:r>
-            <a:endParaRPr sz="1600" b="1"/>
-          </a:p>
-          <a:p>
-            <a:pPr marL="914400" lvl="0" indent="0" algn="l" rtl="0">
-              <a:spcBef>
-                <a:spcPts val="0"/>
-              </a:spcBef>
-              <a:spcAft>
-                <a:spcPts val="0"/>
-              </a:spcAft>
-              <a:buNone/>
-            </a:pPr>
-            <a:endParaRPr sz="1600" b="1"/>
-          </a:p>
-          <a:p>
-            <a:pPr marL="914400" lvl="0" indent="0" algn="l" rtl="0">
-              <a:spcBef>
-                <a:spcPts val="0"/>
-              </a:spcBef>
-              <a:spcAft>
-                <a:spcPts val="0"/>
-              </a:spcAft>
-              <a:buNone/>
-            </a:pPr>
-            <a:endParaRPr sz="1600" b="1"/>
-          </a:p>
-          <a:p>
-            <a:pPr marL="457200" lvl="0" indent="-330200" algn="l" rtl="0">
-              <a:spcBef>
-                <a:spcPts val="0"/>
-              </a:spcBef>
-              <a:spcAft>
-                <a:spcPts val="0"/>
-              </a:spcAft>
-              <a:buSzPts val="1600"/>
-              <a:buChar char="●"/>
-            </a:pPr>
-            <a:r>
-              <a:rPr lang="en" sz="1600" b="1"/>
-              <a:t>Look at trends over multiple years</a:t>
-            </a:r>
-            <a:endParaRPr sz="1600" b="1"/>
-          </a:p>
-          <a:p>
-            <a:pPr marL="0" lvl="0" indent="0" algn="l" rtl="0">
-              <a:spcBef>
-                <a:spcPts val="0"/>
-              </a:spcBef>
-              <a:spcAft>
-                <a:spcPts val="0"/>
-              </a:spcAft>
-              <a:buNone/>
-            </a:pPr>
-            <a:r>
-              <a:rPr lang="en" sz="1200" b="1"/>
-              <a:t>   </a:t>
-            </a:r>
-            <a:endParaRPr sz="1200" b="1"/>
-          </a:p>
-          <a:p>
-            <a:pPr marL="0" lvl="0" indent="0" algn="l" rtl="0">
-              <a:spcBef>
-                <a:spcPts val="0"/>
-              </a:spcBef>
-              <a:spcAft>
-                <a:spcPts val="0"/>
-              </a:spcAft>
-              <a:buNone/>
-            </a:pPr>
-            <a:endParaRPr sz="1200" b="1"/>
-          </a:p>
-        </p:txBody>
-      </p:sp>
-      <p:sp>
-        <p:nvSpPr>
-          <p:cNvPr id="352" name="Google Shape;352;p40"/>
-          <p:cNvSpPr txBox="1">
-            <a:spLocks noGrp="1"/>
-          </p:cNvSpPr>
-          <p:nvPr>
-            <p:ph type="title" idx="4294967295"/>
-          </p:nvPr>
-        </p:nvSpPr>
-        <p:spPr>
-          <a:xfrm>
-            <a:off x="0" y="1439863"/>
-            <a:ext cx="2516188" cy="465137"/>
-          </a:xfrm>
-          <a:prstGeom prst="rect">
-            <a:avLst/>
-          </a:prstGeom>
-          <a:solidFill>
-            <a:schemeClr val="accent1"/>
-          </a:solidFill>
-        </p:spPr>
-        <p:txBody>
-          <a:bodyPr spcFirstLastPara="1" wrap="square" lIns="91425" tIns="91425" rIns="91425" bIns="91425" anchor="t" anchorCtr="0">
-            <a:noAutofit/>
-          </a:bodyPr>
-          <a:lstStyle/>
-          <a:p>
-            <a:pPr marL="0" lvl="0" indent="0" algn="l" rtl="0">
-              <a:spcBef>
-                <a:spcPts val="0"/>
-              </a:spcBef>
-              <a:spcAft>
-                <a:spcPts val="0"/>
-              </a:spcAft>
-              <a:buNone/>
-            </a:pPr>
-            <a:r>
-              <a:rPr lang="en" sz="2000"/>
-              <a:t>Things to explore</a:t>
-            </a:r>
-            <a:endParaRPr sz="2000"/>
+            <a:endParaRPr sz="1800" dirty="0">
+              <a:latin typeface="Arial" panose="020B0604020202020204" pitchFamily="34" charset="0"/>
+              <a:cs typeface="Arial" panose="020B0604020202020204" pitchFamily="34" charset="0"/>
+            </a:endParaRPr>
           </a:p>
         </p:txBody>
       </p:sp>

--- a/Phase 3 Presentation.pptx
+++ b/Phase 3 Presentation.pptx
@@ -13,7 +13,7 @@
     <p:sldId id="259" r:id="rId4"/>
     <p:sldId id="273" r:id="rId5"/>
     <p:sldId id="274" r:id="rId6"/>
-    <p:sldId id="260" r:id="rId7"/>
+    <p:sldId id="275" r:id="rId7"/>
     <p:sldId id="272" r:id="rId8"/>
     <p:sldId id="262" r:id="rId9"/>
     <p:sldId id="269" r:id="rId10"/>
@@ -1338,7 +1338,7 @@
   <p:cSld>
     <p:spTree>
       <p:nvGrpSpPr>
-        <p:cNvPr id="1" name="Shape 253"/>
+        <p:cNvPr id="1" name="Shape 222"/>
         <p:cNvGrpSpPr/>
         <p:nvPr/>
       </p:nvGrpSpPr>
@@ -1352,7 +1352,7 @@
       </p:grpSpPr>
       <p:sp>
         <p:nvSpPr>
-          <p:cNvPr id="254" name="Google Shape;254;g14339cc84c5_0_29:notes"/>
+          <p:cNvPr id="223" name="Google Shape;223;g535dfb2784_0_0:notes"/>
           <p:cNvSpPr>
             <a:spLocks noGrp="1" noRot="1" noChangeAspect="1"/>
           </p:cNvSpPr>
@@ -1393,7 +1393,7 @@
       </p:sp>
       <p:sp>
         <p:nvSpPr>
-          <p:cNvPr id="255" name="Google Shape;255;g14339cc84c5_0_29:notes"/>
+          <p:cNvPr id="224" name="Google Shape;224;g535dfb2784_0_0:notes"/>
           <p:cNvSpPr txBox="1">
             <a:spLocks noGrp="1"/>
           </p:cNvSpPr>
@@ -1430,6 +1430,11 @@
         </p:txBody>
       </p:sp>
     </p:spTree>
+    <p:extLst>
+      <p:ext uri="{BB962C8B-B14F-4D97-AF65-F5344CB8AC3E}">
+        <p14:creationId xmlns:p14="http://schemas.microsoft.com/office/powerpoint/2010/main" val="311725225"/>
+      </p:ext>
+    </p:extLst>
   </p:cSld>
   <p:clrMapOvr>
     <a:masterClrMapping/>
@@ -19416,7 +19421,11 @@
               <a:buNone/>
             </a:pPr>
             <a:r>
-              <a:rPr lang="en" dirty="0"/>
+              <a:rPr lang="en" dirty="0">
+                <a:solidFill>
+                  <a:schemeClr val="bg1"/>
+                </a:solidFill>
+              </a:rPr>
               <a:t>Presented by:</a:t>
             </a:r>
           </a:p>
@@ -19431,7 +19440,11 @@
               <a:buNone/>
             </a:pPr>
             <a:r>
-              <a:rPr lang="en-US" dirty="0"/>
+              <a:rPr lang="en-US" dirty="0">
+                <a:solidFill>
+                  <a:schemeClr val="bg1"/>
+                </a:solidFill>
+              </a:rPr>
               <a:t>Ali Rampurawala</a:t>
             </a:r>
           </a:p>
@@ -19446,10 +19459,18 @@
               <a:buNone/>
             </a:pPr>
             <a:r>
-              <a:rPr lang="en-US" dirty="0"/>
+              <a:rPr lang="en-US" dirty="0">
+                <a:solidFill>
+                  <a:schemeClr val="bg1"/>
+                </a:solidFill>
+              </a:rPr>
               <a:t>Legendary Preds Inc.</a:t>
             </a:r>
-            <a:endParaRPr dirty="0"/>
+            <a:endParaRPr dirty="0">
+              <a:solidFill>
+                <a:schemeClr val="bg1"/>
+              </a:solidFill>
+            </a:endParaRPr>
           </a:p>
         </p:txBody>
       </p:sp>
@@ -19528,8 +19549,8 @@
         </p:nvSpPr>
         <p:spPr>
           <a:xfrm>
-            <a:off x="942840" y="2421725"/>
-            <a:ext cx="7758900" cy="1900381"/>
+            <a:off x="932206" y="2288310"/>
+            <a:ext cx="7779899" cy="2081671"/>
           </a:xfrm>
           <a:prstGeom prst="rect">
             <a:avLst/>
@@ -19541,6 +19562,39 @@
           </a:bodyPr>
           <a:lstStyle/>
           <a:p>
+            <a:pPr marL="127000" lvl="0" indent="0" algn="l" rtl="0">
+              <a:spcBef>
+                <a:spcPts val="0"/>
+              </a:spcBef>
+              <a:spcAft>
+                <a:spcPts val="0"/>
+              </a:spcAft>
+              <a:buSzPts val="1600"/>
+            </a:pPr>
+            <a:r>
+              <a:rPr lang="en-US" sz="1800" dirty="0">
+                <a:latin typeface="Arial" panose="020B0604020202020204" pitchFamily="34" charset="0"/>
+                <a:cs typeface="Arial" panose="020B0604020202020204" pitchFamily="34" charset="0"/>
+              </a:rPr>
+              <a:t>If given additional time…</a:t>
+            </a:r>
+          </a:p>
+          <a:p>
+            <a:pPr marL="127000" lvl="0" indent="0" algn="l" rtl="0">
+              <a:spcBef>
+                <a:spcPts val="0"/>
+              </a:spcBef>
+              <a:spcAft>
+                <a:spcPts val="0"/>
+              </a:spcAft>
+              <a:buSzPts val="1600"/>
+            </a:pPr>
+            <a:endParaRPr lang="en-US" sz="1800" dirty="0">
+              <a:latin typeface="Arial" panose="020B0604020202020204" pitchFamily="34" charset="0"/>
+              <a:cs typeface="Arial" panose="020B0604020202020204" pitchFamily="34" charset="0"/>
+            </a:endParaRPr>
+          </a:p>
+          <a:p>
             <a:pPr marL="457200" lvl="0" indent="-330200" algn="l" rtl="0">
               <a:spcBef>
                 <a:spcPts val="0"/>
@@ -19557,7 +19611,7 @@
                 <a:latin typeface="Arial" panose="020B0604020202020204" pitchFamily="34" charset="0"/>
                 <a:cs typeface="Arial" panose="020B0604020202020204" pitchFamily="34" charset="0"/>
               </a:rPr>
-              <a:t>Consider further tuning the model to increase the “recall” score </a:t>
+              <a:t>Further tune the model to increase the “recall” score </a:t>
             </a:r>
           </a:p>
           <a:p>
@@ -19594,7 +19648,7 @@
                 <a:latin typeface="Arial" panose="020B0604020202020204" pitchFamily="34" charset="0"/>
                 <a:cs typeface="Arial" panose="020B0604020202020204" pitchFamily="34" charset="0"/>
               </a:rPr>
-              <a:t>Continue to add data each quarter and reconfigure model</a:t>
+              <a:t>Continue to add data each quarter and update model</a:t>
             </a:r>
           </a:p>
           <a:p>
@@ -19631,7 +19685,7 @@
                 <a:latin typeface="Arial" panose="020B0604020202020204" pitchFamily="34" charset="0"/>
                 <a:cs typeface="Arial" panose="020B0604020202020204" pitchFamily="34" charset="0"/>
               </a:rPr>
-              <a:t>Follow-through with recommendations</a:t>
+              <a:t>Analyze new customer data to help identify potential trends</a:t>
             </a:r>
             <a:endParaRPr sz="1800" dirty="0">
               <a:latin typeface="Arial" panose="020B0604020202020204" pitchFamily="34" charset="0"/>
@@ -19745,6 +19799,10 @@
           </p:nvPr>
         </p:nvSpPr>
         <p:spPr>
+          <a:xfrm>
+            <a:off x="722374" y="435600"/>
+            <a:ext cx="5967538" cy="1016100"/>
+          </a:xfrm>
           <a:prstGeom prst="rect">
             <a:avLst/>
           </a:prstGeom>
@@ -19766,7 +19824,7 @@
             </a:pPr>
             <a:r>
               <a:rPr lang="en" dirty="0"/>
-              <a:t>Thanks….</a:t>
+              <a:t>Thank You….</a:t>
             </a:r>
             <a:endParaRPr dirty="0"/>
           </a:p>
@@ -21370,7 +21428,7 @@
                 <a:latin typeface="Arial" panose="020B0604020202020204" pitchFamily="34" charset="0"/>
                 <a:cs typeface="Arial" panose="020B0604020202020204" pitchFamily="34" charset="0"/>
               </a:rPr>
-              <a:t>Historical Data (~3,000+ records)</a:t>
+              <a:t>Historical Data (~3,300 records)</a:t>
             </a:r>
           </a:p>
           <a:p>
@@ -21424,7 +21482,7 @@
                 <a:latin typeface="Arial" panose="020B0604020202020204" pitchFamily="34" charset="0"/>
                 <a:cs typeface="Arial" panose="020B0604020202020204" pitchFamily="34" charset="0"/>
               </a:rPr>
-              <a:t>Minutes Usage</a:t>
+              <a:t>Minutes (day, eve, etc.)</a:t>
             </a:r>
           </a:p>
           <a:p>
@@ -21443,7 +21501,7 @@
                 <a:latin typeface="Arial" panose="020B0604020202020204" pitchFamily="34" charset="0"/>
                 <a:cs typeface="Arial" panose="020B0604020202020204" pitchFamily="34" charset="0"/>
               </a:rPr>
-              <a:t>Charges</a:t>
+              <a:t>Charges (day, eve, etc.)</a:t>
             </a:r>
           </a:p>
           <a:p>
@@ -21462,7 +21520,7 @@
                 <a:latin typeface="Arial" panose="020B0604020202020204" pitchFamily="34" charset="0"/>
                 <a:cs typeface="Arial" panose="020B0604020202020204" pitchFamily="34" charset="0"/>
               </a:rPr>
-              <a:t>Churn (yes – 85%  /  No – 15%)</a:t>
+              <a:t>Churn or no</a:t>
             </a:r>
           </a:p>
         </p:txBody>
@@ -21561,8 +21619,8 @@
         </p:blipFill>
         <p:spPr>
           <a:xfrm>
-            <a:off x="4269661" y="1748118"/>
-            <a:ext cx="4420784" cy="3319466"/>
+            <a:off x="4178595" y="1726102"/>
+            <a:ext cx="4511850" cy="3387845"/>
           </a:xfrm>
           <a:prstGeom prst="rect">
             <a:avLst/>
@@ -21887,7 +21945,7 @@
   <p:cSld>
     <p:spTree>
       <p:nvGrpSpPr>
-        <p:cNvPr id="1" name="Shape 256"/>
+        <p:cNvPr id="1" name="Shape 225"/>
         <p:cNvGrpSpPr/>
         <p:nvPr/>
       </p:nvGrpSpPr>
@@ -21901,7 +21959,7 @@
       </p:grpSpPr>
       <p:sp>
         <p:nvSpPr>
-          <p:cNvPr id="258" name="Google Shape;258;p30"/>
+          <p:cNvPr id="226" name="Google Shape;226;p29"/>
           <p:cNvSpPr txBox="1">
             <a:spLocks noGrp="1"/>
           </p:cNvSpPr>
@@ -21911,8 +21969,8 @@
         </p:nvSpPr>
         <p:spPr>
           <a:xfrm>
-            <a:off x="633282" y="591300"/>
-            <a:ext cx="7779900" cy="902220"/>
+            <a:off x="682200" y="593477"/>
+            <a:ext cx="7779600" cy="734700"/>
           </a:xfrm>
           <a:prstGeom prst="rect">
             <a:avLst/>
@@ -21934,23 +21992,19 @@
               <a:buNone/>
             </a:pPr>
             <a:r>
-              <a:rPr lang="en-US" dirty="0"/>
-              <a:t>Modeling Process</a:t>
+              <a:rPr lang="en" dirty="0"/>
+              <a:t>Initial Observations</a:t>
             </a:r>
-            <a:endParaRPr dirty="0">
-              <a:solidFill>
-                <a:schemeClr val="bg1"/>
-              </a:solidFill>
-            </a:endParaRPr>
+            <a:endParaRPr dirty="0"/>
           </a:p>
         </p:txBody>
       </p:sp>
       <p:sp>
         <p:nvSpPr>
-          <p:cNvPr id="2" name="Google Shape;227;p29">
+          <p:cNvPr id="9" name="Google Shape;230;p29">
             <a:extLst>
               <a:ext uri="{FF2B5EF4-FFF2-40B4-BE49-F238E27FC236}">
-                <a16:creationId xmlns:a16="http://schemas.microsoft.com/office/drawing/2014/main" id="{997D34B3-ABAE-ECD8-F1F3-EE574C14D917}"/>
+                <a16:creationId xmlns:a16="http://schemas.microsoft.com/office/drawing/2014/main" id="{B1C6EDB7-0719-D5C3-0610-157057DE13CA}"/>
               </a:ext>
             </a:extLst>
           </p:cNvPr>
@@ -21961,8 +22015,8 @@
         </p:nvSpPr>
         <p:spPr>
           <a:xfrm>
-            <a:off x="425619" y="2318308"/>
-            <a:ext cx="3683223" cy="2468274"/>
+            <a:off x="458584" y="2711301"/>
+            <a:ext cx="3113956" cy="2073083"/>
           </a:xfrm>
           <a:prstGeom prst="rect">
             <a:avLst/>
@@ -21974,7 +22028,7 @@
             <a:noAutofit/>
           </a:bodyPr>
           <a:lstStyle>
-            <a:lvl1pPr marL="257175" lvl="0" indent="-257175" algn="l" defTabSz="342900" rtl="0" eaLnBrk="1" latinLnBrk="0" hangingPunct="1">
+            <a:lvl1pPr marL="257175" lvl="0" indent="-257175" algn="ctr" defTabSz="342900" rtl="0" eaLnBrk="1" latinLnBrk="0" hangingPunct="1">
               <a:spcBef>
                 <a:spcPts val="0"/>
               </a:spcBef>
@@ -21982,24 +22036,45 @@
                 <a:spcPts val="0"/>
               </a:spcAft>
               <a:buClr>
-                <a:schemeClr val="accent1"/>
+                <a:schemeClr val="dk1"/>
+              </a:buClr>
+              <a:buSzPts val="2000"/>
+              <a:buFont typeface="Bebas Neue"/>
+              <a:buNone/>
+              <a:defRPr sz="2000" b="0" i="0" kern="1200">
+                <a:solidFill>
+                  <a:schemeClr val="dk1"/>
+                </a:solidFill>
+                <a:latin typeface="Bebas Neue"/>
+                <a:ea typeface="Bebas Neue"/>
+                <a:cs typeface="Bebas Neue"/>
+                <a:sym typeface="Bebas Neue"/>
+              </a:defRPr>
+            </a:lvl1pPr>
+            <a:lvl2pPr marL="557213" lvl="1" indent="-214313" algn="ctr" defTabSz="342900" rtl="0" eaLnBrk="1" latinLnBrk="0" hangingPunct="1">
+              <a:spcBef>
+                <a:spcPts val="1600"/>
+              </a:spcBef>
+              <a:spcAft>
+                <a:spcPts val="0"/>
+              </a:spcAft>
+              <a:buClr>
+                <a:schemeClr val="dk1"/>
               </a:buClr>
               <a:buSzPts val="1500"/>
-              <a:buFont typeface="Wingdings 3" charset="2"/>
-              <a:buNone/>
-              <a:defRPr sz="1350" b="0" i="0" kern="1200">
+              <a:buFont typeface="Bebas Neue"/>
+              <a:buNone/>
+              <a:defRPr sz="1200" b="0" i="0" kern="1200">
                 <a:solidFill>
-                  <a:schemeClr val="tx1">
-                    <a:lumMod val="75000"/>
-                    <a:lumOff val="25000"/>
-                  </a:schemeClr>
+                  <a:schemeClr val="dk1"/>
                 </a:solidFill>
-                <a:latin typeface="+mn-lt"/>
-                <a:ea typeface="+mn-ea"/>
-                <a:cs typeface="+mn-cs"/>
+                <a:latin typeface="Bebas Neue"/>
+                <a:ea typeface="Bebas Neue"/>
+                <a:cs typeface="Bebas Neue"/>
+                <a:sym typeface="Bebas Neue"/>
               </a:defRPr>
-            </a:lvl1pPr>
-            <a:lvl2pPr marL="557213" lvl="1" indent="-214313" algn="l" defTabSz="342900" rtl="0" eaLnBrk="1" latinLnBrk="0" hangingPunct="1">
+            </a:lvl2pPr>
+            <a:lvl3pPr marL="857250" lvl="2" indent="-171450" algn="ctr" defTabSz="342900" rtl="0" eaLnBrk="1" latinLnBrk="0" hangingPunct="1">
               <a:spcBef>
                 <a:spcPts val="1600"/>
               </a:spcBef>
@@ -22007,24 +22082,22 @@
                 <a:spcPts val="0"/>
               </a:spcAft>
               <a:buClr>
-                <a:schemeClr val="accent1"/>
+                <a:schemeClr val="dk1"/>
               </a:buClr>
               <a:buSzPts val="1500"/>
-              <a:buFont typeface="Wingdings 3" charset="2"/>
-              <a:buNone/>
-              <a:defRPr sz="1200" b="0" i="0" kern="1200">
+              <a:buFont typeface="Bebas Neue"/>
+              <a:buNone/>
+              <a:defRPr sz="1050" b="0" i="0" kern="1200">
                 <a:solidFill>
-                  <a:schemeClr val="tx1">
-                    <a:lumMod val="75000"/>
-                    <a:lumOff val="25000"/>
-                  </a:schemeClr>
+                  <a:schemeClr val="dk1"/>
                 </a:solidFill>
-                <a:latin typeface="+mn-lt"/>
-                <a:ea typeface="+mn-ea"/>
-                <a:cs typeface="+mn-cs"/>
+                <a:latin typeface="Bebas Neue"/>
+                <a:ea typeface="Bebas Neue"/>
+                <a:cs typeface="Bebas Neue"/>
+                <a:sym typeface="Bebas Neue"/>
               </a:defRPr>
-            </a:lvl2pPr>
-            <a:lvl3pPr marL="857250" lvl="2" indent="-171450" algn="l" defTabSz="342900" rtl="0" eaLnBrk="1" latinLnBrk="0" hangingPunct="1">
+            </a:lvl3pPr>
+            <a:lvl4pPr marL="1200150" lvl="3" indent="-171450" algn="ctr" defTabSz="342900" rtl="0" eaLnBrk="1" latinLnBrk="0" hangingPunct="1">
               <a:spcBef>
                 <a:spcPts val="1600"/>
               </a:spcBef>
@@ -22032,24 +22105,22 @@
                 <a:spcPts val="0"/>
               </a:spcAft>
               <a:buClr>
-                <a:schemeClr val="accent1"/>
+                <a:schemeClr val="dk1"/>
               </a:buClr>
               <a:buSzPts val="1500"/>
-              <a:buFont typeface="Wingdings 3" charset="2"/>
-              <a:buNone/>
-              <a:defRPr sz="1050" b="0" i="0" kern="1200">
+              <a:buFont typeface="Bebas Neue"/>
+              <a:buNone/>
+              <a:defRPr sz="900" b="0" i="0" kern="1200">
                 <a:solidFill>
-                  <a:schemeClr val="tx1">
-                    <a:lumMod val="75000"/>
-                    <a:lumOff val="25000"/>
-                  </a:schemeClr>
+                  <a:schemeClr val="dk1"/>
                 </a:solidFill>
-                <a:latin typeface="+mn-lt"/>
-                <a:ea typeface="+mn-ea"/>
-                <a:cs typeface="+mn-cs"/>
+                <a:latin typeface="Bebas Neue"/>
+                <a:ea typeface="Bebas Neue"/>
+                <a:cs typeface="Bebas Neue"/>
+                <a:sym typeface="Bebas Neue"/>
               </a:defRPr>
-            </a:lvl3pPr>
-            <a:lvl4pPr marL="1200150" lvl="3" indent="-171450" algn="l" defTabSz="342900" rtl="0" eaLnBrk="1" latinLnBrk="0" hangingPunct="1">
+            </a:lvl4pPr>
+            <a:lvl5pPr marL="1543050" lvl="4" indent="-171450" algn="ctr" defTabSz="342900" rtl="0" eaLnBrk="1" latinLnBrk="0" hangingPunct="1">
               <a:spcBef>
                 <a:spcPts val="1600"/>
               </a:spcBef>
@@ -22057,24 +22128,22 @@
                 <a:spcPts val="0"/>
               </a:spcAft>
               <a:buClr>
-                <a:schemeClr val="accent1"/>
+                <a:schemeClr val="dk1"/>
               </a:buClr>
               <a:buSzPts val="1500"/>
-              <a:buFont typeface="Wingdings 3" charset="2"/>
+              <a:buFont typeface="Bebas Neue"/>
               <a:buNone/>
               <a:defRPr sz="900" b="0" i="0" kern="1200">
                 <a:solidFill>
-                  <a:schemeClr val="tx1">
-                    <a:lumMod val="75000"/>
-                    <a:lumOff val="25000"/>
-                  </a:schemeClr>
+                  <a:schemeClr val="dk1"/>
                 </a:solidFill>
-                <a:latin typeface="+mn-lt"/>
-                <a:ea typeface="+mn-ea"/>
-                <a:cs typeface="+mn-cs"/>
+                <a:latin typeface="Bebas Neue"/>
+                <a:ea typeface="Bebas Neue"/>
+                <a:cs typeface="Bebas Neue"/>
+                <a:sym typeface="Bebas Neue"/>
               </a:defRPr>
-            </a:lvl4pPr>
-            <a:lvl5pPr marL="1543050" lvl="4" indent="-171450" algn="l" defTabSz="342900" rtl="0" eaLnBrk="1" latinLnBrk="0" hangingPunct="1">
+            </a:lvl5pPr>
+            <a:lvl6pPr marL="1885950" lvl="5" indent="-171450" algn="ctr" defTabSz="342900" rtl="0" eaLnBrk="1" latinLnBrk="0" hangingPunct="1">
               <a:spcBef>
                 <a:spcPts val="1600"/>
               </a:spcBef>
@@ -22082,24 +22151,22 @@
                 <a:spcPts val="0"/>
               </a:spcAft>
               <a:buClr>
-                <a:schemeClr val="accent1"/>
+                <a:schemeClr val="dk1"/>
               </a:buClr>
               <a:buSzPts val="1500"/>
-              <a:buFont typeface="Wingdings 3" charset="2"/>
+              <a:buFont typeface="Bebas Neue"/>
               <a:buNone/>
               <a:defRPr sz="900" b="0" i="0" kern="1200">
                 <a:solidFill>
-                  <a:schemeClr val="tx1">
-                    <a:lumMod val="75000"/>
-                    <a:lumOff val="25000"/>
-                  </a:schemeClr>
+                  <a:schemeClr val="dk1"/>
                 </a:solidFill>
-                <a:latin typeface="+mn-lt"/>
-                <a:ea typeface="+mn-ea"/>
-                <a:cs typeface="+mn-cs"/>
+                <a:latin typeface="Bebas Neue"/>
+                <a:ea typeface="Bebas Neue"/>
+                <a:cs typeface="Bebas Neue"/>
+                <a:sym typeface="Bebas Neue"/>
               </a:defRPr>
-            </a:lvl5pPr>
-            <a:lvl6pPr marL="1885950" lvl="5" indent="-171450" algn="l" defTabSz="342900" rtl="0" eaLnBrk="1" latinLnBrk="0" hangingPunct="1">
+            </a:lvl6pPr>
+            <a:lvl7pPr marL="2228850" lvl="6" indent="-171450" algn="ctr" defTabSz="342900" rtl="0" eaLnBrk="1" latinLnBrk="0" hangingPunct="1">
               <a:spcBef>
                 <a:spcPts val="1600"/>
               </a:spcBef>
@@ -22107,24 +22174,22 @@
                 <a:spcPts val="0"/>
               </a:spcAft>
               <a:buClr>
-                <a:schemeClr val="accent1"/>
+                <a:schemeClr val="dk1"/>
               </a:buClr>
               <a:buSzPts val="1500"/>
-              <a:buFont typeface="Wingdings 3" charset="2"/>
+              <a:buFont typeface="Bebas Neue"/>
               <a:buNone/>
               <a:defRPr sz="900" b="0" i="0" kern="1200">
                 <a:solidFill>
-                  <a:schemeClr val="tx1">
-                    <a:lumMod val="75000"/>
-                    <a:lumOff val="25000"/>
-                  </a:schemeClr>
+                  <a:schemeClr val="dk1"/>
                 </a:solidFill>
-                <a:latin typeface="+mn-lt"/>
-                <a:ea typeface="+mn-ea"/>
-                <a:cs typeface="+mn-cs"/>
+                <a:latin typeface="Bebas Neue"/>
+                <a:ea typeface="Bebas Neue"/>
+                <a:cs typeface="Bebas Neue"/>
+                <a:sym typeface="Bebas Neue"/>
               </a:defRPr>
-            </a:lvl6pPr>
-            <a:lvl7pPr marL="2228850" lvl="6" indent="-171450" algn="l" defTabSz="342900" rtl="0" eaLnBrk="1" latinLnBrk="0" hangingPunct="1">
+            </a:lvl7pPr>
+            <a:lvl8pPr marL="2571750" lvl="7" indent="-171450" algn="ctr" defTabSz="342900" rtl="0" eaLnBrk="1" latinLnBrk="0" hangingPunct="1">
               <a:spcBef>
                 <a:spcPts val="1600"/>
               </a:spcBef>
@@ -22132,127 +22197,114 @@
                 <a:spcPts val="0"/>
               </a:spcAft>
               <a:buClr>
-                <a:schemeClr val="accent1"/>
+                <a:schemeClr val="dk1"/>
               </a:buClr>
               <a:buSzPts val="1500"/>
-              <a:buFont typeface="Wingdings 3" charset="2"/>
+              <a:buFont typeface="Bebas Neue"/>
               <a:buNone/>
               <a:defRPr sz="900" b="0" i="0" kern="1200">
                 <a:solidFill>
-                  <a:schemeClr val="tx1">
-                    <a:lumMod val="75000"/>
-                    <a:lumOff val="25000"/>
-                  </a:schemeClr>
+                  <a:schemeClr val="dk1"/>
                 </a:solidFill>
-                <a:latin typeface="+mn-lt"/>
-                <a:ea typeface="+mn-ea"/>
-                <a:cs typeface="+mn-cs"/>
+                <a:latin typeface="Bebas Neue"/>
+                <a:ea typeface="Bebas Neue"/>
+                <a:cs typeface="Bebas Neue"/>
+                <a:sym typeface="Bebas Neue"/>
               </a:defRPr>
-            </a:lvl7pPr>
-            <a:lvl8pPr marL="2571750" lvl="7" indent="-171450" algn="l" defTabSz="342900" rtl="0" eaLnBrk="1" latinLnBrk="0" hangingPunct="1">
-              <a:spcBef>
-                <a:spcPts val="1600"/>
-              </a:spcBef>
-              <a:spcAft>
-                <a:spcPts val="0"/>
+            </a:lvl8pPr>
+            <a:lvl9pPr marL="2914650" lvl="8" indent="-171450" algn="ctr" defTabSz="342900" rtl="0" eaLnBrk="1" latinLnBrk="0" hangingPunct="1">
+              <a:spcBef>
+                <a:spcPts val="1600"/>
+              </a:spcBef>
+              <a:spcAft>
+                <a:spcPts val="1600"/>
               </a:spcAft>
               <a:buClr>
-                <a:schemeClr val="accent1"/>
+                <a:schemeClr val="dk1"/>
               </a:buClr>
               <a:buSzPts val="1500"/>
-              <a:buFont typeface="Wingdings 3" charset="2"/>
+              <a:buFont typeface="Bebas Neue"/>
               <a:buNone/>
               <a:defRPr sz="900" b="0" i="0" kern="1200">
                 <a:solidFill>
-                  <a:schemeClr val="tx1">
-                    <a:lumMod val="75000"/>
-                    <a:lumOff val="25000"/>
-                  </a:schemeClr>
+                  <a:schemeClr val="dk1"/>
                 </a:solidFill>
-                <a:latin typeface="+mn-lt"/>
-                <a:ea typeface="+mn-ea"/>
-                <a:cs typeface="+mn-cs"/>
-              </a:defRPr>
-            </a:lvl8pPr>
-            <a:lvl9pPr marL="2914650" lvl="8" indent="-171450" algn="l" defTabSz="342900" rtl="0" eaLnBrk="1" latinLnBrk="0" hangingPunct="1">
-              <a:spcBef>
-                <a:spcPts val="1600"/>
-              </a:spcBef>
-              <a:spcAft>
-                <a:spcPts val="1600"/>
-              </a:spcAft>
-              <a:buClr>
-                <a:schemeClr val="accent1"/>
-              </a:buClr>
-              <a:buSzPts val="1500"/>
-              <a:buFont typeface="Wingdings 3" charset="2"/>
-              <a:buNone/>
-              <a:defRPr sz="900" b="0" i="0" kern="1200">
-                <a:solidFill>
-                  <a:schemeClr val="tx1">
-                    <a:lumMod val="75000"/>
-                    <a:lumOff val="25000"/>
-                  </a:schemeClr>
-                </a:solidFill>
-                <a:latin typeface="+mn-lt"/>
-                <a:ea typeface="+mn-ea"/>
-                <a:cs typeface="+mn-cs"/>
+                <a:latin typeface="Bebas Neue"/>
+                <a:ea typeface="Bebas Neue"/>
+                <a:cs typeface="Bebas Neue"/>
+                <a:sym typeface="Bebas Neue"/>
               </a:defRPr>
             </a:lvl9pPr>
           </a:lstStyle>
           <a:p>
-            <a:pPr marL="590550" indent="-457200">
-              <a:buClr>
-                <a:schemeClr val="dk2"/>
-              </a:buClr>
-              <a:buAutoNum type="arabicPeriod"/>
+            <a:pPr marL="0" indent="0">
+              <a:spcAft>
+                <a:spcPts val="1600"/>
+              </a:spcAft>
             </a:pPr>
             <a:r>
-              <a:rPr lang="en-US" sz="1800" dirty="0">
-                <a:solidFill>
-                  <a:schemeClr val="dk2"/>
-                </a:solidFill>
+              <a:rPr lang="en-US" sz="2400" dirty="0">
+                <a:latin typeface="Arial" panose="020B0604020202020204" pitchFamily="34" charset="0"/>
+                <a:cs typeface="Arial" panose="020B0604020202020204" pitchFamily="34" charset="0"/>
               </a:rPr>
-              <a:t>Attempted 7 different model types</a:t>
+              <a:t>Churn ($) is from all regions of the US </a:t>
             </a:r>
           </a:p>
+        </p:txBody>
+      </p:sp>
+      <p:sp>
+        <p:nvSpPr>
+          <p:cNvPr id="10" name="Oval 9">
+            <a:extLst>
+              <a:ext uri="{FF2B5EF4-FFF2-40B4-BE49-F238E27FC236}">
+                <a16:creationId xmlns:a16="http://schemas.microsoft.com/office/drawing/2014/main" id="{EADE8348-A554-A730-C75A-288F69CB2749}"/>
+              </a:ext>
+            </a:extLst>
+          </p:cNvPr>
+          <p:cNvSpPr/>
+          <p:nvPr/>
+        </p:nvSpPr>
+        <p:spPr>
+          <a:xfrm>
+            <a:off x="6945407" y="2254062"/>
+            <a:ext cx="1189274" cy="1033743"/>
+          </a:xfrm>
+          <a:prstGeom prst="ellipse">
+            <a:avLst/>
+          </a:prstGeom>
+          <a:noFill/>
+        </p:spPr>
+        <p:style>
+          <a:lnRef idx="2">
+            <a:schemeClr val="accent1">
+              <a:shade val="50000"/>
+            </a:schemeClr>
+          </a:lnRef>
+          <a:fillRef idx="1">
+            <a:schemeClr val="accent1"/>
+          </a:fillRef>
+          <a:effectRef idx="0">
+            <a:schemeClr val="accent1"/>
+          </a:effectRef>
+          <a:fontRef idx="minor">
+            <a:schemeClr val="lt1"/>
+          </a:fontRef>
+        </p:style>
+        <p:txBody>
+          <a:bodyPr rtlCol="0" anchor="ctr"/>
+          <a:lstStyle/>
           <a:p>
-            <a:pPr marL="590550" indent="-457200">
-              <a:buClr>
-                <a:schemeClr val="dk2"/>
-              </a:buClr>
-              <a:buAutoNum type="arabicPeriod"/>
-            </a:pPr>
-            <a:endParaRPr lang="en-US" sz="1800" dirty="0">
-              <a:solidFill>
-                <a:schemeClr val="dk2"/>
-              </a:solidFill>
-            </a:endParaRPr>
-          </a:p>
-          <a:p>
-            <a:pPr marL="590550" indent="-457200">
-              <a:buClr>
-                <a:schemeClr val="dk2"/>
-              </a:buClr>
-              <a:buAutoNum type="arabicPeriod"/>
-            </a:pPr>
-            <a:r>
-              <a:rPr lang="en-US" sz="1800" dirty="0">
-                <a:solidFill>
-                  <a:schemeClr val="dk2"/>
-                </a:solidFill>
-              </a:rPr>
-              <a:t>Selected top 2 types for further refining</a:t>
-            </a:r>
+            <a:pPr algn="ctr"/>
+            <a:endParaRPr lang="en-US"/>
           </a:p>
         </p:txBody>
       </p:sp>
       <p:pic>
         <p:nvPicPr>
-          <p:cNvPr id="6" name="Picture 5">
+          <p:cNvPr id="5" name="Picture 4">
             <a:extLst>
               <a:ext uri="{FF2B5EF4-FFF2-40B4-BE49-F238E27FC236}">
-                <a16:creationId xmlns:a16="http://schemas.microsoft.com/office/drawing/2014/main" id="{0EBF1394-83CF-18B6-38C6-6B0B02059B39}"/>
+                <a16:creationId xmlns:a16="http://schemas.microsoft.com/office/drawing/2014/main" id="{5D0162E2-C8CB-4864-F6AD-3A7B9F513AA3}"/>
               </a:ext>
             </a:extLst>
           </p:cNvPr>
@@ -22269,70 +22321,20 @@
         </p:blipFill>
         <p:spPr>
           <a:xfrm>
-            <a:off x="4316181" y="1943012"/>
-            <a:ext cx="4508636" cy="2750101"/>
+            <a:off x="3856023" y="1881070"/>
+            <a:ext cx="4691170" cy="3024996"/>
           </a:xfrm>
           <a:prstGeom prst="rect">
             <a:avLst/>
           </a:prstGeom>
-          <a:ln>
-            <a:solidFill>
-              <a:schemeClr val="tx1"/>
-            </a:solidFill>
-          </a:ln>
         </p:spPr>
       </p:pic>
-      <p:sp>
-        <p:nvSpPr>
-          <p:cNvPr id="3" name="Rectangle 2">
-            <a:extLst>
-              <a:ext uri="{FF2B5EF4-FFF2-40B4-BE49-F238E27FC236}">
-                <a16:creationId xmlns:a16="http://schemas.microsoft.com/office/drawing/2014/main" id="{0F8669DE-462C-EB6C-BD4E-830102D86223}"/>
-              </a:ext>
-            </a:extLst>
-          </p:cNvPr>
-          <p:cNvSpPr/>
-          <p:nvPr/>
-        </p:nvSpPr>
-        <p:spPr>
-          <a:xfrm>
-            <a:off x="4429125" y="2076450"/>
-            <a:ext cx="1019175" cy="695325"/>
-          </a:xfrm>
-          <a:prstGeom prst="rect">
-            <a:avLst/>
-          </a:prstGeom>
-          <a:noFill/>
-          <a:ln>
-            <a:solidFill>
-              <a:srgbClr val="FF0000"/>
-            </a:solidFill>
-          </a:ln>
-        </p:spPr>
-        <p:style>
-          <a:lnRef idx="2">
-            <a:schemeClr val="accent2"/>
-          </a:lnRef>
-          <a:fillRef idx="1">
-            <a:schemeClr val="lt1"/>
-          </a:fillRef>
-          <a:effectRef idx="0">
-            <a:schemeClr val="accent2"/>
-          </a:effectRef>
-          <a:fontRef idx="minor">
-            <a:schemeClr val="dk1"/>
-          </a:fontRef>
-        </p:style>
-        <p:txBody>
-          <a:bodyPr rtlCol="0" anchor="ctr"/>
-          <a:lstStyle/>
-          <a:p>
-            <a:pPr algn="ctr"/>
-            <a:endParaRPr lang="en-US"/>
-          </a:p>
-        </p:txBody>
-      </p:sp>
     </p:spTree>
+    <p:extLst>
+      <p:ext uri="{BB962C8B-B14F-4D97-AF65-F5344CB8AC3E}">
+        <p14:creationId xmlns:p14="http://schemas.microsoft.com/office/powerpoint/2010/main" val="841396626"/>
+      </p:ext>
+    </p:extLst>
   </p:cSld>
   <p:clrMapOvr>
     <a:masterClrMapping/>
@@ -22393,15 +22395,7 @@
             </a:pPr>
             <a:r>
               <a:rPr lang="en" dirty="0"/>
-              <a:t>Best Model - </a:t>
-            </a:r>
-            <a:r>
-              <a:rPr lang="en-US" sz="2800" dirty="0">
-                <a:solidFill>
-                  <a:schemeClr val="bg1"/>
-                </a:solidFill>
-              </a:rPr>
-              <a:t>Gradient Boosting Classifier </a:t>
+              <a:t>Final Model </a:t>
             </a:r>
             <a:endParaRPr dirty="0">
               <a:solidFill>
@@ -22712,7 +22706,7 @@
               </a:buClr>
             </a:pPr>
             <a:r>
-              <a:rPr lang="en-US" sz="2000" b="1" dirty="0">
+              <a:rPr lang="en-US" sz="2800" b="1" dirty="0">
                 <a:solidFill>
                   <a:schemeClr val="dk2"/>
                 </a:solidFill>
@@ -22738,7 +22732,7 @@
         </p:nvSpPr>
         <p:spPr>
           <a:xfrm>
-            <a:off x="2632384" y="3906668"/>
+            <a:off x="2676301" y="4166200"/>
             <a:ext cx="3693862" cy="977300"/>
           </a:xfrm>
           <a:prstGeom prst="rect">
@@ -22984,9 +22978,9 @@
               </a:buClr>
             </a:pPr>
             <a:r>
-              <a:rPr lang="en-US" sz="2000" i="1" dirty="0">
+              <a:rPr lang="en-US" sz="2000" b="1" i="1" dirty="0">
                 <a:solidFill>
-                  <a:schemeClr val="dk2"/>
+                  <a:schemeClr val="tx1"/>
                 </a:solidFill>
               </a:rPr>
               <a:t>So…what does this mean?</a:t>
@@ -23036,8 +23030,8 @@
         </p:nvSpPr>
         <p:spPr>
           <a:xfrm>
-            <a:off x="2995751" y="631026"/>
-            <a:ext cx="2528008" cy="667500"/>
+            <a:off x="2995750" y="631026"/>
+            <a:ext cx="2947849" cy="667500"/>
           </a:xfrm>
           <a:prstGeom prst="rect">
             <a:avLst/>
@@ -23060,7 +23054,7 @@
             </a:pPr>
             <a:r>
               <a:rPr lang="en" dirty="0"/>
-              <a:t>Model Results</a:t>
+              <a:t>Key Take Aways</a:t>
             </a:r>
             <a:endParaRPr dirty="0"/>
           </a:p>
@@ -23082,8 +23076,8 @@
         </p:nvSpPr>
         <p:spPr>
           <a:xfrm>
-            <a:off x="310517" y="2035517"/>
-            <a:ext cx="3949238" cy="2790013"/>
+            <a:off x="442007" y="2078047"/>
+            <a:ext cx="7468615" cy="2790013"/>
           </a:xfrm>
           <a:prstGeom prst="rect">
             <a:avLst/>
@@ -23362,7 +23356,7 @@
                   <a:schemeClr val="dk2"/>
                 </a:solidFill>
               </a:rPr>
-              <a:t>Recall = 80% (100/125)</a:t>
+              <a:t>Recall = 80%: (100/125 customers)</a:t>
             </a:r>
           </a:p>
           <a:p>
@@ -23393,41 +23387,338 @@
                   <a:schemeClr val="dk2"/>
                 </a:solidFill>
               </a:rPr>
-              <a:t>Precision = 100% (100/100)</a:t>
+              <a:t>Precision = 100% (100/100 customers)</a:t>
             </a:r>
           </a:p>
         </p:txBody>
       </p:sp>
       <p:pic>
         <p:nvPicPr>
-          <p:cNvPr id="2" name="Picture 1">
+          <p:cNvPr id="1026" name="Picture 2" descr="Target Icon | 100 Free Solid Iconset | Roundicons.com">
             <a:extLst>
               <a:ext uri="{FF2B5EF4-FFF2-40B4-BE49-F238E27FC236}">
-                <a16:creationId xmlns:a16="http://schemas.microsoft.com/office/drawing/2014/main" id="{3BFBAECB-3016-2F51-6357-185852A67A93}"/>
+                <a16:creationId xmlns:a16="http://schemas.microsoft.com/office/drawing/2014/main" id="{B03F2CCD-9FC1-51CF-1099-0C74C0E4A8DF}"/>
               </a:ext>
             </a:extLst>
           </p:cNvPr>
           <p:cNvPicPr>
-            <a:picLocks noChangeAspect="1"/>
+            <a:picLocks noChangeAspect="1" noChangeArrowheads="1"/>
           </p:cNvPicPr>
           <p:nvPr/>
         </p:nvPicPr>
         <p:blipFill>
-          <a:blip r:embed="rId3"/>
+          <a:blip r:embed="rId3">
+            <a:extLst>
+              <a:ext uri="{28A0092B-C50C-407E-A947-70E740481C1C}">
+                <a14:useLocalDpi xmlns:a14="http://schemas.microsoft.com/office/drawing/2010/main" val="0"/>
+              </a:ext>
+            </a:extLst>
+          </a:blip>
+          <a:srcRect/>
           <a:stretch>
             <a:fillRect/>
           </a:stretch>
         </p:blipFill>
-        <p:spPr>
+        <p:spPr bwMode="auto">
           <a:xfrm>
-            <a:off x="4815842" y="1754886"/>
-            <a:ext cx="4189095" cy="3351276"/>
+            <a:off x="6602819" y="2375759"/>
+            <a:ext cx="1499189" cy="1499189"/>
           </a:xfrm>
           <a:prstGeom prst="rect">
             <a:avLst/>
           </a:prstGeom>
+          <a:noFill/>
+          <a:extLst>
+            <a:ext uri="{909E8E84-426E-40DD-AFC4-6F175D3DCCD1}">
+              <a14:hiddenFill xmlns:a14="http://schemas.microsoft.com/office/drawing/2010/main">
+                <a:solidFill>
+                  <a:srgbClr val="FFFFFF"/>
+                </a:solidFill>
+              </a14:hiddenFill>
+            </a:ext>
+          </a:extLst>
         </p:spPr>
       </p:pic>
+      <p:sp>
+        <p:nvSpPr>
+          <p:cNvPr id="4" name="Google Shape;227;p29">
+            <a:extLst>
+              <a:ext uri="{FF2B5EF4-FFF2-40B4-BE49-F238E27FC236}">
+                <a16:creationId xmlns:a16="http://schemas.microsoft.com/office/drawing/2014/main" id="{4A370C53-E9F5-0431-7A28-0858C669C5A7}"/>
+              </a:ext>
+            </a:extLst>
+          </p:cNvPr>
+          <p:cNvSpPr txBox="1">
+            <a:spLocks/>
+          </p:cNvSpPr>
+          <p:nvPr/>
+        </p:nvSpPr>
+        <p:spPr>
+          <a:xfrm>
+            <a:off x="1560703" y="4360074"/>
+            <a:ext cx="6349919" cy="507986"/>
+          </a:xfrm>
+          <a:prstGeom prst="rect">
+            <a:avLst/>
+          </a:prstGeom>
+          <a:noFill/>
+        </p:spPr>
+        <p:txBody>
+          <a:bodyPr spcFirstLastPara="1" vert="horz" wrap="square" lIns="91425" tIns="91425" rIns="91425" bIns="91425" rtlCol="0" anchor="t" anchorCtr="0">
+            <a:noAutofit/>
+          </a:bodyPr>
+          <a:lstStyle>
+            <a:lvl1pPr marL="257175" lvl="0" indent="-257175" algn="l" defTabSz="342900" rtl="0" eaLnBrk="1" latinLnBrk="0" hangingPunct="1">
+              <a:spcBef>
+                <a:spcPts val="0"/>
+              </a:spcBef>
+              <a:spcAft>
+                <a:spcPts val="0"/>
+              </a:spcAft>
+              <a:buClr>
+                <a:schemeClr val="accent1"/>
+              </a:buClr>
+              <a:buSzPts val="1500"/>
+              <a:buFont typeface="Wingdings 3" charset="2"/>
+              <a:buNone/>
+              <a:defRPr sz="1350" b="0" i="0" kern="1200">
+                <a:solidFill>
+                  <a:schemeClr val="tx1">
+                    <a:lumMod val="75000"/>
+                    <a:lumOff val="25000"/>
+                  </a:schemeClr>
+                </a:solidFill>
+                <a:latin typeface="+mn-lt"/>
+                <a:ea typeface="+mn-ea"/>
+                <a:cs typeface="+mn-cs"/>
+              </a:defRPr>
+            </a:lvl1pPr>
+            <a:lvl2pPr marL="557213" lvl="1" indent="-214313" algn="l" defTabSz="342900" rtl="0" eaLnBrk="1" latinLnBrk="0" hangingPunct="1">
+              <a:spcBef>
+                <a:spcPts val="1600"/>
+              </a:spcBef>
+              <a:spcAft>
+                <a:spcPts val="0"/>
+              </a:spcAft>
+              <a:buClr>
+                <a:schemeClr val="accent1"/>
+              </a:buClr>
+              <a:buSzPts val="1500"/>
+              <a:buFont typeface="Wingdings 3" charset="2"/>
+              <a:buNone/>
+              <a:defRPr sz="1200" b="0" i="0" kern="1200">
+                <a:solidFill>
+                  <a:schemeClr val="tx1">
+                    <a:lumMod val="75000"/>
+                    <a:lumOff val="25000"/>
+                  </a:schemeClr>
+                </a:solidFill>
+                <a:latin typeface="+mn-lt"/>
+                <a:ea typeface="+mn-ea"/>
+                <a:cs typeface="+mn-cs"/>
+              </a:defRPr>
+            </a:lvl2pPr>
+            <a:lvl3pPr marL="857250" lvl="2" indent="-171450" algn="l" defTabSz="342900" rtl="0" eaLnBrk="1" latinLnBrk="0" hangingPunct="1">
+              <a:spcBef>
+                <a:spcPts val="1600"/>
+              </a:spcBef>
+              <a:spcAft>
+                <a:spcPts val="0"/>
+              </a:spcAft>
+              <a:buClr>
+                <a:schemeClr val="accent1"/>
+              </a:buClr>
+              <a:buSzPts val="1500"/>
+              <a:buFont typeface="Wingdings 3" charset="2"/>
+              <a:buNone/>
+              <a:defRPr sz="1050" b="0" i="0" kern="1200">
+                <a:solidFill>
+                  <a:schemeClr val="tx1">
+                    <a:lumMod val="75000"/>
+                    <a:lumOff val="25000"/>
+                  </a:schemeClr>
+                </a:solidFill>
+                <a:latin typeface="+mn-lt"/>
+                <a:ea typeface="+mn-ea"/>
+                <a:cs typeface="+mn-cs"/>
+              </a:defRPr>
+            </a:lvl3pPr>
+            <a:lvl4pPr marL="1200150" lvl="3" indent="-171450" algn="l" defTabSz="342900" rtl="0" eaLnBrk="1" latinLnBrk="0" hangingPunct="1">
+              <a:spcBef>
+                <a:spcPts val="1600"/>
+              </a:spcBef>
+              <a:spcAft>
+                <a:spcPts val="0"/>
+              </a:spcAft>
+              <a:buClr>
+                <a:schemeClr val="accent1"/>
+              </a:buClr>
+              <a:buSzPts val="1500"/>
+              <a:buFont typeface="Wingdings 3" charset="2"/>
+              <a:buNone/>
+              <a:defRPr sz="900" b="0" i="0" kern="1200">
+                <a:solidFill>
+                  <a:schemeClr val="tx1">
+                    <a:lumMod val="75000"/>
+                    <a:lumOff val="25000"/>
+                  </a:schemeClr>
+                </a:solidFill>
+                <a:latin typeface="+mn-lt"/>
+                <a:ea typeface="+mn-ea"/>
+                <a:cs typeface="+mn-cs"/>
+              </a:defRPr>
+            </a:lvl4pPr>
+            <a:lvl5pPr marL="1543050" lvl="4" indent="-171450" algn="l" defTabSz="342900" rtl="0" eaLnBrk="1" latinLnBrk="0" hangingPunct="1">
+              <a:spcBef>
+                <a:spcPts val="1600"/>
+              </a:spcBef>
+              <a:spcAft>
+                <a:spcPts val="0"/>
+              </a:spcAft>
+              <a:buClr>
+                <a:schemeClr val="accent1"/>
+              </a:buClr>
+              <a:buSzPts val="1500"/>
+              <a:buFont typeface="Wingdings 3" charset="2"/>
+              <a:buNone/>
+              <a:defRPr sz="900" b="0" i="0" kern="1200">
+                <a:solidFill>
+                  <a:schemeClr val="tx1">
+                    <a:lumMod val="75000"/>
+                    <a:lumOff val="25000"/>
+                  </a:schemeClr>
+                </a:solidFill>
+                <a:latin typeface="+mn-lt"/>
+                <a:ea typeface="+mn-ea"/>
+                <a:cs typeface="+mn-cs"/>
+              </a:defRPr>
+            </a:lvl5pPr>
+            <a:lvl6pPr marL="1885950" lvl="5" indent="-171450" algn="l" defTabSz="342900" rtl="0" eaLnBrk="1" latinLnBrk="0" hangingPunct="1">
+              <a:spcBef>
+                <a:spcPts val="1600"/>
+              </a:spcBef>
+              <a:spcAft>
+                <a:spcPts val="0"/>
+              </a:spcAft>
+              <a:buClr>
+                <a:schemeClr val="accent1"/>
+              </a:buClr>
+              <a:buSzPts val="1500"/>
+              <a:buFont typeface="Wingdings 3" charset="2"/>
+              <a:buNone/>
+              <a:defRPr sz="900" b="0" i="0" kern="1200">
+                <a:solidFill>
+                  <a:schemeClr val="tx1">
+                    <a:lumMod val="75000"/>
+                    <a:lumOff val="25000"/>
+                  </a:schemeClr>
+                </a:solidFill>
+                <a:latin typeface="+mn-lt"/>
+                <a:ea typeface="+mn-ea"/>
+                <a:cs typeface="+mn-cs"/>
+              </a:defRPr>
+            </a:lvl6pPr>
+            <a:lvl7pPr marL="2228850" lvl="6" indent="-171450" algn="l" defTabSz="342900" rtl="0" eaLnBrk="1" latinLnBrk="0" hangingPunct="1">
+              <a:spcBef>
+                <a:spcPts val="1600"/>
+              </a:spcBef>
+              <a:spcAft>
+                <a:spcPts val="0"/>
+              </a:spcAft>
+              <a:buClr>
+                <a:schemeClr val="accent1"/>
+              </a:buClr>
+              <a:buSzPts val="1500"/>
+              <a:buFont typeface="Wingdings 3" charset="2"/>
+              <a:buNone/>
+              <a:defRPr sz="900" b="0" i="0" kern="1200">
+                <a:solidFill>
+                  <a:schemeClr val="tx1">
+                    <a:lumMod val="75000"/>
+                    <a:lumOff val="25000"/>
+                  </a:schemeClr>
+                </a:solidFill>
+                <a:latin typeface="+mn-lt"/>
+                <a:ea typeface="+mn-ea"/>
+                <a:cs typeface="+mn-cs"/>
+              </a:defRPr>
+            </a:lvl7pPr>
+            <a:lvl8pPr marL="2571750" lvl="7" indent="-171450" algn="l" defTabSz="342900" rtl="0" eaLnBrk="1" latinLnBrk="0" hangingPunct="1">
+              <a:spcBef>
+                <a:spcPts val="1600"/>
+              </a:spcBef>
+              <a:spcAft>
+                <a:spcPts val="0"/>
+              </a:spcAft>
+              <a:buClr>
+                <a:schemeClr val="accent1"/>
+              </a:buClr>
+              <a:buSzPts val="1500"/>
+              <a:buFont typeface="Wingdings 3" charset="2"/>
+              <a:buNone/>
+              <a:defRPr sz="900" b="0" i="0" kern="1200">
+                <a:solidFill>
+                  <a:schemeClr val="tx1">
+                    <a:lumMod val="75000"/>
+                    <a:lumOff val="25000"/>
+                  </a:schemeClr>
+                </a:solidFill>
+                <a:latin typeface="+mn-lt"/>
+                <a:ea typeface="+mn-ea"/>
+                <a:cs typeface="+mn-cs"/>
+              </a:defRPr>
+            </a:lvl8pPr>
+            <a:lvl9pPr marL="2914650" lvl="8" indent="-171450" algn="l" defTabSz="342900" rtl="0" eaLnBrk="1" latinLnBrk="0" hangingPunct="1">
+              <a:spcBef>
+                <a:spcPts val="1600"/>
+              </a:spcBef>
+              <a:spcAft>
+                <a:spcPts val="1600"/>
+              </a:spcAft>
+              <a:buClr>
+                <a:schemeClr val="accent1"/>
+              </a:buClr>
+              <a:buSzPts val="1500"/>
+              <a:buFont typeface="Wingdings 3" charset="2"/>
+              <a:buNone/>
+              <a:defRPr sz="900" b="0" i="0" kern="1200">
+                <a:solidFill>
+                  <a:schemeClr val="tx1">
+                    <a:lumMod val="75000"/>
+                    <a:lumOff val="25000"/>
+                  </a:schemeClr>
+                </a:solidFill>
+                <a:latin typeface="+mn-lt"/>
+                <a:ea typeface="+mn-ea"/>
+                <a:cs typeface="+mn-cs"/>
+              </a:defRPr>
+            </a:lvl9pPr>
+          </a:lstStyle>
+          <a:p>
+            <a:pPr marL="133350" indent="0">
+              <a:buClr>
+                <a:schemeClr val="dk2"/>
+              </a:buClr>
+            </a:pPr>
+            <a:r>
+              <a:rPr lang="en-US" sz="2000" b="1" i="1" dirty="0" err="1">
+                <a:solidFill>
+                  <a:schemeClr val="tx1"/>
+                </a:solidFill>
+              </a:rPr>
+              <a:t>SyriaTel’s</a:t>
+            </a:r>
+            <a:r>
+              <a:rPr lang="en-US" sz="2000" b="1" i="1" dirty="0">
+                <a:solidFill>
+                  <a:schemeClr val="tx1"/>
+                </a:solidFill>
+              </a:rPr>
+              <a:t> time and resources will not be wasted!</a:t>
+            </a:r>
+          </a:p>
+        </p:txBody>
+      </p:sp>
     </p:spTree>
   </p:cSld>
   <p:clrMapOvr>
@@ -23513,8 +23804,8 @@
         </p:nvSpPr>
         <p:spPr>
           <a:xfrm>
-            <a:off x="1243852" y="2281475"/>
-            <a:ext cx="7235047" cy="2123700"/>
+            <a:off x="1243852" y="2281474"/>
+            <a:ext cx="7235047" cy="2396851"/>
           </a:xfrm>
           <a:prstGeom prst="rect">
             <a:avLst/>
@@ -23541,7 +23832,7 @@
                 <a:latin typeface="Arial" panose="020B0604020202020204" pitchFamily="34" charset="0"/>
                 <a:cs typeface="Arial" panose="020B0604020202020204" pitchFamily="34" charset="0"/>
               </a:rPr>
-              <a:t>Focus on the 80% of customers that are flagged by the model</a:t>
+              <a:t>At the end of each quarter, feed model with active customer list</a:t>
             </a:r>
           </a:p>
           <a:p>
@@ -23576,7 +23867,23 @@
                 <a:latin typeface="Arial" panose="020B0604020202020204" pitchFamily="34" charset="0"/>
                 <a:cs typeface="Arial" panose="020B0604020202020204" pitchFamily="34" charset="0"/>
               </a:rPr>
-              <a:t>Provide these customers with one-time incentives or consider “unlimited” plans</a:t>
+              <a:t>Focus on customers that are identified by the model</a:t>
+            </a:r>
+          </a:p>
+          <a:p>
+            <a:pPr marL="585788" lvl="1" indent="-285750">
+              <a:spcBef>
+                <a:spcPts val="0"/>
+              </a:spcBef>
+              <a:buFont typeface="Arial" panose="020B0604020202020204" pitchFamily="34" charset="0"/>
+              <a:buChar char="•"/>
+            </a:pPr>
+            <a:r>
+              <a:rPr lang="en-US" sz="1650" dirty="0">
+                <a:latin typeface="Arial" panose="020B0604020202020204" pitchFamily="34" charset="0"/>
+                <a:cs typeface="Arial" panose="020B0604020202020204" pitchFamily="34" charset="0"/>
+              </a:rPr>
+              <a:t>Prioritize newly flagged customers</a:t>
             </a:r>
           </a:p>
           <a:p>
@@ -23611,9 +23918,21 @@
                 <a:latin typeface="Arial" panose="020B0604020202020204" pitchFamily="34" charset="0"/>
                 <a:cs typeface="Arial" panose="020B0604020202020204" pitchFamily="34" charset="0"/>
               </a:rPr>
-              <a:t>Consider implementing customer surveys to help identify the other 20%</a:t>
+              <a:t>Provide these customers with one-time incentives or consider rolling out “unlimited” plans by region</a:t>
             </a:r>
-            <a:endParaRPr sz="1800" dirty="0">
+          </a:p>
+          <a:p>
+            <a:pPr marL="228600" lvl="0" indent="-228600" algn="l" rtl="0">
+              <a:spcBef>
+                <a:spcPts val="0"/>
+              </a:spcBef>
+              <a:spcAft>
+                <a:spcPts val="0"/>
+              </a:spcAft>
+              <a:buFont typeface="+mj-lt"/>
+              <a:buAutoNum type="arabicPeriod"/>
+            </a:pPr>
+            <a:endParaRPr lang="en-US" sz="1800" dirty="0">
               <a:latin typeface="Arial" panose="020B0604020202020204" pitchFamily="34" charset="0"/>
               <a:cs typeface="Arial" panose="020B0604020202020204" pitchFamily="34" charset="0"/>
             </a:endParaRPr>

--- a/Phase 3 Presentation.pptx
+++ b/Phase 3 Presentation.pptx
@@ -2095,7 +2095,7 @@
             <a:fld id="{B61BEF0D-F0BB-DE4B-95CE-6DB70DBA9567}" type="datetimeFigureOut">
               <a:rPr lang="en-US" smtClean="0"/>
               <a:pPr/>
-              <a:t>8/25/2022</a:t>
+              <a:t>8/26/2022</a:t>
             </a:fld>
             <a:endParaRPr lang="en-US" dirty="0"/>
           </a:p>
@@ -3186,7 +3186,7 @@
             <a:fld id="{B61BEF0D-F0BB-DE4B-95CE-6DB70DBA9567}" type="datetimeFigureOut">
               <a:rPr lang="en-US" smtClean="0"/>
               <a:pPr/>
-              <a:t>8/25/2022</a:t>
+              <a:t>8/26/2022</a:t>
             </a:fld>
             <a:endParaRPr lang="en-US" dirty="0"/>
           </a:p>
@@ -4169,7 +4169,7 @@
             <a:fld id="{B61BEF0D-F0BB-DE4B-95CE-6DB70DBA9567}" type="datetimeFigureOut">
               <a:rPr lang="en-US" smtClean="0"/>
               <a:pPr/>
-              <a:t>8/25/2022</a:t>
+              <a:t>8/26/2022</a:t>
             </a:fld>
             <a:endParaRPr lang="en-US" dirty="0"/>
           </a:p>
@@ -5306,7 +5306,7 @@
             <a:fld id="{B61BEF0D-F0BB-DE4B-95CE-6DB70DBA9567}" type="datetimeFigureOut">
               <a:rPr lang="en-US" smtClean="0"/>
               <a:pPr/>
-              <a:t>8/25/2022</a:t>
+              <a:t>8/26/2022</a:t>
             </a:fld>
             <a:endParaRPr lang="en-US" dirty="0"/>
           </a:p>
@@ -6342,7 +6342,7 @@
             <a:fld id="{B61BEF0D-F0BB-DE4B-95CE-6DB70DBA9567}" type="datetimeFigureOut">
               <a:rPr lang="en-US" smtClean="0"/>
               <a:pPr/>
-              <a:t>8/25/2022</a:t>
+              <a:t>8/26/2022</a:t>
             </a:fld>
             <a:endParaRPr lang="en-US" dirty="0"/>
           </a:p>
@@ -7005,7 +7005,7 @@
             <a:fld id="{B61BEF0D-F0BB-DE4B-95CE-6DB70DBA9567}" type="datetimeFigureOut">
               <a:rPr lang="en-US" smtClean="0"/>
               <a:pPr/>
-              <a:t>8/25/2022</a:t>
+              <a:t>8/26/2022</a:t>
             </a:fld>
             <a:endParaRPr lang="en-US" dirty="0"/>
           </a:p>
@@ -7869,7 +7869,7 @@
             <a:fld id="{B61BEF0D-F0BB-DE4B-95CE-6DB70DBA9567}" type="datetimeFigureOut">
               <a:rPr lang="en-US" smtClean="0"/>
               <a:pPr/>
-              <a:t>8/25/2022</a:t>
+              <a:t>8/26/2022</a:t>
             </a:fld>
             <a:endParaRPr lang="en-US" dirty="0"/>
           </a:p>
@@ -8062,7 +8062,7 @@
             <a:fld id="{B61BEF0D-F0BB-DE4B-95CE-6DB70DBA9567}" type="datetimeFigureOut">
               <a:rPr lang="en-US" smtClean="0"/>
               <a:pPr/>
-              <a:t>8/25/2022</a:t>
+              <a:t>8/26/2022</a:t>
             </a:fld>
             <a:endParaRPr lang="en-US" dirty="0"/>
           </a:p>
@@ -9037,7 +9037,7 @@
             <a:fld id="{B61BEF0D-F0BB-DE4B-95CE-6DB70DBA9567}" type="datetimeFigureOut">
               <a:rPr lang="en-US" smtClean="0"/>
               <a:pPr/>
-              <a:t>8/25/2022</a:t>
+              <a:t>8/26/2022</a:t>
             </a:fld>
             <a:endParaRPr lang="en-US" dirty="0"/>
           </a:p>
@@ -11746,7 +11746,7 @@
             <a:fld id="{B61BEF0D-F0BB-DE4B-95CE-6DB70DBA9567}" type="datetimeFigureOut">
               <a:rPr lang="en-US" smtClean="0"/>
               <a:pPr/>
-              <a:t>8/25/2022</a:t>
+              <a:t>8/26/2022</a:t>
             </a:fld>
             <a:endParaRPr lang="en-US" dirty="0"/>
           </a:p>
@@ -14668,7 +14668,7 @@
             <a:fld id="{B61BEF0D-F0BB-DE4B-95CE-6DB70DBA9567}" type="datetimeFigureOut">
               <a:rPr lang="en-US" smtClean="0"/>
               <a:pPr/>
-              <a:t>8/25/2022</a:t>
+              <a:t>8/26/2022</a:t>
             </a:fld>
             <a:endParaRPr lang="en-US" dirty="0"/>
           </a:p>
@@ -14943,7 +14943,7 @@
             <a:fld id="{B61BEF0D-F0BB-DE4B-95CE-6DB70DBA9567}" type="datetimeFigureOut">
               <a:rPr lang="en-US" smtClean="0"/>
               <a:pPr/>
-              <a:t>8/25/2022</a:t>
+              <a:t>8/26/2022</a:t>
             </a:fld>
             <a:endParaRPr lang="en-US" dirty="0"/>
           </a:p>
@@ -15356,7 +15356,7 @@
             <a:fld id="{B61BEF0D-F0BB-DE4B-95CE-6DB70DBA9567}" type="datetimeFigureOut">
               <a:rPr lang="en-US" smtClean="0"/>
               <a:pPr/>
-              <a:t>8/25/2022</a:t>
+              <a:t>8/26/2022</a:t>
             </a:fld>
             <a:endParaRPr lang="en-US" dirty="0"/>
           </a:p>
@@ -15486,7 +15486,7 @@
             <a:fld id="{B61BEF0D-F0BB-DE4B-95CE-6DB70DBA9567}" type="datetimeFigureOut">
               <a:rPr lang="en-US" smtClean="0"/>
               <a:pPr/>
-              <a:t>8/25/2022</a:t>
+              <a:t>8/26/2022</a:t>
             </a:fld>
             <a:endParaRPr lang="en-US" dirty="0"/>
           </a:p>
@@ -15584,7 +15584,7 @@
             <a:fld id="{B61BEF0D-F0BB-DE4B-95CE-6DB70DBA9567}" type="datetimeFigureOut">
               <a:rPr lang="en-US" smtClean="0"/>
               <a:pPr/>
-              <a:t>8/25/2022</a:t>
+              <a:t>8/26/2022</a:t>
             </a:fld>
             <a:endParaRPr lang="en-US" dirty="0"/>
           </a:p>
@@ -16667,7 +16667,7 @@
             <a:fld id="{B61BEF0D-F0BB-DE4B-95CE-6DB70DBA9567}" type="datetimeFigureOut">
               <a:rPr lang="en-US" smtClean="0"/>
               <a:pPr/>
-              <a:t>8/25/2022</a:t>
+              <a:t>8/26/2022</a:t>
             </a:fld>
             <a:endParaRPr lang="en-US" dirty="0"/>
           </a:p>
@@ -17778,7 +17778,7 @@
             <a:fld id="{B61BEF0D-F0BB-DE4B-95CE-6DB70DBA9567}" type="datetimeFigureOut">
               <a:rPr lang="en-US" smtClean="0"/>
               <a:pPr/>
-              <a:t>8/25/2022</a:t>
+              <a:t>8/26/2022</a:t>
             </a:fld>
             <a:endParaRPr lang="en-US" dirty="0"/>
           </a:p>
@@ -18778,7 +18778,7 @@
             <a:fld id="{B61BEF0D-F0BB-DE4B-95CE-6DB70DBA9567}" type="datetimeFigureOut">
               <a:rPr lang="en-US" smtClean="0"/>
               <a:pPr/>
-              <a:t>8/25/2022</a:t>
+              <a:t>8/26/2022</a:t>
             </a:fld>
             <a:endParaRPr lang="en-US" dirty="0"/>
           </a:p>
@@ -20280,6 +20280,16 @@
               <a:buChar char="•"/>
             </a:pPr>
             <a:r>
+              <a:rPr lang="en-US" sz="2000" i="1" u="sng" dirty="0">
+                <a:solidFill>
+                  <a:sysClr val="windowText" lastClr="000000"/>
+                </a:solidFill>
+                <a:latin typeface="Arial" panose="020B0604020202020204" pitchFamily="34" charset="0"/>
+                <a:cs typeface="Arial" panose="020B0604020202020204" pitchFamily="34" charset="0"/>
+              </a:rPr>
+              <a:t>Objective</a:t>
+            </a:r>
+            <a:r>
               <a:rPr lang="en-US" sz="2000" dirty="0">
                 <a:solidFill>
                   <a:sysClr val="windowText" lastClr="000000"/>
@@ -20287,7 +20297,7 @@
                 <a:latin typeface="Arial" panose="020B0604020202020204" pitchFamily="34" charset="0"/>
                 <a:cs typeface="Arial" panose="020B0604020202020204" pitchFamily="34" charset="0"/>
               </a:rPr>
-              <a:t>Identify current customers likely to churn</a:t>
+              <a:t>: Predict which customers are likely to churn</a:t>
             </a:r>
           </a:p>
         </p:txBody>

--- a/Phase 3 Presentation.pptx
+++ b/Phase 3 Presentation.pptx
@@ -2095,7 +2095,7 @@
             <a:fld id="{B61BEF0D-F0BB-DE4B-95CE-6DB70DBA9567}" type="datetimeFigureOut">
               <a:rPr lang="en-US" smtClean="0"/>
               <a:pPr/>
-              <a:t>8/26/2022</a:t>
+              <a:t>8/29/2022</a:t>
             </a:fld>
             <a:endParaRPr lang="en-US" dirty="0"/>
           </a:p>
@@ -3186,7 +3186,7 @@
             <a:fld id="{B61BEF0D-F0BB-DE4B-95CE-6DB70DBA9567}" type="datetimeFigureOut">
               <a:rPr lang="en-US" smtClean="0"/>
               <a:pPr/>
-              <a:t>8/26/2022</a:t>
+              <a:t>8/29/2022</a:t>
             </a:fld>
             <a:endParaRPr lang="en-US" dirty="0"/>
           </a:p>
@@ -4169,7 +4169,7 @@
             <a:fld id="{B61BEF0D-F0BB-DE4B-95CE-6DB70DBA9567}" type="datetimeFigureOut">
               <a:rPr lang="en-US" smtClean="0"/>
               <a:pPr/>
-              <a:t>8/26/2022</a:t>
+              <a:t>8/29/2022</a:t>
             </a:fld>
             <a:endParaRPr lang="en-US" dirty="0"/>
           </a:p>
@@ -5306,7 +5306,7 @@
             <a:fld id="{B61BEF0D-F0BB-DE4B-95CE-6DB70DBA9567}" type="datetimeFigureOut">
               <a:rPr lang="en-US" smtClean="0"/>
               <a:pPr/>
-              <a:t>8/26/2022</a:t>
+              <a:t>8/29/2022</a:t>
             </a:fld>
             <a:endParaRPr lang="en-US" dirty="0"/>
           </a:p>
@@ -6342,7 +6342,7 @@
             <a:fld id="{B61BEF0D-F0BB-DE4B-95CE-6DB70DBA9567}" type="datetimeFigureOut">
               <a:rPr lang="en-US" smtClean="0"/>
               <a:pPr/>
-              <a:t>8/26/2022</a:t>
+              <a:t>8/29/2022</a:t>
             </a:fld>
             <a:endParaRPr lang="en-US" dirty="0"/>
           </a:p>
@@ -7005,7 +7005,7 @@
             <a:fld id="{B61BEF0D-F0BB-DE4B-95CE-6DB70DBA9567}" type="datetimeFigureOut">
               <a:rPr lang="en-US" smtClean="0"/>
               <a:pPr/>
-              <a:t>8/26/2022</a:t>
+              <a:t>8/29/2022</a:t>
             </a:fld>
             <a:endParaRPr lang="en-US" dirty="0"/>
           </a:p>
@@ -7869,7 +7869,7 @@
             <a:fld id="{B61BEF0D-F0BB-DE4B-95CE-6DB70DBA9567}" type="datetimeFigureOut">
               <a:rPr lang="en-US" smtClean="0"/>
               <a:pPr/>
-              <a:t>8/26/2022</a:t>
+              <a:t>8/29/2022</a:t>
             </a:fld>
             <a:endParaRPr lang="en-US" dirty="0"/>
           </a:p>
@@ -8062,7 +8062,7 @@
             <a:fld id="{B61BEF0D-F0BB-DE4B-95CE-6DB70DBA9567}" type="datetimeFigureOut">
               <a:rPr lang="en-US" smtClean="0"/>
               <a:pPr/>
-              <a:t>8/26/2022</a:t>
+              <a:t>8/29/2022</a:t>
             </a:fld>
             <a:endParaRPr lang="en-US" dirty="0"/>
           </a:p>
@@ -9037,7 +9037,7 @@
             <a:fld id="{B61BEF0D-F0BB-DE4B-95CE-6DB70DBA9567}" type="datetimeFigureOut">
               <a:rPr lang="en-US" smtClean="0"/>
               <a:pPr/>
-              <a:t>8/26/2022</a:t>
+              <a:t>8/29/2022</a:t>
             </a:fld>
             <a:endParaRPr lang="en-US" dirty="0"/>
           </a:p>
@@ -11746,7 +11746,7 @@
             <a:fld id="{B61BEF0D-F0BB-DE4B-95CE-6DB70DBA9567}" type="datetimeFigureOut">
               <a:rPr lang="en-US" smtClean="0"/>
               <a:pPr/>
-              <a:t>8/26/2022</a:t>
+              <a:t>8/29/2022</a:t>
             </a:fld>
             <a:endParaRPr lang="en-US" dirty="0"/>
           </a:p>
@@ -14668,7 +14668,7 @@
             <a:fld id="{B61BEF0D-F0BB-DE4B-95CE-6DB70DBA9567}" type="datetimeFigureOut">
               <a:rPr lang="en-US" smtClean="0"/>
               <a:pPr/>
-              <a:t>8/26/2022</a:t>
+              <a:t>8/29/2022</a:t>
             </a:fld>
             <a:endParaRPr lang="en-US" dirty="0"/>
           </a:p>
@@ -14943,7 +14943,7 @@
             <a:fld id="{B61BEF0D-F0BB-DE4B-95CE-6DB70DBA9567}" type="datetimeFigureOut">
               <a:rPr lang="en-US" smtClean="0"/>
               <a:pPr/>
-              <a:t>8/26/2022</a:t>
+              <a:t>8/29/2022</a:t>
             </a:fld>
             <a:endParaRPr lang="en-US" dirty="0"/>
           </a:p>
@@ -15356,7 +15356,7 @@
             <a:fld id="{B61BEF0D-F0BB-DE4B-95CE-6DB70DBA9567}" type="datetimeFigureOut">
               <a:rPr lang="en-US" smtClean="0"/>
               <a:pPr/>
-              <a:t>8/26/2022</a:t>
+              <a:t>8/29/2022</a:t>
             </a:fld>
             <a:endParaRPr lang="en-US" dirty="0"/>
           </a:p>
@@ -15486,7 +15486,7 @@
             <a:fld id="{B61BEF0D-F0BB-DE4B-95CE-6DB70DBA9567}" type="datetimeFigureOut">
               <a:rPr lang="en-US" smtClean="0"/>
               <a:pPr/>
-              <a:t>8/26/2022</a:t>
+              <a:t>8/29/2022</a:t>
             </a:fld>
             <a:endParaRPr lang="en-US" dirty="0"/>
           </a:p>
@@ -15584,7 +15584,7 @@
             <a:fld id="{B61BEF0D-F0BB-DE4B-95CE-6DB70DBA9567}" type="datetimeFigureOut">
               <a:rPr lang="en-US" smtClean="0"/>
               <a:pPr/>
-              <a:t>8/26/2022</a:t>
+              <a:t>8/29/2022</a:t>
             </a:fld>
             <a:endParaRPr lang="en-US" dirty="0"/>
           </a:p>
@@ -16667,7 +16667,7 @@
             <a:fld id="{B61BEF0D-F0BB-DE4B-95CE-6DB70DBA9567}" type="datetimeFigureOut">
               <a:rPr lang="en-US" smtClean="0"/>
               <a:pPr/>
-              <a:t>8/26/2022</a:t>
+              <a:t>8/29/2022</a:t>
             </a:fld>
             <a:endParaRPr lang="en-US" dirty="0"/>
           </a:p>
@@ -17778,7 +17778,7 @@
             <a:fld id="{B61BEF0D-F0BB-DE4B-95CE-6DB70DBA9567}" type="datetimeFigureOut">
               <a:rPr lang="en-US" smtClean="0"/>
               <a:pPr/>
-              <a:t>8/26/2022</a:t>
+              <a:t>8/29/2022</a:t>
             </a:fld>
             <a:endParaRPr lang="en-US" dirty="0"/>
           </a:p>
@@ -18778,7 +18778,7 @@
             <a:fld id="{B61BEF0D-F0BB-DE4B-95CE-6DB70DBA9567}" type="datetimeFigureOut">
               <a:rPr lang="en-US" smtClean="0"/>
               <a:pPr/>
-              <a:t>8/26/2022</a:t>
+              <a:t>8/29/2022</a:t>
             </a:fld>
             <a:endParaRPr lang="en-US" dirty="0"/>
           </a:p>
@@ -19356,7 +19356,7 @@
         </p:nvSpPr>
         <p:spPr>
           <a:xfrm>
-            <a:off x="1042157" y="1165459"/>
+            <a:off x="983736" y="938631"/>
             <a:ext cx="6954609" cy="1959300"/>
           </a:xfrm>
           <a:prstGeom prst="rect">
@@ -19381,6 +19381,13 @@
             <a:r>
               <a:rPr lang="en" dirty="0"/>
               <a:t>SyriaTel – Customer Churn Assessment</a:t>
+            </a:r>
+            <a:br>
+              <a:rPr lang="en" dirty="0"/>
+            </a:br>
+            <a:r>
+              <a:rPr lang="en" sz="1600" dirty="0"/>
+              <a:t>August 26, 2022</a:t>
             </a:r>
             <a:endParaRPr sz="5200" dirty="0"/>
           </a:p>
@@ -19398,7 +19405,7 @@
         </p:nvSpPr>
         <p:spPr>
           <a:xfrm>
-            <a:off x="983736" y="3070013"/>
+            <a:off x="2004462" y="2999129"/>
             <a:ext cx="4800600" cy="1460500"/>
           </a:xfrm>
           <a:prstGeom prst="rect">
@@ -19411,7 +19418,7 @@
           </a:bodyPr>
           <a:lstStyle/>
           <a:p>
-            <a:pPr marL="0" lvl="0" indent="0" algn="l" rtl="0">
+            <a:pPr marL="0" lvl="0" indent="0" algn="ctr" rtl="0">
               <a:spcBef>
                 <a:spcPts val="0"/>
               </a:spcBef>
@@ -19430,7 +19437,7 @@
             </a:r>
           </a:p>
           <a:p>
-            <a:pPr marL="0" lvl="0" indent="0" algn="l" rtl="0">
+            <a:pPr marL="0" lvl="0" indent="0" algn="ctr" rtl="0">
               <a:spcBef>
                 <a:spcPts val="0"/>
               </a:spcBef>
@@ -19449,7 +19456,7 @@
             </a:r>
           </a:p>
           <a:p>
-            <a:pPr marL="0" lvl="0" indent="0" algn="l" rtl="0">
+            <a:pPr marL="0" lvl="0" indent="0" algn="ctr" rtl="0">
               <a:spcBef>
                 <a:spcPts val="0"/>
               </a:spcBef>
@@ -19838,8 +19845,8 @@
         </p:nvSpPr>
         <p:spPr>
           <a:xfrm>
-            <a:off x="3255471" y="2571750"/>
-            <a:ext cx="4131445" cy="553968"/>
+            <a:off x="1543050" y="2464173"/>
+            <a:ext cx="6057899" cy="1846629"/>
           </a:xfrm>
           <a:prstGeom prst="rect">
             <a:avLst/>
@@ -19855,7 +19862,7 @@
           </a:bodyPr>
           <a:lstStyle/>
           <a:p>
-            <a:pPr marL="0" lvl="0" indent="0" algn="l" rtl="0">
+            <a:pPr marL="0" lvl="0" indent="0" algn="ctr" rtl="0">
               <a:spcBef>
                 <a:spcPts val="0"/>
               </a:spcBef>
@@ -19880,6 +19887,135 @@
                 <a:sym typeface="Raleway"/>
               </a:rPr>
               <a:t>Any questions?</a:t>
+            </a:r>
+          </a:p>
+          <a:p>
+            <a:pPr marL="0" lvl="0" indent="0" algn="ctr" rtl="0">
+              <a:spcBef>
+                <a:spcPts val="0"/>
+              </a:spcBef>
+              <a:spcAft>
+                <a:spcPts val="0"/>
+              </a:spcAft>
+              <a:buClr>
+                <a:schemeClr val="dk2"/>
+              </a:buClr>
+              <a:buSzPts val="1100"/>
+              <a:buFont typeface="Arial"/>
+              <a:buNone/>
+            </a:pPr>
+            <a:endParaRPr lang="en" sz="2400" dirty="0">
+              <a:solidFill>
+                <a:schemeClr val="dk2"/>
+              </a:solidFill>
+              <a:latin typeface="Raleway"/>
+              <a:ea typeface="Raleway"/>
+              <a:cs typeface="Raleway"/>
+              <a:sym typeface="Raleway"/>
+            </a:endParaRPr>
+          </a:p>
+          <a:p>
+            <a:pPr marL="0" lvl="0" indent="0" algn="ctr" rtl="0">
+              <a:spcBef>
+                <a:spcPts val="0"/>
+              </a:spcBef>
+              <a:spcAft>
+                <a:spcPts val="0"/>
+              </a:spcAft>
+              <a:buClr>
+                <a:schemeClr val="dk2"/>
+              </a:buClr>
+              <a:buSzPts val="1100"/>
+              <a:buFont typeface="Arial"/>
+              <a:buNone/>
+            </a:pPr>
+            <a:endParaRPr lang="en" sz="2400" dirty="0">
+              <a:solidFill>
+                <a:schemeClr val="dk2"/>
+              </a:solidFill>
+              <a:latin typeface="Raleway"/>
+              <a:ea typeface="Raleway"/>
+              <a:cs typeface="Raleway"/>
+              <a:sym typeface="Raleway"/>
+            </a:endParaRPr>
+          </a:p>
+          <a:p>
+            <a:pPr marL="0" lvl="0" indent="0" algn="ctr" rtl="0">
+              <a:spcBef>
+                <a:spcPts val="0"/>
+              </a:spcBef>
+              <a:spcAft>
+                <a:spcPts val="0"/>
+              </a:spcAft>
+              <a:buClr>
+                <a:schemeClr val="dk2"/>
+              </a:buClr>
+              <a:buSzPts val="1100"/>
+              <a:buFont typeface="Arial"/>
+              <a:buNone/>
+            </a:pPr>
+            <a:r>
+              <a:rPr lang="en" dirty="0">
+                <a:solidFill>
+                  <a:schemeClr val="dk2"/>
+                </a:solidFill>
+                <a:latin typeface="Raleway"/>
+                <a:ea typeface="Raleway"/>
+                <a:cs typeface="Raleway"/>
+                <a:sym typeface="Raleway"/>
+              </a:rPr>
+              <a:t>Email: </a:t>
+            </a:r>
+            <a:r>
+              <a:rPr lang="en" dirty="0">
+                <a:solidFill>
+                  <a:schemeClr val="dk2"/>
+                </a:solidFill>
+                <a:latin typeface="Raleway"/>
+                <a:ea typeface="Raleway"/>
+                <a:cs typeface="Raleway"/>
+                <a:sym typeface="Raleway"/>
+                <a:hlinkClick r:id="rId3"/>
+              </a:rPr>
+              <a:t>Ali.Rampurawala@gmail.com</a:t>
+            </a:r>
+            <a:endParaRPr lang="en" dirty="0">
+              <a:solidFill>
+                <a:schemeClr val="dk2"/>
+              </a:solidFill>
+              <a:latin typeface="Raleway"/>
+              <a:ea typeface="Raleway"/>
+              <a:cs typeface="Raleway"/>
+              <a:sym typeface="Raleway"/>
+            </a:endParaRPr>
+          </a:p>
+          <a:p>
+            <a:pPr marL="0" lvl="0" indent="0" algn="ctr" rtl="0">
+              <a:spcBef>
+                <a:spcPts val="0"/>
+              </a:spcBef>
+              <a:spcAft>
+                <a:spcPts val="0"/>
+              </a:spcAft>
+              <a:buClr>
+                <a:schemeClr val="dk2"/>
+              </a:buClr>
+              <a:buSzPts val="1100"/>
+              <a:buFont typeface="Arial"/>
+              <a:buNone/>
+            </a:pPr>
+            <a:r>
+              <a:rPr lang="en" dirty="0">
+                <a:solidFill>
+                  <a:schemeClr val="dk2"/>
+                </a:solidFill>
+                <a:latin typeface="Raleway"/>
+                <a:ea typeface="Raleway"/>
+                <a:cs typeface="Raleway"/>
+                <a:sym typeface="Raleway"/>
+                <a:hlinkClick r:id="rId4"/>
+              </a:rPr>
+              <a:t>Github Link</a:t>
             </a:r>
             <a:endParaRPr sz="2400" dirty="0">
               <a:latin typeface="Raleway"/>
@@ -21530,7 +21666,7 @@
                 <a:latin typeface="Arial" panose="020B0604020202020204" pitchFamily="34" charset="0"/>
                 <a:cs typeface="Arial" panose="020B0604020202020204" pitchFamily="34" charset="0"/>
               </a:rPr>
-              <a:t>Churn or no</a:t>
+              <a:t>Churn (~14%)</a:t>
             </a:r>
           </a:p>
         </p:txBody>
@@ -22257,7 +22393,7 @@
                 <a:latin typeface="Arial" panose="020B0604020202020204" pitchFamily="34" charset="0"/>
                 <a:cs typeface="Arial" panose="020B0604020202020204" pitchFamily="34" charset="0"/>
               </a:rPr>
-              <a:t>Churn ($) is from all regions of the US </a:t>
+              <a:t>Churn ($) is highest in the North</a:t>
             </a:r>
           </a:p>
         </p:txBody>
@@ -22331,7 +22467,7 @@
         </p:blipFill>
         <p:spPr>
           <a:xfrm>
-            <a:off x="3856023" y="1881070"/>
+            <a:off x="3904149" y="1905134"/>
             <a:ext cx="4691170" cy="3024996"/>
           </a:xfrm>
           <a:prstGeom prst="rect">
@@ -23842,7 +23978,7 @@
                 <a:latin typeface="Arial" panose="020B0604020202020204" pitchFamily="34" charset="0"/>
                 <a:cs typeface="Arial" panose="020B0604020202020204" pitchFamily="34" charset="0"/>
               </a:rPr>
-              <a:t>At the end of each quarter, feed model with active customer list</a:t>
+              <a:t>At the end of each quarter, feed model with active customer account data</a:t>
             </a:r>
           </a:p>
           <a:p>
@@ -23928,7 +24064,7 @@
                 <a:latin typeface="Arial" panose="020B0604020202020204" pitchFamily="34" charset="0"/>
                 <a:cs typeface="Arial" panose="020B0604020202020204" pitchFamily="34" charset="0"/>
               </a:rPr>
-              <a:t>Provide these customers with one-time incentives or consider rolling out “unlimited” plans by region</a:t>
+              <a:t>Provide discounts, consider rolling out “unlimited” plans by region, and assign top customer service reps</a:t>
             </a:r>
           </a:p>
           <a:p>
